--- a/Computer Science Discoveries/Lectures/Lecture 8 - HTML Tags.pptx
+++ b/Computer Science Discoveries/Lectures/Lecture 8 - HTML Tags.pptx
@@ -21,6 +21,30 @@
     <p:sldId id="270" r:id="rId18"/>
     <p:sldId id="271" r:id="rId19"/>
     <p:sldId id="272" r:id="rId20"/>
+    <p:sldId id="273" r:id="rId21"/>
+    <p:sldId id="274" r:id="rId22"/>
+    <p:sldId id="277" r:id="rId23"/>
+    <p:sldId id="278" r:id="rId24"/>
+    <p:sldId id="279" r:id="rId25"/>
+    <p:sldId id="280" r:id="rId26"/>
+    <p:sldId id="281" r:id="rId27"/>
+    <p:sldId id="282" r:id="rId28"/>
+    <p:sldId id="283" r:id="rId29"/>
+    <p:sldId id="284" r:id="rId30"/>
+    <p:sldId id="285" r:id="rId31"/>
+    <p:sldId id="286" r:id="rId32"/>
+    <p:sldId id="287" r:id="rId33"/>
+    <p:sldId id="288" r:id="rId34"/>
+    <p:sldId id="289" r:id="rId35"/>
+    <p:sldId id="290" r:id="rId36"/>
+    <p:sldId id="291" r:id="rId37"/>
+    <p:sldId id="292" r:id="rId38"/>
+    <p:sldId id="293" r:id="rId39"/>
+    <p:sldId id="294" r:id="rId40"/>
+    <p:sldId id="295" r:id="rId41"/>
+    <p:sldId id="297" r:id="rId42"/>
+    <p:sldId id="296" r:id="rId43"/>
+    <p:sldId id="298" r:id="rId44"/>
   </p:sldIdLst>
   <p:sldSz cx="12192000" cy="6858000"/>
   <p:notesSz cx="6858000" cy="9144000"/>
@@ -119,11 +143,765 @@
       </a:defRPr>
     </a:lvl9pPr>
   </p:defaultTextStyle>
+  <p:extLst>
+    <p:ext uri="{EFAFB233-063F-42B5-8137-9DF3F51BA10A}">
+      <p15:sldGuideLst xmlns:p15="http://schemas.microsoft.com/office/powerpoint/2012/main"/>
+    </p:ext>
+  </p:extLst>
 </p:presentation>
 </file>
 
 <file path=ppt/changesInfos/changesInfo1.xml><?xml version="1.0" encoding="utf-8"?>
 <pc:chgInfo xmlns:a="http://schemas.openxmlformats.org/drawingml/2006/main" xmlns:r="http://schemas.openxmlformats.org/officeDocument/2006/relationships" xmlns:ac="http://schemas.microsoft.com/office/drawing/2013/main/command" xmlns:pc="http://schemas.microsoft.com/office/powerpoint/2013/main/command">
+  <pc:docChgLst>
+    <pc:chgData name="Joshua Gross" userId="7bb6a70e-9d37-46e4-96de-748557707bd0" providerId="ADAL" clId="{107E5C7B-8F71-4132-A172-FD6FCDA536B3}"/>
+    <pc:docChg chg="undo redo custSel addSld delSld modSld sldOrd">
+      <pc:chgData name="Joshua Gross" userId="7bb6a70e-9d37-46e4-96de-748557707bd0" providerId="ADAL" clId="{107E5C7B-8F71-4132-A172-FD6FCDA536B3}" dt="2023-09-19T20:50:57.763" v="5976" actId="113"/>
+      <pc:docMkLst>
+        <pc:docMk/>
+      </pc:docMkLst>
+      <pc:sldChg chg="delSp modSp add">
+        <pc:chgData name="Joshua Gross" userId="7bb6a70e-9d37-46e4-96de-748557707bd0" providerId="ADAL" clId="{107E5C7B-8F71-4132-A172-FD6FCDA536B3}" dt="2023-09-19T19:55:19.897" v="1273" actId="20577"/>
+        <pc:sldMkLst>
+          <pc:docMk/>
+          <pc:sldMk cId="2342616853" sldId="273"/>
+        </pc:sldMkLst>
+        <pc:spChg chg="mod">
+          <ac:chgData name="Joshua Gross" userId="7bb6a70e-9d37-46e4-96de-748557707bd0" providerId="ADAL" clId="{107E5C7B-8F71-4132-A172-FD6FCDA536B3}" dt="2023-09-19T19:34:00.921" v="32" actId="20577"/>
+          <ac:spMkLst>
+            <pc:docMk/>
+            <pc:sldMk cId="2342616853" sldId="273"/>
+            <ac:spMk id="2" creationId="{CD700101-9518-482B-836B-9BF507CF18B5}"/>
+          </ac:spMkLst>
+        </pc:spChg>
+        <pc:spChg chg="mod">
+          <ac:chgData name="Joshua Gross" userId="7bb6a70e-9d37-46e4-96de-748557707bd0" providerId="ADAL" clId="{107E5C7B-8F71-4132-A172-FD6FCDA536B3}" dt="2023-09-19T19:55:19.897" v="1273" actId="20577"/>
+          <ac:spMkLst>
+            <pc:docMk/>
+            <pc:sldMk cId="2342616853" sldId="273"/>
+            <ac:spMk id="3" creationId="{998DAAA8-2E96-4468-A2B0-DB1A0A73F05D}"/>
+          </ac:spMkLst>
+        </pc:spChg>
+        <pc:spChg chg="del">
+          <ac:chgData name="Joshua Gross" userId="7bb6a70e-9d37-46e4-96de-748557707bd0" providerId="ADAL" clId="{107E5C7B-8F71-4132-A172-FD6FCDA536B3}" dt="2023-09-19T19:33:38.629" v="2" actId="478"/>
+          <ac:spMkLst>
+            <pc:docMk/>
+            <pc:sldMk cId="2342616853" sldId="273"/>
+            <ac:spMk id="4" creationId="{8B891B5E-EDA4-4262-AF1F-F1C109AA0865}"/>
+          </ac:spMkLst>
+        </pc:spChg>
+        <pc:spChg chg="del">
+          <ac:chgData name="Joshua Gross" userId="7bb6a70e-9d37-46e4-96de-748557707bd0" providerId="ADAL" clId="{107E5C7B-8F71-4132-A172-FD6FCDA536B3}" dt="2023-09-19T19:33:39.244" v="3" actId="478"/>
+          <ac:spMkLst>
+            <pc:docMk/>
+            <pc:sldMk cId="2342616853" sldId="273"/>
+            <ac:spMk id="5" creationId="{63B4D01B-FDC7-48A1-9E2E-9C3D283FA204}"/>
+          </ac:spMkLst>
+        </pc:spChg>
+        <pc:spChg chg="del mod">
+          <ac:chgData name="Joshua Gross" userId="7bb6a70e-9d37-46e4-96de-748557707bd0" providerId="ADAL" clId="{107E5C7B-8F71-4132-A172-FD6FCDA536B3}" dt="2023-09-19T19:33:41.533" v="6" actId="478"/>
+          <ac:spMkLst>
+            <pc:docMk/>
+            <pc:sldMk cId="2342616853" sldId="273"/>
+            <ac:spMk id="6" creationId="{FE085642-CB11-4F0E-9718-1B10E04755A6}"/>
+          </ac:spMkLst>
+        </pc:spChg>
+        <pc:spChg chg="del mod">
+          <ac:chgData name="Joshua Gross" userId="7bb6a70e-9d37-46e4-96de-748557707bd0" providerId="ADAL" clId="{107E5C7B-8F71-4132-A172-FD6FCDA536B3}" dt="2023-09-19T19:33:42.357" v="7" actId="478"/>
+          <ac:spMkLst>
+            <pc:docMk/>
+            <pc:sldMk cId="2342616853" sldId="273"/>
+            <ac:spMk id="7" creationId="{1BB394FC-5175-4A05-A447-7653B755AEA8}"/>
+          </ac:spMkLst>
+        </pc:spChg>
+        <pc:spChg chg="del">
+          <ac:chgData name="Joshua Gross" userId="7bb6a70e-9d37-46e4-96de-748557707bd0" providerId="ADAL" clId="{107E5C7B-8F71-4132-A172-FD6FCDA536B3}" dt="2023-09-19T19:33:43.611" v="9" actId="478"/>
+          <ac:spMkLst>
+            <pc:docMk/>
+            <pc:sldMk cId="2342616853" sldId="273"/>
+            <ac:spMk id="8" creationId="{0DBCFA44-D2FF-469A-8C33-25D005A9C108}"/>
+          </ac:spMkLst>
+        </pc:spChg>
+        <pc:spChg chg="del">
+          <ac:chgData name="Joshua Gross" userId="7bb6a70e-9d37-46e4-96de-748557707bd0" providerId="ADAL" clId="{107E5C7B-8F71-4132-A172-FD6FCDA536B3}" dt="2023-09-19T19:33:43.093" v="8" actId="478"/>
+          <ac:spMkLst>
+            <pc:docMk/>
+            <pc:sldMk cId="2342616853" sldId="273"/>
+            <ac:spMk id="9" creationId="{C39E868A-8E4E-41BE-89A6-2203D893A936}"/>
+          </ac:spMkLst>
+        </pc:spChg>
+        <pc:spChg chg="del">
+          <ac:chgData name="Joshua Gross" userId="7bb6a70e-9d37-46e4-96de-748557707bd0" providerId="ADAL" clId="{107E5C7B-8F71-4132-A172-FD6FCDA536B3}" dt="2023-09-19T19:33:44.357" v="10" actId="478"/>
+          <ac:spMkLst>
+            <pc:docMk/>
+            <pc:sldMk cId="2342616853" sldId="273"/>
+            <ac:spMk id="10" creationId="{08214D3F-1F0F-4CAA-955C-3485C7C81FE9}"/>
+          </ac:spMkLst>
+        </pc:spChg>
+        <pc:spChg chg="del">
+          <ac:chgData name="Joshua Gross" userId="7bb6a70e-9d37-46e4-96de-748557707bd0" providerId="ADAL" clId="{107E5C7B-8F71-4132-A172-FD6FCDA536B3}" dt="2023-09-19T19:33:44.925" v="11" actId="478"/>
+          <ac:spMkLst>
+            <pc:docMk/>
+            <pc:sldMk cId="2342616853" sldId="273"/>
+            <ac:spMk id="11" creationId="{B91CEFB3-3B56-4337-AE71-5DB3611A08B2}"/>
+          </ac:spMkLst>
+        </pc:spChg>
+        <pc:spChg chg="del">
+          <ac:chgData name="Joshua Gross" userId="7bb6a70e-9d37-46e4-96de-748557707bd0" providerId="ADAL" clId="{107E5C7B-8F71-4132-A172-FD6FCDA536B3}" dt="2023-09-19T19:33:45.612" v="12" actId="478"/>
+          <ac:spMkLst>
+            <pc:docMk/>
+            <pc:sldMk cId="2342616853" sldId="273"/>
+            <ac:spMk id="12" creationId="{7B18934C-3518-4D46-A7CC-D8480F6269CC}"/>
+          </ac:spMkLst>
+        </pc:spChg>
+        <pc:spChg chg="del">
+          <ac:chgData name="Joshua Gross" userId="7bb6a70e-9d37-46e4-96de-748557707bd0" providerId="ADAL" clId="{107E5C7B-8F71-4132-A172-FD6FCDA536B3}" dt="2023-09-19T19:33:37.966" v="1" actId="478"/>
+          <ac:spMkLst>
+            <pc:docMk/>
+            <pc:sldMk cId="2342616853" sldId="273"/>
+            <ac:spMk id="13" creationId="{2A599D63-B49D-406B-B705-955A28804847}"/>
+          </ac:spMkLst>
+        </pc:spChg>
+      </pc:sldChg>
+      <pc:sldChg chg="modSp add">
+        <pc:chgData name="Joshua Gross" userId="7bb6a70e-9d37-46e4-96de-748557707bd0" providerId="ADAL" clId="{107E5C7B-8F71-4132-A172-FD6FCDA536B3}" dt="2023-09-19T19:54:44.674" v="1267" actId="20577"/>
+        <pc:sldMkLst>
+          <pc:docMk/>
+          <pc:sldMk cId="3985093509" sldId="274"/>
+        </pc:sldMkLst>
+        <pc:spChg chg="mod">
+          <ac:chgData name="Joshua Gross" userId="7bb6a70e-9d37-46e4-96de-748557707bd0" providerId="ADAL" clId="{107E5C7B-8F71-4132-A172-FD6FCDA536B3}" dt="2023-09-19T19:54:44.674" v="1267" actId="20577"/>
+          <ac:spMkLst>
+            <pc:docMk/>
+            <pc:sldMk cId="3985093509" sldId="274"/>
+            <ac:spMk id="3" creationId="{998DAAA8-2E96-4468-A2B0-DB1A0A73F05D}"/>
+          </ac:spMkLst>
+        </pc:spChg>
+      </pc:sldChg>
+      <pc:sldChg chg="modSp add del">
+        <pc:chgData name="Joshua Gross" userId="7bb6a70e-9d37-46e4-96de-748557707bd0" providerId="ADAL" clId="{107E5C7B-8F71-4132-A172-FD6FCDA536B3}" dt="2023-09-19T20:00:52.798" v="1541" actId="2696"/>
+        <pc:sldMkLst>
+          <pc:docMk/>
+          <pc:sldMk cId="1478710396" sldId="275"/>
+        </pc:sldMkLst>
+        <pc:spChg chg="mod">
+          <ac:chgData name="Joshua Gross" userId="7bb6a70e-9d37-46e4-96de-748557707bd0" providerId="ADAL" clId="{107E5C7B-8F71-4132-A172-FD6FCDA536B3}" dt="2023-09-19T19:41:55.868" v="515" actId="20577"/>
+          <ac:spMkLst>
+            <pc:docMk/>
+            <pc:sldMk cId="1478710396" sldId="275"/>
+            <ac:spMk id="2" creationId="{CD700101-9518-482B-836B-9BF507CF18B5}"/>
+          </ac:spMkLst>
+        </pc:spChg>
+        <pc:spChg chg="mod">
+          <ac:chgData name="Joshua Gross" userId="7bb6a70e-9d37-46e4-96de-748557707bd0" providerId="ADAL" clId="{107E5C7B-8F71-4132-A172-FD6FCDA536B3}" dt="2023-09-19T20:00:14.323" v="1521" actId="20577"/>
+          <ac:spMkLst>
+            <pc:docMk/>
+            <pc:sldMk cId="1478710396" sldId="275"/>
+            <ac:spMk id="3" creationId="{998DAAA8-2E96-4468-A2B0-DB1A0A73F05D}"/>
+          </ac:spMkLst>
+        </pc:spChg>
+      </pc:sldChg>
+      <pc:sldChg chg="modSp add del">
+        <pc:chgData name="Joshua Gross" userId="7bb6a70e-9d37-46e4-96de-748557707bd0" providerId="ADAL" clId="{107E5C7B-8F71-4132-A172-FD6FCDA536B3}" dt="2023-09-19T19:58:55.211" v="1275" actId="2696"/>
+        <pc:sldMkLst>
+          <pc:docMk/>
+          <pc:sldMk cId="2281826692" sldId="276"/>
+        </pc:sldMkLst>
+        <pc:spChg chg="mod">
+          <ac:chgData name="Joshua Gross" userId="7bb6a70e-9d37-46e4-96de-748557707bd0" providerId="ADAL" clId="{107E5C7B-8F71-4132-A172-FD6FCDA536B3}" dt="2023-09-19T19:58:52.186" v="1274" actId="20577"/>
+          <ac:spMkLst>
+            <pc:docMk/>
+            <pc:sldMk cId="2281826692" sldId="276"/>
+            <ac:spMk id="3" creationId="{998DAAA8-2E96-4468-A2B0-DB1A0A73F05D}"/>
+          </ac:spMkLst>
+        </pc:spChg>
+      </pc:sldChg>
+      <pc:sldChg chg="addSp delSp modSp add">
+        <pc:chgData name="Joshua Gross" userId="7bb6a70e-9d37-46e4-96de-748557707bd0" providerId="ADAL" clId="{107E5C7B-8F71-4132-A172-FD6FCDA536B3}" dt="2023-09-19T19:48:46.721" v="1163" actId="478"/>
+        <pc:sldMkLst>
+          <pc:docMk/>
+          <pc:sldMk cId="3625116410" sldId="277"/>
+        </pc:sldMkLst>
+        <pc:spChg chg="mod">
+          <ac:chgData name="Joshua Gross" userId="7bb6a70e-9d37-46e4-96de-748557707bd0" providerId="ADAL" clId="{107E5C7B-8F71-4132-A172-FD6FCDA536B3}" dt="2023-09-19T19:47:40.059" v="1159" actId="20577"/>
+          <ac:spMkLst>
+            <pc:docMk/>
+            <pc:sldMk cId="3625116410" sldId="277"/>
+            <ac:spMk id="3" creationId="{998DAAA8-2E96-4468-A2B0-DB1A0A73F05D}"/>
+          </ac:spMkLst>
+        </pc:spChg>
+        <pc:spChg chg="add del mod">
+          <ac:chgData name="Joshua Gross" userId="7bb6a70e-9d37-46e4-96de-748557707bd0" providerId="ADAL" clId="{107E5C7B-8F71-4132-A172-FD6FCDA536B3}" dt="2023-09-19T19:48:01.575" v="1161"/>
+          <ac:spMkLst>
+            <pc:docMk/>
+            <pc:sldMk cId="3625116410" sldId="277"/>
+            <ac:spMk id="6" creationId="{02BC0A49-87C7-4200-8F80-E6793277F764}"/>
+          </ac:spMkLst>
+        </pc:spChg>
+        <pc:picChg chg="add del mod">
+          <ac:chgData name="Joshua Gross" userId="7bb6a70e-9d37-46e4-96de-748557707bd0" providerId="ADAL" clId="{107E5C7B-8F71-4132-A172-FD6FCDA536B3}" dt="2023-09-19T19:45:08.330" v="777" actId="478"/>
+          <ac:picMkLst>
+            <pc:docMk/>
+            <pc:sldMk cId="3625116410" sldId="277"/>
+            <ac:picMk id="4" creationId="{F9BC69C4-C3A0-4A49-B687-AF99B8115C3D}"/>
+          </ac:picMkLst>
+        </pc:picChg>
+        <pc:picChg chg="add del mod">
+          <ac:chgData name="Joshua Gross" userId="7bb6a70e-9d37-46e4-96de-748557707bd0" providerId="ADAL" clId="{107E5C7B-8F71-4132-A172-FD6FCDA536B3}" dt="2023-09-19T19:48:46.721" v="1163" actId="478"/>
+          <ac:picMkLst>
+            <pc:docMk/>
+            <pc:sldMk cId="3625116410" sldId="277"/>
+            <ac:picMk id="5" creationId="{4AAD3706-6036-4888-96C9-85D1ABEAE2FE}"/>
+          </ac:picMkLst>
+        </pc:picChg>
+      </pc:sldChg>
+      <pc:sldChg chg="addSp delSp modSp add">
+        <pc:chgData name="Joshua Gross" userId="7bb6a70e-9d37-46e4-96de-748557707bd0" providerId="ADAL" clId="{107E5C7B-8F71-4132-A172-FD6FCDA536B3}" dt="2023-09-19T19:50:57.610" v="1231" actId="1076"/>
+        <pc:sldMkLst>
+          <pc:docMk/>
+          <pc:sldMk cId="835903897" sldId="278"/>
+        </pc:sldMkLst>
+        <pc:spChg chg="add mod">
+          <ac:chgData name="Joshua Gross" userId="7bb6a70e-9d37-46e4-96de-748557707bd0" providerId="ADAL" clId="{107E5C7B-8F71-4132-A172-FD6FCDA536B3}" dt="2023-09-19T19:50:19.042" v="1199" actId="1076"/>
+          <ac:spMkLst>
+            <pc:docMk/>
+            <pc:sldMk cId="835903897" sldId="278"/>
+            <ac:spMk id="7" creationId="{56A3D4B0-D4D1-4BCA-BC6D-2231EE127D71}"/>
+          </ac:spMkLst>
+        </pc:spChg>
+        <pc:spChg chg="add del mod">
+          <ac:chgData name="Joshua Gross" userId="7bb6a70e-9d37-46e4-96de-748557707bd0" providerId="ADAL" clId="{107E5C7B-8F71-4132-A172-FD6FCDA536B3}" dt="2023-09-19T19:49:25.514" v="1181" actId="478"/>
+          <ac:spMkLst>
+            <pc:docMk/>
+            <pc:sldMk cId="835903897" sldId="278"/>
+            <ac:spMk id="8" creationId="{AFB7C76C-DECA-4A3C-AC3E-8585BC57AD0B}"/>
+          </ac:spMkLst>
+        </pc:spChg>
+        <pc:spChg chg="add mod">
+          <ac:chgData name="Joshua Gross" userId="7bb6a70e-9d37-46e4-96de-748557707bd0" providerId="ADAL" clId="{107E5C7B-8F71-4132-A172-FD6FCDA536B3}" dt="2023-09-19T19:50:19.042" v="1199" actId="1076"/>
+          <ac:spMkLst>
+            <pc:docMk/>
+            <pc:sldMk cId="835903897" sldId="278"/>
+            <ac:spMk id="9" creationId="{24C8FBBE-9F80-4D3C-93EB-CDB15C84732F}"/>
+          </ac:spMkLst>
+        </pc:spChg>
+        <pc:spChg chg="add mod">
+          <ac:chgData name="Joshua Gross" userId="7bb6a70e-9d37-46e4-96de-748557707bd0" providerId="ADAL" clId="{107E5C7B-8F71-4132-A172-FD6FCDA536B3}" dt="2023-09-19T19:50:19.042" v="1199" actId="1076"/>
+          <ac:spMkLst>
+            <pc:docMk/>
+            <pc:sldMk cId="835903897" sldId="278"/>
+            <ac:spMk id="10" creationId="{103D1CED-9E3E-400A-89DE-2AD06136B49E}"/>
+          </ac:spMkLst>
+        </pc:spChg>
+        <pc:spChg chg="add mod">
+          <ac:chgData name="Joshua Gross" userId="7bb6a70e-9d37-46e4-96de-748557707bd0" providerId="ADAL" clId="{107E5C7B-8F71-4132-A172-FD6FCDA536B3}" dt="2023-09-19T19:50:41.522" v="1211" actId="1076"/>
+          <ac:spMkLst>
+            <pc:docMk/>
+            <pc:sldMk cId="835903897" sldId="278"/>
+            <ac:spMk id="11" creationId="{9B7B6CA7-B672-477D-88A4-43A8424D3E04}"/>
+          </ac:spMkLst>
+        </pc:spChg>
+        <pc:spChg chg="add mod">
+          <ac:chgData name="Joshua Gross" userId="7bb6a70e-9d37-46e4-96de-748557707bd0" providerId="ADAL" clId="{107E5C7B-8F71-4132-A172-FD6FCDA536B3}" dt="2023-09-19T19:50:57.610" v="1231" actId="1076"/>
+          <ac:spMkLst>
+            <pc:docMk/>
+            <pc:sldMk cId="835903897" sldId="278"/>
+            <ac:spMk id="12" creationId="{6BD6ED53-DE43-4152-8A21-5DA818EB2B34}"/>
+          </ac:spMkLst>
+        </pc:spChg>
+        <pc:picChg chg="mod">
+          <ac:chgData name="Joshua Gross" userId="7bb6a70e-9d37-46e4-96de-748557707bd0" providerId="ADAL" clId="{107E5C7B-8F71-4132-A172-FD6FCDA536B3}" dt="2023-09-19T19:50:19.042" v="1199" actId="1076"/>
+          <ac:picMkLst>
+            <pc:docMk/>
+            <pc:sldMk cId="835903897" sldId="278"/>
+            <ac:picMk id="5" creationId="{4AAD3706-6036-4888-96C9-85D1ABEAE2FE}"/>
+          </ac:picMkLst>
+        </pc:picChg>
+        <pc:cxnChg chg="add mod">
+          <ac:chgData name="Joshua Gross" userId="7bb6a70e-9d37-46e4-96de-748557707bd0" providerId="ADAL" clId="{107E5C7B-8F71-4132-A172-FD6FCDA536B3}" dt="2023-09-19T19:50:19.042" v="1199" actId="1076"/>
+          <ac:cxnSpMkLst>
+            <pc:docMk/>
+            <pc:sldMk cId="835903897" sldId="278"/>
+            <ac:cxnSpMk id="6" creationId="{DAA83B1F-A4F1-4D14-8512-2AD0FCADA9EC}"/>
+          </ac:cxnSpMkLst>
+        </pc:cxnChg>
+      </pc:sldChg>
+      <pc:sldChg chg="add del">
+        <pc:chgData name="Joshua Gross" userId="7bb6a70e-9d37-46e4-96de-748557707bd0" providerId="ADAL" clId="{107E5C7B-8F71-4132-A172-FD6FCDA536B3}" dt="2023-09-19T20:00:06.164" v="1518" actId="2696"/>
+        <pc:sldMkLst>
+          <pc:docMk/>
+          <pc:sldMk cId="1455467019" sldId="279"/>
+        </pc:sldMkLst>
+      </pc:sldChg>
+      <pc:sldChg chg="modSp add">
+        <pc:chgData name="Joshua Gross" userId="7bb6a70e-9d37-46e4-96de-748557707bd0" providerId="ADAL" clId="{107E5C7B-8F71-4132-A172-FD6FCDA536B3}" dt="2023-09-19T20:00:51.016" v="1539" actId="20577"/>
+        <pc:sldMkLst>
+          <pc:docMk/>
+          <pc:sldMk cId="4167046972" sldId="279"/>
+        </pc:sldMkLst>
+        <pc:spChg chg="mod">
+          <ac:chgData name="Joshua Gross" userId="7bb6a70e-9d37-46e4-96de-748557707bd0" providerId="ADAL" clId="{107E5C7B-8F71-4132-A172-FD6FCDA536B3}" dt="2023-09-19T20:00:51.016" v="1539" actId="20577"/>
+          <ac:spMkLst>
+            <pc:docMk/>
+            <pc:sldMk cId="4167046972" sldId="279"/>
+            <ac:spMk id="3" creationId="{998DAAA8-2E96-4468-A2B0-DB1A0A73F05D}"/>
+          </ac:spMkLst>
+        </pc:spChg>
+      </pc:sldChg>
+      <pc:sldChg chg="modSp add">
+        <pc:chgData name="Joshua Gross" userId="7bb6a70e-9d37-46e4-96de-748557707bd0" providerId="ADAL" clId="{107E5C7B-8F71-4132-A172-FD6FCDA536B3}" dt="2023-09-19T20:03:41.088" v="1790" actId="20577"/>
+        <pc:sldMkLst>
+          <pc:docMk/>
+          <pc:sldMk cId="2753714195" sldId="280"/>
+        </pc:sldMkLst>
+        <pc:spChg chg="mod">
+          <ac:chgData name="Joshua Gross" userId="7bb6a70e-9d37-46e4-96de-748557707bd0" providerId="ADAL" clId="{107E5C7B-8F71-4132-A172-FD6FCDA536B3}" dt="2023-09-19T20:03:41.088" v="1790" actId="20577"/>
+          <ac:spMkLst>
+            <pc:docMk/>
+            <pc:sldMk cId="2753714195" sldId="280"/>
+            <ac:spMk id="3" creationId="{998DAAA8-2E96-4468-A2B0-DB1A0A73F05D}"/>
+          </ac:spMkLst>
+        </pc:spChg>
+      </pc:sldChg>
+      <pc:sldChg chg="modSp add">
+        <pc:chgData name="Joshua Gross" userId="7bb6a70e-9d37-46e4-96de-748557707bd0" providerId="ADAL" clId="{107E5C7B-8F71-4132-A172-FD6FCDA536B3}" dt="2023-09-19T20:03:05.216" v="1780" actId="20577"/>
+        <pc:sldMkLst>
+          <pc:docMk/>
+          <pc:sldMk cId="4179328851" sldId="281"/>
+        </pc:sldMkLst>
+        <pc:spChg chg="mod">
+          <ac:chgData name="Joshua Gross" userId="7bb6a70e-9d37-46e4-96de-748557707bd0" providerId="ADAL" clId="{107E5C7B-8F71-4132-A172-FD6FCDA536B3}" dt="2023-09-19T20:03:05.216" v="1780" actId="20577"/>
+          <ac:spMkLst>
+            <pc:docMk/>
+            <pc:sldMk cId="4179328851" sldId="281"/>
+            <ac:spMk id="3" creationId="{998DAAA8-2E96-4468-A2B0-DB1A0A73F05D}"/>
+          </ac:spMkLst>
+        </pc:spChg>
+      </pc:sldChg>
+      <pc:sldChg chg="modSp add">
+        <pc:chgData name="Joshua Gross" userId="7bb6a70e-9d37-46e4-96de-748557707bd0" providerId="ADAL" clId="{107E5C7B-8F71-4132-A172-FD6FCDA536B3}" dt="2023-09-19T20:04:18.656" v="1868" actId="20577"/>
+        <pc:sldMkLst>
+          <pc:docMk/>
+          <pc:sldMk cId="964570293" sldId="282"/>
+        </pc:sldMkLst>
+        <pc:spChg chg="mod">
+          <ac:chgData name="Joshua Gross" userId="7bb6a70e-9d37-46e4-96de-748557707bd0" providerId="ADAL" clId="{107E5C7B-8F71-4132-A172-FD6FCDA536B3}" dt="2023-09-19T20:04:18.656" v="1868" actId="20577"/>
+          <ac:spMkLst>
+            <pc:docMk/>
+            <pc:sldMk cId="964570293" sldId="282"/>
+            <ac:spMk id="3" creationId="{998DAAA8-2E96-4468-A2B0-DB1A0A73F05D}"/>
+          </ac:spMkLst>
+        </pc:spChg>
+      </pc:sldChg>
+      <pc:sldChg chg="modSp add">
+        <pc:chgData name="Joshua Gross" userId="7bb6a70e-9d37-46e4-96de-748557707bd0" providerId="ADAL" clId="{107E5C7B-8F71-4132-A172-FD6FCDA536B3}" dt="2023-09-19T20:07:43.649" v="2237" actId="20577"/>
+        <pc:sldMkLst>
+          <pc:docMk/>
+          <pc:sldMk cId="998371762" sldId="283"/>
+        </pc:sldMkLst>
+        <pc:spChg chg="mod">
+          <ac:chgData name="Joshua Gross" userId="7bb6a70e-9d37-46e4-96de-748557707bd0" providerId="ADAL" clId="{107E5C7B-8F71-4132-A172-FD6FCDA536B3}" dt="2023-09-19T20:07:43.649" v="2237" actId="20577"/>
+          <ac:spMkLst>
+            <pc:docMk/>
+            <pc:sldMk cId="998371762" sldId="283"/>
+            <ac:spMk id="3" creationId="{998DAAA8-2E96-4468-A2B0-DB1A0A73F05D}"/>
+          </ac:spMkLst>
+        </pc:spChg>
+      </pc:sldChg>
+      <pc:sldChg chg="modSp add">
+        <pc:chgData name="Joshua Gross" userId="7bb6a70e-9d37-46e4-96de-748557707bd0" providerId="ADAL" clId="{107E5C7B-8F71-4132-A172-FD6FCDA536B3}" dt="2023-09-19T20:09:42.073" v="2536" actId="20577"/>
+        <pc:sldMkLst>
+          <pc:docMk/>
+          <pc:sldMk cId="2432496144" sldId="284"/>
+        </pc:sldMkLst>
+        <pc:spChg chg="mod">
+          <ac:chgData name="Joshua Gross" userId="7bb6a70e-9d37-46e4-96de-748557707bd0" providerId="ADAL" clId="{107E5C7B-8F71-4132-A172-FD6FCDA536B3}" dt="2023-09-19T20:09:42.073" v="2536" actId="20577"/>
+          <ac:spMkLst>
+            <pc:docMk/>
+            <pc:sldMk cId="2432496144" sldId="284"/>
+            <ac:spMk id="3" creationId="{998DAAA8-2E96-4468-A2B0-DB1A0A73F05D}"/>
+          </ac:spMkLst>
+        </pc:spChg>
+      </pc:sldChg>
+      <pc:sldChg chg="modSp add">
+        <pc:chgData name="Joshua Gross" userId="7bb6a70e-9d37-46e4-96de-748557707bd0" providerId="ADAL" clId="{107E5C7B-8F71-4132-A172-FD6FCDA536B3}" dt="2023-09-19T20:10:20.817" v="2644" actId="20577"/>
+        <pc:sldMkLst>
+          <pc:docMk/>
+          <pc:sldMk cId="3025603514" sldId="285"/>
+        </pc:sldMkLst>
+        <pc:spChg chg="mod">
+          <ac:chgData name="Joshua Gross" userId="7bb6a70e-9d37-46e4-96de-748557707bd0" providerId="ADAL" clId="{107E5C7B-8F71-4132-A172-FD6FCDA536B3}" dt="2023-09-19T20:10:20.817" v="2644" actId="20577"/>
+          <ac:spMkLst>
+            <pc:docMk/>
+            <pc:sldMk cId="3025603514" sldId="285"/>
+            <ac:spMk id="3" creationId="{998DAAA8-2E96-4468-A2B0-DB1A0A73F05D}"/>
+          </ac:spMkLst>
+        </pc:spChg>
+      </pc:sldChg>
+      <pc:sldChg chg="modSp add">
+        <pc:chgData name="Joshua Gross" userId="7bb6a70e-9d37-46e4-96de-748557707bd0" providerId="ADAL" clId="{107E5C7B-8F71-4132-A172-FD6FCDA536B3}" dt="2023-09-19T20:14:24.720" v="2957" actId="20577"/>
+        <pc:sldMkLst>
+          <pc:docMk/>
+          <pc:sldMk cId="1732509681" sldId="286"/>
+        </pc:sldMkLst>
+        <pc:spChg chg="mod">
+          <ac:chgData name="Joshua Gross" userId="7bb6a70e-9d37-46e4-96de-748557707bd0" providerId="ADAL" clId="{107E5C7B-8F71-4132-A172-FD6FCDA536B3}" dt="2023-09-19T20:12:09.993" v="2658" actId="20577"/>
+          <ac:spMkLst>
+            <pc:docMk/>
+            <pc:sldMk cId="1732509681" sldId="286"/>
+            <ac:spMk id="2" creationId="{CD700101-9518-482B-836B-9BF507CF18B5}"/>
+          </ac:spMkLst>
+        </pc:spChg>
+        <pc:spChg chg="mod">
+          <ac:chgData name="Joshua Gross" userId="7bb6a70e-9d37-46e4-96de-748557707bd0" providerId="ADAL" clId="{107E5C7B-8F71-4132-A172-FD6FCDA536B3}" dt="2023-09-19T20:14:24.720" v="2957" actId="20577"/>
+          <ac:spMkLst>
+            <pc:docMk/>
+            <pc:sldMk cId="1732509681" sldId="286"/>
+            <ac:spMk id="3" creationId="{998DAAA8-2E96-4468-A2B0-DB1A0A73F05D}"/>
+          </ac:spMkLst>
+        </pc:spChg>
+      </pc:sldChg>
+      <pc:sldChg chg="modSp add">
+        <pc:chgData name="Joshua Gross" userId="7bb6a70e-9d37-46e4-96de-748557707bd0" providerId="ADAL" clId="{107E5C7B-8F71-4132-A172-FD6FCDA536B3}" dt="2023-09-19T20:15:07.953" v="3054" actId="20577"/>
+        <pc:sldMkLst>
+          <pc:docMk/>
+          <pc:sldMk cId="2194603733" sldId="287"/>
+        </pc:sldMkLst>
+        <pc:spChg chg="mod">
+          <ac:chgData name="Joshua Gross" userId="7bb6a70e-9d37-46e4-96de-748557707bd0" providerId="ADAL" clId="{107E5C7B-8F71-4132-A172-FD6FCDA536B3}" dt="2023-09-19T20:15:07.953" v="3054" actId="20577"/>
+          <ac:spMkLst>
+            <pc:docMk/>
+            <pc:sldMk cId="2194603733" sldId="287"/>
+            <ac:spMk id="3" creationId="{998DAAA8-2E96-4468-A2B0-DB1A0A73F05D}"/>
+          </ac:spMkLst>
+        </pc:spChg>
+      </pc:sldChg>
+      <pc:sldChg chg="delSp modSp add">
+        <pc:chgData name="Joshua Gross" userId="7bb6a70e-9d37-46e4-96de-748557707bd0" providerId="ADAL" clId="{107E5C7B-8F71-4132-A172-FD6FCDA536B3}" dt="2023-09-19T20:23:31.440" v="3716" actId="20577"/>
+        <pc:sldMkLst>
+          <pc:docMk/>
+          <pc:sldMk cId="1665942534" sldId="288"/>
+        </pc:sldMkLst>
+        <pc:spChg chg="mod">
+          <ac:chgData name="Joshua Gross" userId="7bb6a70e-9d37-46e4-96de-748557707bd0" providerId="ADAL" clId="{107E5C7B-8F71-4132-A172-FD6FCDA536B3}" dt="2023-09-19T20:23:31.440" v="3716" actId="20577"/>
+          <ac:spMkLst>
+            <pc:docMk/>
+            <pc:sldMk cId="1665942534" sldId="288"/>
+            <ac:spMk id="3" creationId="{998DAAA8-2E96-4468-A2B0-DB1A0A73F05D}"/>
+          </ac:spMkLst>
+        </pc:spChg>
+        <pc:spChg chg="del mod">
+          <ac:chgData name="Joshua Gross" userId="7bb6a70e-9d37-46e4-96de-748557707bd0" providerId="ADAL" clId="{107E5C7B-8F71-4132-A172-FD6FCDA536B3}" dt="2023-09-19T20:17:41.473" v="3064" actId="478"/>
+          <ac:spMkLst>
+            <pc:docMk/>
+            <pc:sldMk cId="1665942534" sldId="288"/>
+            <ac:spMk id="7" creationId="{56A3D4B0-D4D1-4BCA-BC6D-2231EE127D71}"/>
+          </ac:spMkLst>
+        </pc:spChg>
+        <pc:spChg chg="del">
+          <ac:chgData name="Joshua Gross" userId="7bb6a70e-9d37-46e4-96de-748557707bd0" providerId="ADAL" clId="{107E5C7B-8F71-4132-A172-FD6FCDA536B3}" dt="2023-09-19T20:17:37.097" v="3059" actId="478"/>
+          <ac:spMkLst>
+            <pc:docMk/>
+            <pc:sldMk cId="1665942534" sldId="288"/>
+            <ac:spMk id="9" creationId="{24C8FBBE-9F80-4D3C-93EB-CDB15C84732F}"/>
+          </ac:spMkLst>
+        </pc:spChg>
+        <pc:spChg chg="del">
+          <ac:chgData name="Joshua Gross" userId="7bb6a70e-9d37-46e4-96de-748557707bd0" providerId="ADAL" clId="{107E5C7B-8F71-4132-A172-FD6FCDA536B3}" dt="2023-09-19T20:17:42.448" v="3065" actId="478"/>
+          <ac:spMkLst>
+            <pc:docMk/>
+            <pc:sldMk cId="1665942534" sldId="288"/>
+            <ac:spMk id="10" creationId="{103D1CED-9E3E-400A-89DE-2AD06136B49E}"/>
+          </ac:spMkLst>
+        </pc:spChg>
+        <pc:spChg chg="del">
+          <ac:chgData name="Joshua Gross" userId="7bb6a70e-9d37-46e4-96de-748557707bd0" providerId="ADAL" clId="{107E5C7B-8F71-4132-A172-FD6FCDA536B3}" dt="2023-09-19T20:17:43.839" v="3066" actId="478"/>
+          <ac:spMkLst>
+            <pc:docMk/>
+            <pc:sldMk cId="1665942534" sldId="288"/>
+            <ac:spMk id="11" creationId="{9B7B6CA7-B672-477D-88A4-43A8424D3E04}"/>
+          </ac:spMkLst>
+        </pc:spChg>
+        <pc:spChg chg="del mod">
+          <ac:chgData name="Joshua Gross" userId="7bb6a70e-9d37-46e4-96de-748557707bd0" providerId="ADAL" clId="{107E5C7B-8F71-4132-A172-FD6FCDA536B3}" dt="2023-09-19T20:17:36.352" v="3058" actId="478"/>
+          <ac:spMkLst>
+            <pc:docMk/>
+            <pc:sldMk cId="1665942534" sldId="288"/>
+            <ac:spMk id="12" creationId="{6BD6ED53-DE43-4152-8A21-5DA818EB2B34}"/>
+          </ac:spMkLst>
+        </pc:spChg>
+        <pc:picChg chg="del">
+          <ac:chgData name="Joshua Gross" userId="7bb6a70e-9d37-46e4-96de-748557707bd0" providerId="ADAL" clId="{107E5C7B-8F71-4132-A172-FD6FCDA536B3}" dt="2023-09-19T20:17:34.120" v="3056" actId="478"/>
+          <ac:picMkLst>
+            <pc:docMk/>
+            <pc:sldMk cId="1665942534" sldId="288"/>
+            <ac:picMk id="5" creationId="{4AAD3706-6036-4888-96C9-85D1ABEAE2FE}"/>
+          </ac:picMkLst>
+        </pc:picChg>
+        <pc:cxnChg chg="del">
+          <ac:chgData name="Joshua Gross" userId="7bb6a70e-9d37-46e4-96de-748557707bd0" providerId="ADAL" clId="{107E5C7B-8F71-4132-A172-FD6FCDA536B3}" dt="2023-09-19T20:17:39.897" v="3062" actId="478"/>
+          <ac:cxnSpMkLst>
+            <pc:docMk/>
+            <pc:sldMk cId="1665942534" sldId="288"/>
+            <ac:cxnSpMk id="6" creationId="{DAA83B1F-A4F1-4D14-8512-2AD0FCADA9EC}"/>
+          </ac:cxnSpMkLst>
+        </pc:cxnChg>
+      </pc:sldChg>
+      <pc:sldChg chg="addSp modSp add">
+        <pc:chgData name="Joshua Gross" userId="7bb6a70e-9d37-46e4-96de-748557707bd0" providerId="ADAL" clId="{107E5C7B-8F71-4132-A172-FD6FCDA536B3}" dt="2023-09-19T20:23:38.550" v="3721" actId="27636"/>
+        <pc:sldMkLst>
+          <pc:docMk/>
+          <pc:sldMk cId="3687570562" sldId="289"/>
+        </pc:sldMkLst>
+        <pc:spChg chg="mod">
+          <ac:chgData name="Joshua Gross" userId="7bb6a70e-9d37-46e4-96de-748557707bd0" providerId="ADAL" clId="{107E5C7B-8F71-4132-A172-FD6FCDA536B3}" dt="2023-09-19T20:21:43.665" v="3579" actId="20577"/>
+          <ac:spMkLst>
+            <pc:docMk/>
+            <pc:sldMk cId="3687570562" sldId="289"/>
+            <ac:spMk id="3" creationId="{998DAAA8-2E96-4468-A2B0-DB1A0A73F05D}"/>
+          </ac:spMkLst>
+        </pc:spChg>
+        <pc:spChg chg="add mod">
+          <ac:chgData name="Joshua Gross" userId="7bb6a70e-9d37-46e4-96de-748557707bd0" providerId="ADAL" clId="{107E5C7B-8F71-4132-A172-FD6FCDA536B3}" dt="2023-09-19T20:23:38.550" v="3721" actId="27636"/>
+          <ac:spMkLst>
+            <pc:docMk/>
+            <pc:sldMk cId="3687570562" sldId="289"/>
+            <ac:spMk id="4" creationId="{A03BD256-EDE3-4033-874F-EBDBF9094F07}"/>
+          </ac:spMkLst>
+        </pc:spChg>
+      </pc:sldChg>
+      <pc:sldChg chg="addSp delSp modSp add">
+        <pc:chgData name="Joshua Gross" userId="7bb6a70e-9d37-46e4-96de-748557707bd0" providerId="ADAL" clId="{107E5C7B-8F71-4132-A172-FD6FCDA536B3}" dt="2023-09-19T20:26:47.520" v="3948" actId="20577"/>
+        <pc:sldMkLst>
+          <pc:docMk/>
+          <pc:sldMk cId="3651593461" sldId="290"/>
+        </pc:sldMkLst>
+        <pc:spChg chg="mod">
+          <ac:chgData name="Joshua Gross" userId="7bb6a70e-9d37-46e4-96de-748557707bd0" providerId="ADAL" clId="{107E5C7B-8F71-4132-A172-FD6FCDA536B3}" dt="2023-09-19T20:26:47.520" v="3948" actId="20577"/>
+          <ac:spMkLst>
+            <pc:docMk/>
+            <pc:sldMk cId="3651593461" sldId="290"/>
+            <ac:spMk id="3" creationId="{998DAAA8-2E96-4468-A2B0-DB1A0A73F05D}"/>
+          </ac:spMkLst>
+        </pc:spChg>
+        <pc:spChg chg="del mod">
+          <ac:chgData name="Joshua Gross" userId="7bb6a70e-9d37-46e4-96de-748557707bd0" providerId="ADAL" clId="{107E5C7B-8F71-4132-A172-FD6FCDA536B3}" dt="2023-09-19T20:23:43.729" v="3722" actId="478"/>
+          <ac:spMkLst>
+            <pc:docMk/>
+            <pc:sldMk cId="3651593461" sldId="290"/>
+            <ac:spMk id="4" creationId="{A03BD256-EDE3-4033-874F-EBDBF9094F07}"/>
+          </ac:spMkLst>
+        </pc:spChg>
+        <pc:spChg chg="add mod">
+          <ac:chgData name="Joshua Gross" userId="7bb6a70e-9d37-46e4-96de-748557707bd0" providerId="ADAL" clId="{107E5C7B-8F71-4132-A172-FD6FCDA536B3}" dt="2023-09-19T20:24:00.267" v="3726" actId="113"/>
+          <ac:spMkLst>
+            <pc:docMk/>
+            <pc:sldMk cId="3651593461" sldId="290"/>
+            <ac:spMk id="5" creationId="{AF0EA57C-51B8-40E1-8B32-ED542A69AC1E}"/>
+          </ac:spMkLst>
+        </pc:spChg>
+      </pc:sldChg>
+      <pc:sldChg chg="addSp delSp modSp add">
+        <pc:chgData name="Joshua Gross" userId="7bb6a70e-9d37-46e4-96de-748557707bd0" providerId="ADAL" clId="{107E5C7B-8F71-4132-A172-FD6FCDA536B3}" dt="2023-09-19T20:26:49.232" v="3950" actId="20577"/>
+        <pc:sldMkLst>
+          <pc:docMk/>
+          <pc:sldMk cId="690925799" sldId="291"/>
+        </pc:sldMkLst>
+        <pc:spChg chg="mod">
+          <ac:chgData name="Joshua Gross" userId="7bb6a70e-9d37-46e4-96de-748557707bd0" providerId="ADAL" clId="{107E5C7B-8F71-4132-A172-FD6FCDA536B3}" dt="2023-09-19T20:26:49.232" v="3950" actId="20577"/>
+          <ac:spMkLst>
+            <pc:docMk/>
+            <pc:sldMk cId="690925799" sldId="291"/>
+            <ac:spMk id="3" creationId="{998DAAA8-2E96-4468-A2B0-DB1A0A73F05D}"/>
+          </ac:spMkLst>
+        </pc:spChg>
+        <pc:spChg chg="del mod">
+          <ac:chgData name="Joshua Gross" userId="7bb6a70e-9d37-46e4-96de-748557707bd0" providerId="ADAL" clId="{107E5C7B-8F71-4132-A172-FD6FCDA536B3}" dt="2023-09-19T20:23:45.728" v="3723" actId="478"/>
+          <ac:spMkLst>
+            <pc:docMk/>
+            <pc:sldMk cId="690925799" sldId="291"/>
+            <ac:spMk id="4" creationId="{A03BD256-EDE3-4033-874F-EBDBF9094F07}"/>
+          </ac:spMkLst>
+        </pc:spChg>
+        <pc:spChg chg="add mod">
+          <ac:chgData name="Joshua Gross" userId="7bb6a70e-9d37-46e4-96de-748557707bd0" providerId="ADAL" clId="{107E5C7B-8F71-4132-A172-FD6FCDA536B3}" dt="2023-09-19T20:24:04.913" v="3728" actId="113"/>
+          <ac:spMkLst>
+            <pc:docMk/>
+            <pc:sldMk cId="690925799" sldId="291"/>
+            <ac:spMk id="5" creationId="{3355947B-A90E-4A5F-90CA-BCF4A5E54D51}"/>
+          </ac:spMkLst>
+        </pc:spChg>
+      </pc:sldChg>
+      <pc:sldChg chg="modSp add">
+        <pc:chgData name="Joshua Gross" userId="7bb6a70e-9d37-46e4-96de-748557707bd0" providerId="ADAL" clId="{107E5C7B-8F71-4132-A172-FD6FCDA536B3}" dt="2023-09-19T20:26:51.136" v="3952" actId="20577"/>
+        <pc:sldMkLst>
+          <pc:docMk/>
+          <pc:sldMk cId="1105768257" sldId="292"/>
+        </pc:sldMkLst>
+        <pc:spChg chg="mod">
+          <ac:chgData name="Joshua Gross" userId="7bb6a70e-9d37-46e4-96de-748557707bd0" providerId="ADAL" clId="{107E5C7B-8F71-4132-A172-FD6FCDA536B3}" dt="2023-09-19T20:26:51.136" v="3952" actId="20577"/>
+          <ac:spMkLst>
+            <pc:docMk/>
+            <pc:sldMk cId="1105768257" sldId="292"/>
+            <ac:spMk id="3" creationId="{998DAAA8-2E96-4468-A2B0-DB1A0A73F05D}"/>
+          </ac:spMkLst>
+        </pc:spChg>
+        <pc:spChg chg="mod">
+          <ac:chgData name="Joshua Gross" userId="7bb6a70e-9d37-46e4-96de-748557707bd0" providerId="ADAL" clId="{107E5C7B-8F71-4132-A172-FD6FCDA536B3}" dt="2023-09-19T20:24:27.692" v="3756" actId="113"/>
+          <ac:spMkLst>
+            <pc:docMk/>
+            <pc:sldMk cId="1105768257" sldId="292"/>
+            <ac:spMk id="5" creationId="{3355947B-A90E-4A5F-90CA-BCF4A5E54D51}"/>
+          </ac:spMkLst>
+        </pc:spChg>
+      </pc:sldChg>
+      <pc:sldChg chg="modSp add del">
+        <pc:chgData name="Joshua Gross" userId="7bb6a70e-9d37-46e4-96de-748557707bd0" providerId="ADAL" clId="{107E5C7B-8F71-4132-A172-FD6FCDA536B3}" dt="2023-09-19T20:22:35.617" v="3617" actId="2696"/>
+        <pc:sldMkLst>
+          <pc:docMk/>
+          <pc:sldMk cId="4292523269" sldId="292"/>
+        </pc:sldMkLst>
+        <pc:spChg chg="mod">
+          <ac:chgData name="Joshua Gross" userId="7bb6a70e-9d37-46e4-96de-748557707bd0" providerId="ADAL" clId="{107E5C7B-8F71-4132-A172-FD6FCDA536B3}" dt="2023-09-19T20:22:33.848" v="3616" actId="6549"/>
+          <ac:spMkLst>
+            <pc:docMk/>
+            <pc:sldMk cId="4292523269" sldId="292"/>
+            <ac:spMk id="3" creationId="{998DAAA8-2E96-4468-A2B0-DB1A0A73F05D}"/>
+          </ac:spMkLst>
+        </pc:spChg>
+      </pc:sldChg>
+      <pc:sldChg chg="modSp add">
+        <pc:chgData name="Joshua Gross" userId="7bb6a70e-9d37-46e4-96de-748557707bd0" providerId="ADAL" clId="{107E5C7B-8F71-4132-A172-FD6FCDA536B3}" dt="2023-09-19T20:26:52.896" v="3954" actId="20577"/>
+        <pc:sldMkLst>
+          <pc:docMk/>
+          <pc:sldMk cId="1616606218" sldId="293"/>
+        </pc:sldMkLst>
+        <pc:spChg chg="mod">
+          <ac:chgData name="Joshua Gross" userId="7bb6a70e-9d37-46e4-96de-748557707bd0" providerId="ADAL" clId="{107E5C7B-8F71-4132-A172-FD6FCDA536B3}" dt="2023-09-19T20:26:52.896" v="3954" actId="20577"/>
+          <ac:spMkLst>
+            <pc:docMk/>
+            <pc:sldMk cId="1616606218" sldId="293"/>
+            <ac:spMk id="3" creationId="{998DAAA8-2E96-4468-A2B0-DB1A0A73F05D}"/>
+          </ac:spMkLst>
+        </pc:spChg>
+        <pc:spChg chg="mod">
+          <ac:chgData name="Joshua Gross" userId="7bb6a70e-9d37-46e4-96de-748557707bd0" providerId="ADAL" clId="{107E5C7B-8F71-4132-A172-FD6FCDA536B3}" dt="2023-09-19T20:24:41.209" v="3760" actId="113"/>
+          <ac:spMkLst>
+            <pc:docMk/>
+            <pc:sldMk cId="1616606218" sldId="293"/>
+            <ac:spMk id="5" creationId="{3355947B-A90E-4A5F-90CA-BCF4A5E54D51}"/>
+          </ac:spMkLst>
+        </pc:spChg>
+      </pc:sldChg>
+      <pc:sldChg chg="modSp add">
+        <pc:chgData name="Joshua Gross" userId="7bb6a70e-9d37-46e4-96de-748557707bd0" providerId="ADAL" clId="{107E5C7B-8F71-4132-A172-FD6FCDA536B3}" dt="2023-09-19T20:27:32.288" v="3992" actId="20577"/>
+        <pc:sldMkLst>
+          <pc:docMk/>
+          <pc:sldMk cId="701515568" sldId="294"/>
+        </pc:sldMkLst>
+        <pc:spChg chg="mod">
+          <ac:chgData name="Joshua Gross" userId="7bb6a70e-9d37-46e4-96de-748557707bd0" providerId="ADAL" clId="{107E5C7B-8F71-4132-A172-FD6FCDA536B3}" dt="2023-09-19T20:27:32.288" v="3992" actId="20577"/>
+          <ac:spMkLst>
+            <pc:docMk/>
+            <pc:sldMk cId="701515568" sldId="294"/>
+            <ac:spMk id="3" creationId="{998DAAA8-2E96-4468-A2B0-DB1A0A73F05D}"/>
+          </ac:spMkLst>
+        </pc:spChg>
+      </pc:sldChg>
+      <pc:sldChg chg="modSp add">
+        <pc:chgData name="Joshua Gross" userId="7bb6a70e-9d37-46e4-96de-748557707bd0" providerId="ADAL" clId="{107E5C7B-8F71-4132-A172-FD6FCDA536B3}" dt="2023-09-19T20:29:42.474" v="4381" actId="20577"/>
+        <pc:sldMkLst>
+          <pc:docMk/>
+          <pc:sldMk cId="4016800488" sldId="295"/>
+        </pc:sldMkLst>
+        <pc:spChg chg="mod">
+          <ac:chgData name="Joshua Gross" userId="7bb6a70e-9d37-46e4-96de-748557707bd0" providerId="ADAL" clId="{107E5C7B-8F71-4132-A172-FD6FCDA536B3}" dt="2023-09-19T20:29:42.474" v="4381" actId="20577"/>
+          <ac:spMkLst>
+            <pc:docMk/>
+            <pc:sldMk cId="4016800488" sldId="295"/>
+            <ac:spMk id="3" creationId="{998DAAA8-2E96-4468-A2B0-DB1A0A73F05D}"/>
+          </ac:spMkLst>
+        </pc:spChg>
+        <pc:spChg chg="mod">
+          <ac:chgData name="Joshua Gross" userId="7bb6a70e-9d37-46e4-96de-748557707bd0" providerId="ADAL" clId="{107E5C7B-8F71-4132-A172-FD6FCDA536B3}" dt="2023-09-19T20:27:49.898" v="3995" actId="113"/>
+          <ac:spMkLst>
+            <pc:docMk/>
+            <pc:sldMk cId="4016800488" sldId="295"/>
+            <ac:spMk id="5" creationId="{3355947B-A90E-4A5F-90CA-BCF4A5E54D51}"/>
+          </ac:spMkLst>
+        </pc:spChg>
+      </pc:sldChg>
+      <pc:sldChg chg="modSp add ord">
+        <pc:chgData name="Joshua Gross" userId="7bb6a70e-9d37-46e4-96de-748557707bd0" providerId="ADAL" clId="{107E5C7B-8F71-4132-A172-FD6FCDA536B3}" dt="2023-09-19T20:48:47.850" v="5771" actId="20577"/>
+        <pc:sldMkLst>
+          <pc:docMk/>
+          <pc:sldMk cId="752898236" sldId="296"/>
+        </pc:sldMkLst>
+        <pc:spChg chg="mod">
+          <ac:chgData name="Joshua Gross" userId="7bb6a70e-9d37-46e4-96de-748557707bd0" providerId="ADAL" clId="{107E5C7B-8F71-4132-A172-FD6FCDA536B3}" dt="2023-09-19T20:48:47.850" v="5771" actId="20577"/>
+          <ac:spMkLst>
+            <pc:docMk/>
+            <pc:sldMk cId="752898236" sldId="296"/>
+            <ac:spMk id="3" creationId="{998DAAA8-2E96-4468-A2B0-DB1A0A73F05D}"/>
+          </ac:spMkLst>
+        </pc:spChg>
+      </pc:sldChg>
+      <pc:sldChg chg="addSp delSp modSp add">
+        <pc:chgData name="Joshua Gross" userId="7bb6a70e-9d37-46e4-96de-748557707bd0" providerId="ADAL" clId="{107E5C7B-8F71-4132-A172-FD6FCDA536B3}" dt="2023-09-19T20:45:55.658" v="5431" actId="20577"/>
+        <pc:sldMkLst>
+          <pc:docMk/>
+          <pc:sldMk cId="2667951008" sldId="297"/>
+        </pc:sldMkLst>
+        <pc:spChg chg="add del">
+          <ac:chgData name="Joshua Gross" userId="7bb6a70e-9d37-46e4-96de-748557707bd0" providerId="ADAL" clId="{107E5C7B-8F71-4132-A172-FD6FCDA536B3}" dt="2023-09-19T20:31:34.833" v="4452" actId="478"/>
+          <ac:spMkLst>
+            <pc:docMk/>
+            <pc:sldMk cId="2667951008" sldId="297"/>
+            <ac:spMk id="2" creationId="{CD700101-9518-482B-836B-9BF507CF18B5}"/>
+          </ac:spMkLst>
+        </pc:spChg>
+        <pc:spChg chg="mod">
+          <ac:chgData name="Joshua Gross" userId="7bb6a70e-9d37-46e4-96de-748557707bd0" providerId="ADAL" clId="{107E5C7B-8F71-4132-A172-FD6FCDA536B3}" dt="2023-09-19T20:45:55.658" v="5431" actId="20577"/>
+          <ac:spMkLst>
+            <pc:docMk/>
+            <pc:sldMk cId="2667951008" sldId="297"/>
+            <ac:spMk id="3" creationId="{998DAAA8-2E96-4468-A2B0-DB1A0A73F05D}"/>
+          </ac:spMkLst>
+        </pc:spChg>
+        <pc:spChg chg="del">
+          <ac:chgData name="Joshua Gross" userId="7bb6a70e-9d37-46e4-96de-748557707bd0" providerId="ADAL" clId="{107E5C7B-8F71-4132-A172-FD6FCDA536B3}" dt="2023-09-19T20:31:36.744" v="4453" actId="478"/>
+          <ac:spMkLst>
+            <pc:docMk/>
+            <pc:sldMk cId="2667951008" sldId="297"/>
+            <ac:spMk id="5" creationId="{3355947B-A90E-4A5F-90CA-BCF4A5E54D51}"/>
+          </ac:spMkLst>
+        </pc:spChg>
+        <pc:spChg chg="add del mod">
+          <ac:chgData name="Joshua Gross" userId="7bb6a70e-9d37-46e4-96de-748557707bd0" providerId="ADAL" clId="{107E5C7B-8F71-4132-A172-FD6FCDA536B3}" dt="2023-09-19T20:31:34.833" v="4452" actId="478"/>
+          <ac:spMkLst>
+            <pc:docMk/>
+            <pc:sldMk cId="2667951008" sldId="297"/>
+            <ac:spMk id="6" creationId="{3D4C6ADA-25D3-4F88-A78B-8A4563AC03FA}"/>
+          </ac:spMkLst>
+        </pc:spChg>
+      </pc:sldChg>
+      <pc:sldChg chg="modSp add">
+        <pc:chgData name="Joshua Gross" userId="7bb6a70e-9d37-46e4-96de-748557707bd0" providerId="ADAL" clId="{107E5C7B-8F71-4132-A172-FD6FCDA536B3}" dt="2023-09-19T20:50:57.763" v="5976" actId="113"/>
+        <pc:sldMkLst>
+          <pc:docMk/>
+          <pc:sldMk cId="1992847997" sldId="298"/>
+        </pc:sldMkLst>
+        <pc:spChg chg="mod">
+          <ac:chgData name="Joshua Gross" userId="7bb6a70e-9d37-46e4-96de-748557707bd0" providerId="ADAL" clId="{107E5C7B-8F71-4132-A172-FD6FCDA536B3}" dt="2023-09-19T20:50:57.763" v="5976" actId="113"/>
+          <ac:spMkLst>
+            <pc:docMk/>
+            <pc:sldMk cId="1992847997" sldId="298"/>
+            <ac:spMk id="3" creationId="{998DAAA8-2E96-4468-A2B0-DB1A0A73F05D}"/>
+          </ac:spMkLst>
+        </pc:spChg>
+      </pc:sldChg>
+    </pc:docChg>
+  </pc:docChgLst>
   <pc:docChgLst>
     <pc:chgData name="Joshua Gross" userId="7bb6a70e-9d37-46e4-96de-748557707bd0" providerId="ADAL" clId="{48E1DF63-DD32-46AB-8847-E844E3430606}"/>
     <pc:docChg chg="undo custSel addSld delSld modSld">
@@ -145,37 +923,6 @@
             <ac:spMk id="3" creationId="{2683968B-FFE6-4C3A-92A5-07D8C1356F37}"/>
           </ac:spMkLst>
         </pc:spChg>
-      </pc:sldChg>
-      <pc:sldChg chg="addSp delSp modSp add del">
-        <pc:chgData name="Joshua Gross" userId="7bb6a70e-9d37-46e4-96de-748557707bd0" providerId="ADAL" clId="{48E1DF63-DD32-46AB-8847-E844E3430606}" dt="2023-09-14T12:52:27.640" v="249" actId="2696"/>
-        <pc:sldMkLst>
-          <pc:docMk/>
-          <pc:sldMk cId="740445526" sldId="257"/>
-        </pc:sldMkLst>
-        <pc:spChg chg="mod">
-          <ac:chgData name="Joshua Gross" userId="7bb6a70e-9d37-46e4-96de-748557707bd0" providerId="ADAL" clId="{48E1DF63-DD32-46AB-8847-E844E3430606}" dt="2023-09-14T12:47:31.569" v="39" actId="20577"/>
-          <ac:spMkLst>
-            <pc:docMk/>
-            <pc:sldMk cId="740445526" sldId="257"/>
-            <ac:spMk id="2" creationId="{7A80D1E0-1731-4615-A12B-A75DF7386E00}"/>
-          </ac:spMkLst>
-        </pc:spChg>
-        <pc:spChg chg="del">
-          <ac:chgData name="Joshua Gross" userId="7bb6a70e-9d37-46e4-96de-748557707bd0" providerId="ADAL" clId="{48E1DF63-DD32-46AB-8847-E844E3430606}" dt="2023-09-14T12:47:55.030" v="40" actId="3680"/>
-          <ac:spMkLst>
-            <pc:docMk/>
-            <pc:sldMk cId="740445526" sldId="257"/>
-            <ac:spMk id="3" creationId="{07B92088-2ED1-4A6D-84C4-AE0B77D30392}"/>
-          </ac:spMkLst>
-        </pc:spChg>
-        <pc:graphicFrameChg chg="add mod modGraphic">
-          <ac:chgData name="Joshua Gross" userId="7bb6a70e-9d37-46e4-96de-748557707bd0" providerId="ADAL" clId="{48E1DF63-DD32-46AB-8847-E844E3430606}" dt="2023-09-14T12:50:05.419" v="248" actId="20577"/>
-          <ac:graphicFrameMkLst>
-            <pc:docMk/>
-            <pc:sldMk cId="740445526" sldId="257"/>
-            <ac:graphicFrameMk id="4" creationId="{4C6BDC2E-E6C1-4C14-B0D5-7ECDB182131F}"/>
-          </ac:graphicFrameMkLst>
-        </pc:graphicFrameChg>
       </pc:sldChg>
       <pc:sldChg chg="modSp add">
         <pc:chgData name="Joshua Gross" userId="7bb6a70e-9d37-46e4-96de-748557707bd0" providerId="ADAL" clId="{48E1DF63-DD32-46AB-8847-E844E3430606}" dt="2023-09-14T12:53:10.170" v="414" actId="20577"/>
@@ -199,13 +946,6 @@
             <ac:spMk id="3" creationId="{998DAAA8-2E96-4468-A2B0-DB1A0A73F05D}"/>
           </ac:spMkLst>
         </pc:spChg>
-      </pc:sldChg>
-      <pc:sldChg chg="add del">
-        <pc:chgData name="Joshua Gross" userId="7bb6a70e-9d37-46e4-96de-748557707bd0" providerId="ADAL" clId="{48E1DF63-DD32-46AB-8847-E844E3430606}" dt="2023-09-14T12:52:37.222" v="254" actId="2696"/>
-        <pc:sldMkLst>
-          <pc:docMk/>
-          <pc:sldMk cId="2374217470" sldId="257"/>
-        </pc:sldMkLst>
       </pc:sldChg>
       <pc:sldChg chg="modSp add">
         <pc:chgData name="Joshua Gross" userId="7bb6a70e-9d37-46e4-96de-748557707bd0" providerId="ADAL" clId="{48E1DF63-DD32-46AB-8847-E844E3430606}" dt="2023-09-14T12:55:42.777" v="504" actId="20577"/>
@@ -234,29 +974,6 @@
             <pc:docMk/>
             <pc:sldMk cId="3931613927" sldId="259"/>
             <ac:spMk id="3" creationId="{998DAAA8-2E96-4468-A2B0-DB1A0A73F05D}"/>
-          </ac:spMkLst>
-        </pc:spChg>
-      </pc:sldChg>
-      <pc:sldChg chg="addSp delSp modSp add del setBg">
-        <pc:chgData name="Joshua Gross" userId="7bb6a70e-9d37-46e4-96de-748557707bd0" providerId="ADAL" clId="{48E1DF63-DD32-46AB-8847-E844E3430606}" dt="2023-09-14T13:00:29.729" v="733" actId="2696"/>
-        <pc:sldMkLst>
-          <pc:docMk/>
-          <pc:sldMk cId="2479743710" sldId="260"/>
-        </pc:sldMkLst>
-        <pc:spChg chg="add del mod">
-          <ac:chgData name="Joshua Gross" userId="7bb6a70e-9d37-46e4-96de-748557707bd0" providerId="ADAL" clId="{48E1DF63-DD32-46AB-8847-E844E3430606}" dt="2023-09-14T12:56:43.588" v="547" actId="12"/>
-          <ac:spMkLst>
-            <pc:docMk/>
-            <pc:sldMk cId="2479743710" sldId="260"/>
-            <ac:spMk id="3" creationId="{998DAAA8-2E96-4468-A2B0-DB1A0A73F05D}"/>
-          </ac:spMkLst>
-        </pc:spChg>
-        <pc:spChg chg="add del">
-          <ac:chgData name="Joshua Gross" userId="7bb6a70e-9d37-46e4-96de-748557707bd0" providerId="ADAL" clId="{48E1DF63-DD32-46AB-8847-E844E3430606}" dt="2023-09-14T12:56:34.935" v="542"/>
-          <ac:spMkLst>
-            <pc:docMk/>
-            <pc:sldMk cId="2479743710" sldId="260"/>
-            <ac:spMk id="4" creationId="{48F61A47-6D49-4C4A-BC09-F6BBA090B348}"/>
           </ac:spMkLst>
         </pc:spChg>
       </pc:sldChg>
@@ -306,13 +1023,6 @@
             <ac:cxnSpMk id="10" creationId="{127A4676-68E3-40C8-A682-6C53D07C04B9}"/>
           </ac:cxnSpMkLst>
         </pc:cxnChg>
-      </pc:sldChg>
-      <pc:sldChg chg="add del">
-        <pc:chgData name="Joshua Gross" userId="7bb6a70e-9d37-46e4-96de-748557707bd0" providerId="ADAL" clId="{48E1DF63-DD32-46AB-8847-E844E3430606}" dt="2023-09-14T13:00:25.657" v="730"/>
-        <pc:sldMkLst>
-          <pc:docMk/>
-          <pc:sldMk cId="377092732" sldId="262"/>
-        </pc:sldMkLst>
       </pc:sldChg>
       <pc:sldChg chg="addSp modSp add">
         <pc:chgData name="Joshua Gross" userId="7bb6a70e-9d37-46e4-96de-748557707bd0" providerId="ADAL" clId="{48E1DF63-DD32-46AB-8847-E844E3430606}" dt="2023-09-14T13:03:12.302" v="883" actId="113"/>
@@ -499,29 +1209,6 @@
           </ac:spMkLst>
         </pc:spChg>
       </pc:sldChg>
-      <pc:sldChg chg="addSp modSp add del">
-        <pc:chgData name="Joshua Gross" userId="7bb6a70e-9d37-46e4-96de-748557707bd0" providerId="ADAL" clId="{48E1DF63-DD32-46AB-8847-E844E3430606}" dt="2023-09-14T13:06:12.672" v="1153" actId="2696"/>
-        <pc:sldMkLst>
-          <pc:docMk/>
-          <pc:sldMk cId="1236861113" sldId="269"/>
-        </pc:sldMkLst>
-        <pc:spChg chg="mod">
-          <ac:chgData name="Joshua Gross" userId="7bb6a70e-9d37-46e4-96de-748557707bd0" providerId="ADAL" clId="{48E1DF63-DD32-46AB-8847-E844E3430606}" dt="2023-09-14T13:06:03.637" v="1150" actId="113"/>
-          <ac:spMkLst>
-            <pc:docMk/>
-            <pc:sldMk cId="1236861113" sldId="269"/>
-            <ac:spMk id="3" creationId="{998DAAA8-2E96-4468-A2B0-DB1A0A73F05D}"/>
-          </ac:spMkLst>
-        </pc:spChg>
-        <pc:spChg chg="add mod">
-          <ac:chgData name="Joshua Gross" userId="7bb6a70e-9d37-46e4-96de-748557707bd0" providerId="ADAL" clId="{48E1DF63-DD32-46AB-8847-E844E3430606}" dt="2023-09-14T13:06:07.258" v="1151" actId="571"/>
-          <ac:spMkLst>
-            <pc:docMk/>
-            <pc:sldMk cId="1236861113" sldId="269"/>
-            <ac:spMk id="11" creationId="{0916CB0E-99A3-4CC2-913F-CCB70BFE7031}"/>
-          </ac:spMkLst>
-        </pc:spChg>
-      </pc:sldChg>
       <pc:sldChg chg="addSp modSp add">
         <pc:chgData name="Joshua Gross" userId="7bb6a70e-9d37-46e4-96de-748557707bd0" providerId="ADAL" clId="{48E1DF63-DD32-46AB-8847-E844E3430606}" dt="2023-09-14T13:06:48.922" v="1190" actId="20577"/>
         <pc:sldMkLst>
@@ -830,7 +1517,7 @@
           <a:p>
             <a:fld id="{FE7B4545-C31A-4E48-A487-F4A13C8CF2FC}" type="datetimeFigureOut">
               <a:rPr lang="en-US" smtClean="0"/>
-              <a:t>9/14/2023</a:t>
+              <a:t>9/19/2023</a:t>
             </a:fld>
             <a:endParaRPr lang="en-US"/>
           </a:p>
@@ -1028,7 +1715,7 @@
           <a:p>
             <a:fld id="{FE7B4545-C31A-4E48-A487-F4A13C8CF2FC}" type="datetimeFigureOut">
               <a:rPr lang="en-US" smtClean="0"/>
-              <a:t>9/14/2023</a:t>
+              <a:t>9/19/2023</a:t>
             </a:fld>
             <a:endParaRPr lang="en-US"/>
           </a:p>
@@ -1236,7 +1923,7 @@
           <a:p>
             <a:fld id="{FE7B4545-C31A-4E48-A487-F4A13C8CF2FC}" type="datetimeFigureOut">
               <a:rPr lang="en-US" smtClean="0"/>
-              <a:t>9/14/2023</a:t>
+              <a:t>9/19/2023</a:t>
             </a:fld>
             <a:endParaRPr lang="en-US"/>
           </a:p>
@@ -1434,7 +2121,7 @@
           <a:p>
             <a:fld id="{FE7B4545-C31A-4E48-A487-F4A13C8CF2FC}" type="datetimeFigureOut">
               <a:rPr lang="en-US" smtClean="0"/>
-              <a:t>9/14/2023</a:t>
+              <a:t>9/19/2023</a:t>
             </a:fld>
             <a:endParaRPr lang="en-US"/>
           </a:p>
@@ -1709,7 +2396,7 @@
           <a:p>
             <a:fld id="{FE7B4545-C31A-4E48-A487-F4A13C8CF2FC}" type="datetimeFigureOut">
               <a:rPr lang="en-US" smtClean="0"/>
-              <a:t>9/14/2023</a:t>
+              <a:t>9/19/2023</a:t>
             </a:fld>
             <a:endParaRPr lang="en-US"/>
           </a:p>
@@ -1974,7 +2661,7 @@
           <a:p>
             <a:fld id="{FE7B4545-C31A-4E48-A487-F4A13C8CF2FC}" type="datetimeFigureOut">
               <a:rPr lang="en-US" smtClean="0"/>
-              <a:t>9/14/2023</a:t>
+              <a:t>9/19/2023</a:t>
             </a:fld>
             <a:endParaRPr lang="en-US"/>
           </a:p>
@@ -2386,7 +3073,7 @@
           <a:p>
             <a:fld id="{FE7B4545-C31A-4E48-A487-F4A13C8CF2FC}" type="datetimeFigureOut">
               <a:rPr lang="en-US" smtClean="0"/>
-              <a:t>9/14/2023</a:t>
+              <a:t>9/19/2023</a:t>
             </a:fld>
             <a:endParaRPr lang="en-US"/>
           </a:p>
@@ -2527,7 +3214,7 @@
           <a:p>
             <a:fld id="{FE7B4545-C31A-4E48-A487-F4A13C8CF2FC}" type="datetimeFigureOut">
               <a:rPr lang="en-US" smtClean="0"/>
-              <a:t>9/14/2023</a:t>
+              <a:t>9/19/2023</a:t>
             </a:fld>
             <a:endParaRPr lang="en-US"/>
           </a:p>
@@ -2640,7 +3327,7 @@
           <a:p>
             <a:fld id="{FE7B4545-C31A-4E48-A487-F4A13C8CF2FC}" type="datetimeFigureOut">
               <a:rPr lang="en-US" smtClean="0"/>
-              <a:t>9/14/2023</a:t>
+              <a:t>9/19/2023</a:t>
             </a:fld>
             <a:endParaRPr lang="en-US"/>
           </a:p>
@@ -2951,7 +3638,7 @@
           <a:p>
             <a:fld id="{FE7B4545-C31A-4E48-A487-F4A13C8CF2FC}" type="datetimeFigureOut">
               <a:rPr lang="en-US" smtClean="0"/>
-              <a:t>9/14/2023</a:t>
+              <a:t>9/19/2023</a:t>
             </a:fld>
             <a:endParaRPr lang="en-US"/>
           </a:p>
@@ -3239,7 +3926,7 @@
           <a:p>
             <a:fld id="{FE7B4545-C31A-4E48-A487-F4A13C8CF2FC}" type="datetimeFigureOut">
               <a:rPr lang="en-US" smtClean="0"/>
-              <a:t>9/14/2023</a:t>
+              <a:t>9/19/2023</a:t>
             </a:fld>
             <a:endParaRPr lang="en-US"/>
           </a:p>
@@ -3480,7 +4167,7 @@
           <a:p>
             <a:fld id="{FE7B4545-C31A-4E48-A487-F4A13C8CF2FC}" type="datetimeFigureOut">
               <a:rPr lang="en-US" smtClean="0"/>
-              <a:t>9/14/2023</a:t>
+              <a:t>9/19/2023</a:t>
             </a:fld>
             <a:endParaRPr lang="en-US"/>
           </a:p>
@@ -7744,6 +8431,585 @@
 </p:sld>
 </file>
 
+<file path=ppt/slides/slide17.xml><?xml version="1.0" encoding="utf-8"?>
+<p:sld xmlns:a="http://schemas.openxmlformats.org/drawingml/2006/main" xmlns:r="http://schemas.openxmlformats.org/officeDocument/2006/relationships" xmlns:p="http://schemas.openxmlformats.org/presentationml/2006/main">
+  <p:cSld>
+    <p:spTree>
+      <p:nvGrpSpPr>
+        <p:cNvPr id="1" name=""/>
+        <p:cNvGrpSpPr/>
+        <p:nvPr/>
+      </p:nvGrpSpPr>
+      <p:grpSpPr>
+        <a:xfrm>
+          <a:off x="0" y="0"/>
+          <a:ext cx="0" cy="0"/>
+          <a:chOff x="0" y="0"/>
+          <a:chExt cx="0" cy="0"/>
+        </a:xfrm>
+      </p:grpSpPr>
+      <p:sp>
+        <p:nvSpPr>
+          <p:cNvPr id="2" name="Title 1">
+            <a:extLst>
+              <a:ext uri="{FF2B5EF4-FFF2-40B4-BE49-F238E27FC236}">
+                <a16:creationId xmlns:a16="http://schemas.microsoft.com/office/drawing/2014/main" id="{CD700101-9518-482B-836B-9BF507CF18B5}"/>
+              </a:ext>
+            </a:extLst>
+          </p:cNvPr>
+          <p:cNvSpPr>
+            <a:spLocks noGrp="1"/>
+          </p:cNvSpPr>
+          <p:nvPr>
+            <p:ph type="title"/>
+          </p:nvPr>
+        </p:nvSpPr>
+        <p:spPr/>
+        <p:txBody>
+          <a:bodyPr/>
+          <a:lstStyle/>
+          <a:p>
+            <a:r>
+              <a:rPr lang="en-US" dirty="0"/>
+              <a:t>Common Tags</a:t>
+            </a:r>
+          </a:p>
+        </p:txBody>
+      </p:sp>
+      <p:sp>
+        <p:nvSpPr>
+          <p:cNvPr id="3" name="Content Placeholder 2">
+            <a:extLst>
+              <a:ext uri="{FF2B5EF4-FFF2-40B4-BE49-F238E27FC236}">
+                <a16:creationId xmlns:a16="http://schemas.microsoft.com/office/drawing/2014/main" id="{998DAAA8-2E96-4468-A2B0-DB1A0A73F05D}"/>
+              </a:ext>
+            </a:extLst>
+          </p:cNvPr>
+          <p:cNvSpPr>
+            <a:spLocks noGrp="1"/>
+          </p:cNvSpPr>
+          <p:nvPr>
+            <p:ph idx="1"/>
+          </p:nvPr>
+        </p:nvSpPr>
+        <p:spPr>
+          <a:xfrm>
+            <a:off x="838200" y="1825625"/>
+            <a:ext cx="10515600" cy="4667250"/>
+          </a:xfrm>
+        </p:spPr>
+        <p:txBody>
+          <a:bodyPr>
+            <a:normAutofit/>
+          </a:bodyPr>
+          <a:lstStyle/>
+          <a:p>
+            <a:pPr marL="0" indent="0">
+              <a:buNone/>
+            </a:pPr>
+            <a:r>
+              <a:rPr lang="en-US" dirty="0"/>
+              <a:t>Header Tags</a:t>
+            </a:r>
+          </a:p>
+          <a:p>
+            <a:pPr marL="0" indent="0">
+              <a:buNone/>
+            </a:pPr>
+            <a:r>
+              <a:rPr lang="en-US" dirty="0"/>
+              <a:t>		CODE						RESULT</a:t>
+            </a:r>
+          </a:p>
+          <a:p>
+            <a:pPr marL="0" indent="0">
+              <a:buNone/>
+            </a:pPr>
+            <a:r>
+              <a:rPr lang="en-US" dirty="0"/>
+              <a:t>&lt;h1&gt; Largest Header &lt;/h1&gt;			</a:t>
+            </a:r>
+            <a:r>
+              <a:rPr lang="en-US" sz="3600" b="1" dirty="0"/>
+              <a:t>Largest Header</a:t>
+            </a:r>
+          </a:p>
+          <a:p>
+            <a:pPr marL="0" indent="0">
+              <a:buNone/>
+            </a:pPr>
+            <a:r>
+              <a:rPr lang="en-US" dirty="0"/>
+              <a:t>&lt;h2&gt; Larger Header &lt;/h2&gt;			</a:t>
+            </a:r>
+            <a:r>
+              <a:rPr lang="en-US" sz="3200" b="1" dirty="0"/>
+              <a:t>Larger Header</a:t>
+            </a:r>
+            <a:endParaRPr lang="en-US" dirty="0"/>
+          </a:p>
+          <a:p>
+            <a:pPr marL="0" indent="0">
+              <a:buNone/>
+            </a:pPr>
+            <a:r>
+              <a:rPr lang="en-US" dirty="0"/>
+              <a:t>&lt;h3&gt; Large Header &lt;/h3&gt;			</a:t>
+            </a:r>
+            <a:r>
+              <a:rPr lang="en-US" b="1" dirty="0"/>
+              <a:t>Large Header</a:t>
+            </a:r>
+          </a:p>
+          <a:p>
+            <a:pPr marL="0" indent="0">
+              <a:buNone/>
+            </a:pPr>
+            <a:r>
+              <a:rPr lang="en-US" dirty="0"/>
+              <a:t>&lt;h4&gt; Small Header &lt;/h4&gt;			</a:t>
+            </a:r>
+            <a:r>
+              <a:rPr lang="en-US" sz="2400" b="1" dirty="0"/>
+              <a:t>Small Header</a:t>
+            </a:r>
+            <a:endParaRPr lang="en-US" sz="1800" dirty="0"/>
+          </a:p>
+          <a:p>
+            <a:pPr marL="0" indent="0">
+              <a:buNone/>
+            </a:pPr>
+            <a:r>
+              <a:rPr lang="en-US" dirty="0"/>
+              <a:t>&lt;h5&gt; Smaller Header &lt;/h5&gt;			</a:t>
+            </a:r>
+            <a:r>
+              <a:rPr lang="en-US" sz="2000" b="1" dirty="0"/>
+              <a:t>Smaller</a:t>
+            </a:r>
+            <a:r>
+              <a:rPr lang="en-US" sz="3600" b="1" dirty="0"/>
+              <a:t> </a:t>
+            </a:r>
+            <a:r>
+              <a:rPr lang="en-US" sz="2000" b="1" dirty="0"/>
+              <a:t>Header</a:t>
+            </a:r>
+            <a:endParaRPr lang="en-US" dirty="0"/>
+          </a:p>
+          <a:p>
+            <a:pPr marL="0" indent="0">
+              <a:buNone/>
+            </a:pPr>
+            <a:r>
+              <a:rPr lang="en-US" dirty="0"/>
+              <a:t>&lt;h6&gt; Smallest Header &lt;/h6&gt;			</a:t>
+            </a:r>
+            <a:r>
+              <a:rPr lang="en-US" sz="1800" b="1" dirty="0"/>
+              <a:t>Smallest</a:t>
+            </a:r>
+            <a:r>
+              <a:rPr lang="en-US" sz="3600" b="1" dirty="0"/>
+              <a:t> </a:t>
+            </a:r>
+            <a:r>
+              <a:rPr lang="en-US" sz="1800" b="1" dirty="0"/>
+              <a:t>Header</a:t>
+            </a:r>
+            <a:endParaRPr lang="en-US" dirty="0"/>
+          </a:p>
+          <a:p>
+            <a:pPr marL="0" indent="0">
+              <a:buNone/>
+            </a:pPr>
+            <a:endParaRPr lang="en-US" dirty="0"/>
+          </a:p>
+          <a:p>
+            <a:pPr marL="0" indent="0">
+              <a:buNone/>
+            </a:pPr>
+            <a:endParaRPr lang="en-US" dirty="0"/>
+          </a:p>
+        </p:txBody>
+      </p:sp>
+    </p:spTree>
+    <p:extLst>
+      <p:ext uri="{BB962C8B-B14F-4D97-AF65-F5344CB8AC3E}">
+        <p14:creationId xmlns:p14="http://schemas.microsoft.com/office/powerpoint/2010/main" val="2342616853"/>
+      </p:ext>
+    </p:extLst>
+  </p:cSld>
+  <p:clrMapOvr>
+    <a:masterClrMapping/>
+  </p:clrMapOvr>
+</p:sld>
+</file>
+
+<file path=ppt/slides/slide18.xml><?xml version="1.0" encoding="utf-8"?>
+<p:sld xmlns:a="http://schemas.openxmlformats.org/drawingml/2006/main" xmlns:r="http://schemas.openxmlformats.org/officeDocument/2006/relationships" xmlns:p="http://schemas.openxmlformats.org/presentationml/2006/main">
+  <p:cSld>
+    <p:spTree>
+      <p:nvGrpSpPr>
+        <p:cNvPr id="1" name=""/>
+        <p:cNvGrpSpPr/>
+        <p:nvPr/>
+      </p:nvGrpSpPr>
+      <p:grpSpPr>
+        <a:xfrm>
+          <a:off x="0" y="0"/>
+          <a:ext cx="0" cy="0"/>
+          <a:chOff x="0" y="0"/>
+          <a:chExt cx="0" cy="0"/>
+        </a:xfrm>
+      </p:grpSpPr>
+      <p:sp>
+        <p:nvSpPr>
+          <p:cNvPr id="2" name="Title 1">
+            <a:extLst>
+              <a:ext uri="{FF2B5EF4-FFF2-40B4-BE49-F238E27FC236}">
+                <a16:creationId xmlns:a16="http://schemas.microsoft.com/office/drawing/2014/main" id="{CD700101-9518-482B-836B-9BF507CF18B5}"/>
+              </a:ext>
+            </a:extLst>
+          </p:cNvPr>
+          <p:cNvSpPr>
+            <a:spLocks noGrp="1"/>
+          </p:cNvSpPr>
+          <p:nvPr>
+            <p:ph type="title"/>
+          </p:nvPr>
+        </p:nvSpPr>
+        <p:spPr/>
+        <p:txBody>
+          <a:bodyPr/>
+          <a:lstStyle/>
+          <a:p>
+            <a:r>
+              <a:rPr lang="en-US" dirty="0"/>
+              <a:t>Common Tags</a:t>
+            </a:r>
+          </a:p>
+        </p:txBody>
+      </p:sp>
+      <p:sp>
+        <p:nvSpPr>
+          <p:cNvPr id="3" name="Content Placeholder 2">
+            <a:extLst>
+              <a:ext uri="{FF2B5EF4-FFF2-40B4-BE49-F238E27FC236}">
+                <a16:creationId xmlns:a16="http://schemas.microsoft.com/office/drawing/2014/main" id="{998DAAA8-2E96-4468-A2B0-DB1A0A73F05D}"/>
+              </a:ext>
+            </a:extLst>
+          </p:cNvPr>
+          <p:cNvSpPr>
+            <a:spLocks noGrp="1"/>
+          </p:cNvSpPr>
+          <p:nvPr>
+            <p:ph idx="1"/>
+          </p:nvPr>
+        </p:nvSpPr>
+        <p:spPr>
+          <a:xfrm>
+            <a:off x="838200" y="1825625"/>
+            <a:ext cx="10515600" cy="4667250"/>
+          </a:xfrm>
+        </p:spPr>
+        <p:txBody>
+          <a:bodyPr>
+            <a:normAutofit/>
+          </a:bodyPr>
+          <a:lstStyle/>
+          <a:p>
+            <a:pPr marL="0" indent="0">
+              <a:buNone/>
+            </a:pPr>
+            <a:r>
+              <a:rPr lang="en-US" dirty="0"/>
+              <a:t>Text Styling</a:t>
+            </a:r>
+          </a:p>
+          <a:p>
+            <a:pPr marL="0" indent="0">
+              <a:buNone/>
+            </a:pPr>
+            <a:r>
+              <a:rPr lang="en-US" dirty="0"/>
+              <a:t>	CODE							RESULT</a:t>
+            </a:r>
+          </a:p>
+          <a:p>
+            <a:pPr marL="0" indent="0">
+              <a:buNone/>
+            </a:pPr>
+            <a:r>
+              <a:rPr lang="en-US" dirty="0"/>
+              <a:t>&lt;b&gt;Bolded&lt;/b&gt;						</a:t>
+            </a:r>
+            <a:r>
+              <a:rPr lang="en-US" b="1" dirty="0"/>
+              <a:t>Bolded</a:t>
+            </a:r>
+          </a:p>
+          <a:p>
+            <a:pPr marL="0" indent="0">
+              <a:buNone/>
+            </a:pPr>
+            <a:r>
+              <a:rPr lang="en-US" dirty="0"/>
+              <a:t>&lt;u&gt;Underlined&lt;/u&gt;					</a:t>
+            </a:r>
+            <a:r>
+              <a:rPr lang="en-US" u="sng" dirty="0"/>
+              <a:t>Underlined</a:t>
+            </a:r>
+          </a:p>
+          <a:p>
+            <a:pPr marL="0" indent="0">
+              <a:buNone/>
+            </a:pPr>
+            <a:r>
+              <a:rPr lang="en-US" dirty="0"/>
+              <a:t>&lt;</a:t>
+            </a:r>
+            <a:r>
+              <a:rPr lang="en-US" dirty="0" err="1"/>
+              <a:t>i</a:t>
+            </a:r>
+            <a:r>
+              <a:rPr lang="en-US" dirty="0"/>
+              <a:t>&gt;Italicized&lt;/i&gt;						</a:t>
+            </a:r>
+            <a:r>
+              <a:rPr lang="en-US" i="1" dirty="0"/>
+              <a:t>Italicized</a:t>
+            </a:r>
+          </a:p>
+          <a:p>
+            <a:pPr marL="0" indent="0">
+              <a:buNone/>
+            </a:pPr>
+            <a:r>
+              <a:rPr lang="en-US" dirty="0"/>
+              <a:t>&lt;s&gt;Strikethrough&lt;/s&gt;					</a:t>
+            </a:r>
+            <a:r>
+              <a:rPr lang="en-US" strike="sngStrike" dirty="0"/>
+              <a:t>Strikethrough</a:t>
+            </a:r>
+          </a:p>
+          <a:p>
+            <a:pPr marL="0" indent="0">
+              <a:buNone/>
+            </a:pPr>
+            <a:r>
+              <a:rPr lang="en-US" dirty="0"/>
+              <a:t>&lt;mark&gt; Highlighted &lt;/mark&gt;				</a:t>
+            </a:r>
+            <a:r>
+              <a:rPr lang="en-US" dirty="0">
+                <a:highlight>
+                  <a:srgbClr val="FFFF00"/>
+                </a:highlight>
+              </a:rPr>
+              <a:t>Highlighted</a:t>
+            </a:r>
+          </a:p>
+        </p:txBody>
+      </p:sp>
+    </p:spTree>
+    <p:extLst>
+      <p:ext uri="{BB962C8B-B14F-4D97-AF65-F5344CB8AC3E}">
+        <p14:creationId xmlns:p14="http://schemas.microsoft.com/office/powerpoint/2010/main" val="3985093509"/>
+      </p:ext>
+    </p:extLst>
+  </p:cSld>
+  <p:clrMapOvr>
+    <a:masterClrMapping/>
+  </p:clrMapOvr>
+</p:sld>
+</file>
+
+<file path=ppt/slides/slide19.xml><?xml version="1.0" encoding="utf-8"?>
+<p:sld xmlns:a="http://schemas.openxmlformats.org/drawingml/2006/main" xmlns:r="http://schemas.openxmlformats.org/officeDocument/2006/relationships" xmlns:p="http://schemas.openxmlformats.org/presentationml/2006/main">
+  <p:cSld>
+    <p:spTree>
+      <p:nvGrpSpPr>
+        <p:cNvPr id="1" name=""/>
+        <p:cNvGrpSpPr/>
+        <p:nvPr/>
+      </p:nvGrpSpPr>
+      <p:grpSpPr>
+        <a:xfrm>
+          <a:off x="0" y="0"/>
+          <a:ext cx="0" cy="0"/>
+          <a:chOff x="0" y="0"/>
+          <a:chExt cx="0" cy="0"/>
+        </a:xfrm>
+      </p:grpSpPr>
+      <p:sp>
+        <p:nvSpPr>
+          <p:cNvPr id="2" name="Title 1">
+            <a:extLst>
+              <a:ext uri="{FF2B5EF4-FFF2-40B4-BE49-F238E27FC236}">
+                <a16:creationId xmlns:a16="http://schemas.microsoft.com/office/drawing/2014/main" id="{CD700101-9518-482B-836B-9BF507CF18B5}"/>
+              </a:ext>
+            </a:extLst>
+          </p:cNvPr>
+          <p:cNvSpPr>
+            <a:spLocks noGrp="1"/>
+          </p:cNvSpPr>
+          <p:nvPr>
+            <p:ph type="title"/>
+          </p:nvPr>
+        </p:nvSpPr>
+        <p:spPr/>
+        <p:txBody>
+          <a:bodyPr/>
+          <a:lstStyle/>
+          <a:p>
+            <a:r>
+              <a:rPr lang="en-US" dirty="0"/>
+              <a:t>Common Tags</a:t>
+            </a:r>
+          </a:p>
+        </p:txBody>
+      </p:sp>
+      <p:sp>
+        <p:nvSpPr>
+          <p:cNvPr id="3" name="Content Placeholder 2">
+            <a:extLst>
+              <a:ext uri="{FF2B5EF4-FFF2-40B4-BE49-F238E27FC236}">
+                <a16:creationId xmlns:a16="http://schemas.microsoft.com/office/drawing/2014/main" id="{998DAAA8-2E96-4468-A2B0-DB1A0A73F05D}"/>
+              </a:ext>
+            </a:extLst>
+          </p:cNvPr>
+          <p:cNvSpPr>
+            <a:spLocks noGrp="1"/>
+          </p:cNvSpPr>
+          <p:nvPr>
+            <p:ph idx="1"/>
+          </p:nvPr>
+        </p:nvSpPr>
+        <p:spPr>
+          <a:xfrm>
+            <a:off x="838200" y="1825625"/>
+            <a:ext cx="10515600" cy="4667250"/>
+          </a:xfrm>
+        </p:spPr>
+        <p:txBody>
+          <a:bodyPr>
+            <a:normAutofit/>
+          </a:bodyPr>
+          <a:lstStyle/>
+          <a:p>
+            <a:pPr marL="0" indent="0">
+              <a:buNone/>
+            </a:pPr>
+            <a:r>
+              <a:rPr lang="en-US" dirty="0"/>
+              <a:t>Inserting an Image:</a:t>
+            </a:r>
+          </a:p>
+          <a:p>
+            <a:pPr marL="0" indent="0">
+              <a:buNone/>
+            </a:pPr>
+            <a:endParaRPr lang="en-US" dirty="0"/>
+          </a:p>
+          <a:p>
+            <a:pPr marL="0" indent="0">
+              <a:buNone/>
+            </a:pPr>
+            <a:r>
+              <a:rPr lang="en-US" dirty="0"/>
+              <a:t>&lt;</a:t>
+            </a:r>
+            <a:r>
+              <a:rPr lang="en-US" dirty="0" err="1"/>
+              <a:t>img</a:t>
+            </a:r>
+            <a:r>
+              <a:rPr lang="en-US" dirty="0"/>
+              <a:t> </a:t>
+            </a:r>
+            <a:r>
+              <a:rPr lang="en-US" dirty="0" err="1"/>
+              <a:t>src</a:t>
+            </a:r>
+            <a:r>
+              <a:rPr lang="en-US" dirty="0"/>
+              <a:t>=“dog.png” width=“400px” height=“300px”&gt;</a:t>
+            </a:r>
+          </a:p>
+          <a:p>
+            <a:pPr marL="0" indent="0">
+              <a:buNone/>
+            </a:pPr>
+            <a:endParaRPr lang="en-US" dirty="0"/>
+          </a:p>
+          <a:p>
+            <a:pPr marL="0" indent="0">
+              <a:buNone/>
+            </a:pPr>
+            <a:r>
+              <a:rPr lang="en-US" dirty="0" err="1"/>
+              <a:t>img</a:t>
+            </a:r>
+            <a:r>
+              <a:rPr lang="en-US" dirty="0"/>
+              <a:t>: inserting an </a:t>
+            </a:r>
+            <a:r>
+              <a:rPr lang="en-US" dirty="0" err="1"/>
+              <a:t>IMaGe</a:t>
+            </a:r>
+            <a:endParaRPr lang="en-US" dirty="0"/>
+          </a:p>
+          <a:p>
+            <a:pPr marL="0" indent="0">
+              <a:buNone/>
+            </a:pPr>
+            <a:r>
+              <a:rPr lang="en-US" dirty="0" err="1"/>
+              <a:t>src</a:t>
+            </a:r>
+            <a:r>
+              <a:rPr lang="en-US" dirty="0"/>
+              <a:t>: the file to insert</a:t>
+            </a:r>
+          </a:p>
+          <a:p>
+            <a:pPr marL="0" indent="0">
+              <a:buNone/>
+            </a:pPr>
+            <a:r>
+              <a:rPr lang="en-US" dirty="0"/>
+              <a:t>width: the number of pixels wide the image will be displayed in</a:t>
+            </a:r>
+          </a:p>
+          <a:p>
+            <a:pPr marL="0" indent="0">
+              <a:buNone/>
+            </a:pPr>
+            <a:r>
+              <a:rPr lang="en-US" dirty="0"/>
+              <a:t>height: the number of pixels high the image will be displayed in</a:t>
+            </a:r>
+          </a:p>
+        </p:txBody>
+      </p:sp>
+    </p:spTree>
+    <p:extLst>
+      <p:ext uri="{BB962C8B-B14F-4D97-AF65-F5344CB8AC3E}">
+        <p14:creationId xmlns:p14="http://schemas.microsoft.com/office/powerpoint/2010/main" val="3625116410"/>
+      </p:ext>
+    </p:extLst>
+  </p:cSld>
+  <p:clrMapOvr>
+    <a:masterClrMapping/>
+  </p:clrMapOvr>
+</p:sld>
+</file>
+
 <file path=ppt/slides/slide2.xml><?xml version="1.0" encoding="utf-8"?>
 <p:sld xmlns:a="http://schemas.openxmlformats.org/drawingml/2006/main" xmlns:r="http://schemas.openxmlformats.org/officeDocument/2006/relationships" xmlns:p="http://schemas.openxmlformats.org/presentationml/2006/main">
   <p:cSld>
@@ -7825,6 +9091,2364 @@
     <p:extLst>
       <p:ext uri="{BB962C8B-B14F-4D97-AF65-F5344CB8AC3E}">
         <p14:creationId xmlns:p14="http://schemas.microsoft.com/office/powerpoint/2010/main" val="2087593179"/>
+      </p:ext>
+    </p:extLst>
+  </p:cSld>
+  <p:clrMapOvr>
+    <a:masterClrMapping/>
+  </p:clrMapOvr>
+</p:sld>
+</file>
+
+<file path=ppt/slides/slide20.xml><?xml version="1.0" encoding="utf-8"?>
+<p:sld xmlns:a="http://schemas.openxmlformats.org/drawingml/2006/main" xmlns:r="http://schemas.openxmlformats.org/officeDocument/2006/relationships" xmlns:p="http://schemas.openxmlformats.org/presentationml/2006/main">
+  <p:cSld>
+    <p:spTree>
+      <p:nvGrpSpPr>
+        <p:cNvPr id="1" name=""/>
+        <p:cNvGrpSpPr/>
+        <p:nvPr/>
+      </p:nvGrpSpPr>
+      <p:grpSpPr>
+        <a:xfrm>
+          <a:off x="0" y="0"/>
+          <a:ext cx="0" cy="0"/>
+          <a:chOff x="0" y="0"/>
+          <a:chExt cx="0" cy="0"/>
+        </a:xfrm>
+      </p:grpSpPr>
+      <p:sp>
+        <p:nvSpPr>
+          <p:cNvPr id="2" name="Title 1">
+            <a:extLst>
+              <a:ext uri="{FF2B5EF4-FFF2-40B4-BE49-F238E27FC236}">
+                <a16:creationId xmlns:a16="http://schemas.microsoft.com/office/drawing/2014/main" id="{CD700101-9518-482B-836B-9BF507CF18B5}"/>
+              </a:ext>
+            </a:extLst>
+          </p:cNvPr>
+          <p:cNvSpPr>
+            <a:spLocks noGrp="1"/>
+          </p:cNvSpPr>
+          <p:nvPr>
+            <p:ph type="title"/>
+          </p:nvPr>
+        </p:nvSpPr>
+        <p:spPr/>
+        <p:txBody>
+          <a:bodyPr/>
+          <a:lstStyle/>
+          <a:p>
+            <a:r>
+              <a:rPr lang="en-US" dirty="0"/>
+              <a:t>Common Tags</a:t>
+            </a:r>
+          </a:p>
+        </p:txBody>
+      </p:sp>
+      <p:sp>
+        <p:nvSpPr>
+          <p:cNvPr id="3" name="Content Placeholder 2">
+            <a:extLst>
+              <a:ext uri="{FF2B5EF4-FFF2-40B4-BE49-F238E27FC236}">
+                <a16:creationId xmlns:a16="http://schemas.microsoft.com/office/drawing/2014/main" id="{998DAAA8-2E96-4468-A2B0-DB1A0A73F05D}"/>
+              </a:ext>
+            </a:extLst>
+          </p:cNvPr>
+          <p:cNvSpPr>
+            <a:spLocks noGrp="1"/>
+          </p:cNvSpPr>
+          <p:nvPr>
+            <p:ph idx="1"/>
+          </p:nvPr>
+        </p:nvSpPr>
+        <p:spPr>
+          <a:xfrm>
+            <a:off x="838200" y="1825625"/>
+            <a:ext cx="10515600" cy="4667250"/>
+          </a:xfrm>
+        </p:spPr>
+        <p:txBody>
+          <a:bodyPr>
+            <a:normAutofit/>
+          </a:bodyPr>
+          <a:lstStyle/>
+          <a:p>
+            <a:pPr marL="0" indent="0">
+              <a:buNone/>
+            </a:pPr>
+            <a:r>
+              <a:rPr lang="en-US" dirty="0"/>
+              <a:t>Inserting an Image:</a:t>
+            </a:r>
+          </a:p>
+          <a:p>
+            <a:pPr marL="0" indent="0">
+              <a:buNone/>
+            </a:pPr>
+            <a:endParaRPr lang="en-US" dirty="0"/>
+          </a:p>
+          <a:p>
+            <a:pPr marL="0" indent="0">
+              <a:buNone/>
+            </a:pPr>
+            <a:r>
+              <a:rPr lang="en-US" dirty="0"/>
+              <a:t>&lt;</a:t>
+            </a:r>
+            <a:r>
+              <a:rPr lang="en-US" dirty="0" err="1"/>
+              <a:t>img</a:t>
+            </a:r>
+            <a:r>
+              <a:rPr lang="en-US" dirty="0"/>
+              <a:t> </a:t>
+            </a:r>
+            <a:r>
+              <a:rPr lang="en-US" dirty="0" err="1"/>
+              <a:t>src</a:t>
+            </a:r>
+            <a:r>
+              <a:rPr lang="en-US" dirty="0"/>
+              <a:t>=“dog.png” width=“400px” height=“300px”&gt;</a:t>
+            </a:r>
+          </a:p>
+          <a:p>
+            <a:pPr marL="0" indent="0">
+              <a:buNone/>
+            </a:pPr>
+            <a:endParaRPr lang="en-US" dirty="0"/>
+          </a:p>
+          <a:p>
+            <a:pPr marL="0" indent="0">
+              <a:buNone/>
+            </a:pPr>
+            <a:r>
+              <a:rPr lang="en-US" dirty="0" err="1"/>
+              <a:t>img</a:t>
+            </a:r>
+            <a:r>
+              <a:rPr lang="en-US" dirty="0"/>
+              <a:t>: inserting an </a:t>
+            </a:r>
+            <a:r>
+              <a:rPr lang="en-US" dirty="0" err="1"/>
+              <a:t>IMaGe</a:t>
+            </a:r>
+            <a:endParaRPr lang="en-US" dirty="0"/>
+          </a:p>
+          <a:p>
+            <a:pPr marL="0" indent="0">
+              <a:buNone/>
+            </a:pPr>
+            <a:r>
+              <a:rPr lang="en-US" dirty="0" err="1"/>
+              <a:t>src</a:t>
+            </a:r>
+            <a:r>
+              <a:rPr lang="en-US" dirty="0"/>
+              <a:t>: the file to insert</a:t>
+            </a:r>
+          </a:p>
+          <a:p>
+            <a:pPr marL="0" indent="0">
+              <a:buNone/>
+            </a:pPr>
+            <a:r>
+              <a:rPr lang="en-US" dirty="0"/>
+              <a:t>width: the number of pixels wide the image will be displayed in</a:t>
+            </a:r>
+          </a:p>
+          <a:p>
+            <a:pPr marL="0" indent="0">
+              <a:buNone/>
+            </a:pPr>
+            <a:r>
+              <a:rPr lang="en-US" dirty="0"/>
+              <a:t>height: the number of pixels high the image will be displayed in</a:t>
+            </a:r>
+          </a:p>
+        </p:txBody>
+      </p:sp>
+      <p:pic>
+        <p:nvPicPr>
+          <p:cNvPr id="5" name="Picture 4">
+            <a:extLst>
+              <a:ext uri="{FF2B5EF4-FFF2-40B4-BE49-F238E27FC236}">
+                <a16:creationId xmlns:a16="http://schemas.microsoft.com/office/drawing/2014/main" id="{4AAD3706-6036-4888-96C9-85D1ABEAE2FE}"/>
+              </a:ext>
+            </a:extLst>
+          </p:cNvPr>
+          <p:cNvPicPr>
+            <a:picLocks noChangeAspect="1"/>
+          </p:cNvPicPr>
+          <p:nvPr/>
+        </p:nvPicPr>
+        <p:blipFill>
+          <a:blip r:embed="rId2"/>
+          <a:stretch>
+            <a:fillRect/>
+          </a:stretch>
+        </p:blipFill>
+        <p:spPr>
+          <a:xfrm>
+            <a:off x="6519339" y="454025"/>
+            <a:ext cx="2582717" cy="1371600"/>
+          </a:xfrm>
+          <a:prstGeom prst="rect">
+            <a:avLst/>
+          </a:prstGeom>
+        </p:spPr>
+      </p:pic>
+      <p:cxnSp>
+        <p:nvCxnSpPr>
+          <p:cNvPr id="6" name="Straight Arrow Connector 5">
+            <a:extLst>
+              <a:ext uri="{FF2B5EF4-FFF2-40B4-BE49-F238E27FC236}">
+                <a16:creationId xmlns:a16="http://schemas.microsoft.com/office/drawing/2014/main" id="{DAA83B1F-A4F1-4D14-8512-2AD0FCADA9EC}"/>
+              </a:ext>
+            </a:extLst>
+          </p:cNvPr>
+          <p:cNvCxnSpPr/>
+          <p:nvPr/>
+        </p:nvCxnSpPr>
+        <p:spPr>
+          <a:xfrm>
+            <a:off x="5444455" y="917110"/>
+            <a:ext cx="1493240" cy="474997"/>
+          </a:xfrm>
+          <a:prstGeom prst="straightConnector1">
+            <a:avLst/>
+          </a:prstGeom>
+          <a:ln w="38100">
+            <a:tailEnd type="triangle"/>
+          </a:ln>
+        </p:spPr>
+        <p:style>
+          <a:lnRef idx="3">
+            <a:schemeClr val="dk1"/>
+          </a:lnRef>
+          <a:fillRef idx="0">
+            <a:schemeClr val="dk1"/>
+          </a:fillRef>
+          <a:effectRef idx="2">
+            <a:schemeClr val="dk1"/>
+          </a:effectRef>
+          <a:fontRef idx="minor">
+            <a:schemeClr val="tx1"/>
+          </a:fontRef>
+        </p:style>
+      </p:cxnSp>
+      <p:sp>
+        <p:nvSpPr>
+          <p:cNvPr id="7" name="TextBox 6">
+            <a:extLst>
+              <a:ext uri="{FF2B5EF4-FFF2-40B4-BE49-F238E27FC236}">
+                <a16:creationId xmlns:a16="http://schemas.microsoft.com/office/drawing/2014/main" id="{56A3D4B0-D4D1-4BCA-BC6D-2231EE127D71}"/>
+              </a:ext>
+            </a:extLst>
+          </p:cNvPr>
+          <p:cNvSpPr txBox="1"/>
+          <p:nvPr/>
+        </p:nvSpPr>
+        <p:spPr>
+          <a:xfrm>
+            <a:off x="4788017" y="576526"/>
+            <a:ext cx="947695" cy="369332"/>
+          </a:xfrm>
+          <a:prstGeom prst="rect">
+            <a:avLst/>
+          </a:prstGeom>
+          <a:noFill/>
+        </p:spPr>
+        <p:txBody>
+          <a:bodyPr wrap="none" rtlCol="0">
+            <a:spAutoFit/>
+          </a:bodyPr>
+          <a:lstStyle/>
+          <a:p>
+            <a:r>
+              <a:rPr lang="en-US" dirty="0"/>
+              <a:t>dog.png</a:t>
+            </a:r>
+          </a:p>
+        </p:txBody>
+      </p:sp>
+      <p:sp>
+        <p:nvSpPr>
+          <p:cNvPr id="9" name="Right Brace 8">
+            <a:extLst>
+              <a:ext uri="{FF2B5EF4-FFF2-40B4-BE49-F238E27FC236}">
+                <a16:creationId xmlns:a16="http://schemas.microsoft.com/office/drawing/2014/main" id="{24C8FBBE-9F80-4D3C-93EB-CDB15C84732F}"/>
+              </a:ext>
+            </a:extLst>
+          </p:cNvPr>
+          <p:cNvSpPr/>
+          <p:nvPr/>
+        </p:nvSpPr>
+        <p:spPr>
+          <a:xfrm>
+            <a:off x="9260159" y="477043"/>
+            <a:ext cx="766850" cy="1325563"/>
+          </a:xfrm>
+          <a:prstGeom prst="rightBrace">
+            <a:avLst/>
+          </a:prstGeom>
+        </p:spPr>
+        <p:style>
+          <a:lnRef idx="3">
+            <a:schemeClr val="dk1"/>
+          </a:lnRef>
+          <a:fillRef idx="0">
+            <a:schemeClr val="dk1"/>
+          </a:fillRef>
+          <a:effectRef idx="2">
+            <a:schemeClr val="dk1"/>
+          </a:effectRef>
+          <a:fontRef idx="minor">
+            <a:schemeClr val="tx1"/>
+          </a:fontRef>
+        </p:style>
+        <p:txBody>
+          <a:bodyPr rtlCol="0" anchor="ctr"/>
+          <a:lstStyle/>
+          <a:p>
+            <a:pPr algn="ctr"/>
+            <a:endParaRPr lang="en-US"/>
+          </a:p>
+        </p:txBody>
+      </p:sp>
+      <p:sp>
+        <p:nvSpPr>
+          <p:cNvPr id="10" name="Right Brace 9">
+            <a:extLst>
+              <a:ext uri="{FF2B5EF4-FFF2-40B4-BE49-F238E27FC236}">
+                <a16:creationId xmlns:a16="http://schemas.microsoft.com/office/drawing/2014/main" id="{103D1CED-9E3E-400A-89DE-2AD06136B49E}"/>
+              </a:ext>
+            </a:extLst>
+          </p:cNvPr>
+          <p:cNvSpPr/>
+          <p:nvPr/>
+        </p:nvSpPr>
+        <p:spPr>
+          <a:xfrm rot="5400000">
+            <a:off x="7568633" y="814621"/>
+            <a:ext cx="484127" cy="2582718"/>
+          </a:xfrm>
+          <a:prstGeom prst="rightBrace">
+            <a:avLst/>
+          </a:prstGeom>
+        </p:spPr>
+        <p:style>
+          <a:lnRef idx="3">
+            <a:schemeClr val="dk1"/>
+          </a:lnRef>
+          <a:fillRef idx="0">
+            <a:schemeClr val="dk1"/>
+          </a:fillRef>
+          <a:effectRef idx="2">
+            <a:schemeClr val="dk1"/>
+          </a:effectRef>
+          <a:fontRef idx="minor">
+            <a:schemeClr val="tx1"/>
+          </a:fontRef>
+        </p:style>
+        <p:txBody>
+          <a:bodyPr rtlCol="0" anchor="ctr"/>
+          <a:lstStyle/>
+          <a:p>
+            <a:pPr algn="ctr"/>
+            <a:endParaRPr lang="en-US"/>
+          </a:p>
+        </p:txBody>
+      </p:sp>
+      <p:sp>
+        <p:nvSpPr>
+          <p:cNvPr id="11" name="TextBox 10">
+            <a:extLst>
+              <a:ext uri="{FF2B5EF4-FFF2-40B4-BE49-F238E27FC236}">
+                <a16:creationId xmlns:a16="http://schemas.microsoft.com/office/drawing/2014/main" id="{9B7B6CA7-B672-477D-88A4-43A8424D3E04}"/>
+              </a:ext>
+            </a:extLst>
+          </p:cNvPr>
+          <p:cNvSpPr txBox="1"/>
+          <p:nvPr/>
+        </p:nvSpPr>
+        <p:spPr>
+          <a:xfrm>
+            <a:off x="7113864" y="2386335"/>
+            <a:ext cx="1260473" cy="369332"/>
+          </a:xfrm>
+          <a:prstGeom prst="rect">
+            <a:avLst/>
+          </a:prstGeom>
+          <a:noFill/>
+        </p:spPr>
+        <p:txBody>
+          <a:bodyPr wrap="none" rtlCol="0">
+            <a:spAutoFit/>
+          </a:bodyPr>
+          <a:lstStyle/>
+          <a:p>
+            <a:r>
+              <a:rPr lang="en-US" dirty="0"/>
+              <a:t>400px wide</a:t>
+            </a:r>
+          </a:p>
+        </p:txBody>
+      </p:sp>
+      <p:sp>
+        <p:nvSpPr>
+          <p:cNvPr id="12" name="TextBox 11">
+            <a:extLst>
+              <a:ext uri="{FF2B5EF4-FFF2-40B4-BE49-F238E27FC236}">
+                <a16:creationId xmlns:a16="http://schemas.microsoft.com/office/drawing/2014/main" id="{6BD6ED53-DE43-4152-8A21-5DA818EB2B34}"/>
+              </a:ext>
+            </a:extLst>
+          </p:cNvPr>
+          <p:cNvSpPr txBox="1"/>
+          <p:nvPr/>
+        </p:nvSpPr>
+        <p:spPr>
+          <a:xfrm>
+            <a:off x="10143019" y="955158"/>
+            <a:ext cx="1210781" cy="369332"/>
+          </a:xfrm>
+          <a:prstGeom prst="rect">
+            <a:avLst/>
+          </a:prstGeom>
+          <a:noFill/>
+        </p:spPr>
+        <p:txBody>
+          <a:bodyPr wrap="none" rtlCol="0">
+            <a:spAutoFit/>
+          </a:bodyPr>
+          <a:lstStyle/>
+          <a:p>
+            <a:r>
+              <a:rPr lang="en-US" dirty="0"/>
+              <a:t>300px high</a:t>
+            </a:r>
+          </a:p>
+        </p:txBody>
+      </p:sp>
+    </p:spTree>
+    <p:extLst>
+      <p:ext uri="{BB962C8B-B14F-4D97-AF65-F5344CB8AC3E}">
+        <p14:creationId xmlns:p14="http://schemas.microsoft.com/office/powerpoint/2010/main" val="835903897"/>
+      </p:ext>
+    </p:extLst>
+  </p:cSld>
+  <p:clrMapOvr>
+    <a:masterClrMapping/>
+  </p:clrMapOvr>
+</p:sld>
+</file>
+
+<file path=ppt/slides/slide21.xml><?xml version="1.0" encoding="utf-8"?>
+<p:sld xmlns:a="http://schemas.openxmlformats.org/drawingml/2006/main" xmlns:r="http://schemas.openxmlformats.org/officeDocument/2006/relationships" xmlns:p="http://schemas.openxmlformats.org/presentationml/2006/main">
+  <p:cSld>
+    <p:spTree>
+      <p:nvGrpSpPr>
+        <p:cNvPr id="1" name=""/>
+        <p:cNvGrpSpPr/>
+        <p:nvPr/>
+      </p:nvGrpSpPr>
+      <p:grpSpPr>
+        <a:xfrm>
+          <a:off x="0" y="0"/>
+          <a:ext cx="0" cy="0"/>
+          <a:chOff x="0" y="0"/>
+          <a:chExt cx="0" cy="0"/>
+        </a:xfrm>
+      </p:grpSpPr>
+      <p:sp>
+        <p:nvSpPr>
+          <p:cNvPr id="2" name="Title 1">
+            <a:extLst>
+              <a:ext uri="{FF2B5EF4-FFF2-40B4-BE49-F238E27FC236}">
+                <a16:creationId xmlns:a16="http://schemas.microsoft.com/office/drawing/2014/main" id="{CD700101-9518-482B-836B-9BF507CF18B5}"/>
+              </a:ext>
+            </a:extLst>
+          </p:cNvPr>
+          <p:cNvSpPr>
+            <a:spLocks noGrp="1"/>
+          </p:cNvSpPr>
+          <p:nvPr>
+            <p:ph type="title"/>
+          </p:nvPr>
+        </p:nvSpPr>
+        <p:spPr/>
+        <p:txBody>
+          <a:bodyPr/>
+          <a:lstStyle/>
+          <a:p>
+            <a:r>
+              <a:rPr lang="en-US" dirty="0"/>
+              <a:t>CSS</a:t>
+            </a:r>
+          </a:p>
+        </p:txBody>
+      </p:sp>
+      <p:sp>
+        <p:nvSpPr>
+          <p:cNvPr id="3" name="Content Placeholder 2">
+            <a:extLst>
+              <a:ext uri="{FF2B5EF4-FFF2-40B4-BE49-F238E27FC236}">
+                <a16:creationId xmlns:a16="http://schemas.microsoft.com/office/drawing/2014/main" id="{998DAAA8-2E96-4468-A2B0-DB1A0A73F05D}"/>
+              </a:ext>
+            </a:extLst>
+          </p:cNvPr>
+          <p:cNvSpPr>
+            <a:spLocks noGrp="1"/>
+          </p:cNvSpPr>
+          <p:nvPr>
+            <p:ph idx="1"/>
+          </p:nvPr>
+        </p:nvSpPr>
+        <p:spPr>
+          <a:xfrm>
+            <a:off x="838200" y="1825625"/>
+            <a:ext cx="10515600" cy="4667250"/>
+          </a:xfrm>
+        </p:spPr>
+        <p:txBody>
+          <a:bodyPr>
+            <a:normAutofit/>
+          </a:bodyPr>
+          <a:lstStyle/>
+          <a:p>
+            <a:r>
+              <a:rPr lang="en-US" dirty="0"/>
+              <a:t>CSS = Cascading Style Sheets – language that describes how HTML documents are stylized</a:t>
+            </a:r>
+          </a:p>
+          <a:p>
+            <a:r>
+              <a:rPr lang="en-US" dirty="0"/>
+              <a:t>Types of CSS: Internal, External, and Inline</a:t>
+            </a:r>
+          </a:p>
+          <a:p>
+            <a:pPr lvl="1"/>
+            <a:r>
+              <a:rPr lang="en-US" dirty="0"/>
+              <a:t>Internal: CSS code is in HTML file, in a &lt;style&gt; tag</a:t>
+            </a:r>
+          </a:p>
+          <a:p>
+            <a:pPr lvl="1"/>
+            <a:r>
+              <a:rPr lang="en-US" dirty="0"/>
+              <a:t>External: CSS code is in external CSS file</a:t>
+            </a:r>
+          </a:p>
+          <a:p>
+            <a:pPr lvl="1"/>
+            <a:r>
+              <a:rPr lang="en-US" dirty="0"/>
+              <a:t>Inline: CSS code is in HTML file, in the tag of the element it affects</a:t>
+            </a:r>
+          </a:p>
+        </p:txBody>
+      </p:sp>
+    </p:spTree>
+    <p:extLst>
+      <p:ext uri="{BB962C8B-B14F-4D97-AF65-F5344CB8AC3E}">
+        <p14:creationId xmlns:p14="http://schemas.microsoft.com/office/powerpoint/2010/main" val="4167046972"/>
+      </p:ext>
+    </p:extLst>
+  </p:cSld>
+  <p:clrMapOvr>
+    <a:masterClrMapping/>
+  </p:clrMapOvr>
+</p:sld>
+</file>
+
+<file path=ppt/slides/slide22.xml><?xml version="1.0" encoding="utf-8"?>
+<p:sld xmlns:a="http://schemas.openxmlformats.org/drawingml/2006/main" xmlns:r="http://schemas.openxmlformats.org/officeDocument/2006/relationships" xmlns:p="http://schemas.openxmlformats.org/presentationml/2006/main">
+  <p:cSld>
+    <p:spTree>
+      <p:nvGrpSpPr>
+        <p:cNvPr id="1" name=""/>
+        <p:cNvGrpSpPr/>
+        <p:nvPr/>
+      </p:nvGrpSpPr>
+      <p:grpSpPr>
+        <a:xfrm>
+          <a:off x="0" y="0"/>
+          <a:ext cx="0" cy="0"/>
+          <a:chOff x="0" y="0"/>
+          <a:chExt cx="0" cy="0"/>
+        </a:xfrm>
+      </p:grpSpPr>
+      <p:sp>
+        <p:nvSpPr>
+          <p:cNvPr id="2" name="Title 1">
+            <a:extLst>
+              <a:ext uri="{FF2B5EF4-FFF2-40B4-BE49-F238E27FC236}">
+                <a16:creationId xmlns:a16="http://schemas.microsoft.com/office/drawing/2014/main" id="{CD700101-9518-482B-836B-9BF507CF18B5}"/>
+              </a:ext>
+            </a:extLst>
+          </p:cNvPr>
+          <p:cNvSpPr>
+            <a:spLocks noGrp="1"/>
+          </p:cNvSpPr>
+          <p:nvPr>
+            <p:ph type="title"/>
+          </p:nvPr>
+        </p:nvSpPr>
+        <p:spPr/>
+        <p:txBody>
+          <a:bodyPr/>
+          <a:lstStyle/>
+          <a:p>
+            <a:r>
+              <a:rPr lang="en-US" dirty="0"/>
+              <a:t>CSS</a:t>
+            </a:r>
+          </a:p>
+        </p:txBody>
+      </p:sp>
+      <p:sp>
+        <p:nvSpPr>
+          <p:cNvPr id="3" name="Content Placeholder 2">
+            <a:extLst>
+              <a:ext uri="{FF2B5EF4-FFF2-40B4-BE49-F238E27FC236}">
+                <a16:creationId xmlns:a16="http://schemas.microsoft.com/office/drawing/2014/main" id="{998DAAA8-2E96-4468-A2B0-DB1A0A73F05D}"/>
+              </a:ext>
+            </a:extLst>
+          </p:cNvPr>
+          <p:cNvSpPr>
+            <a:spLocks noGrp="1"/>
+          </p:cNvSpPr>
+          <p:nvPr>
+            <p:ph idx="1"/>
+          </p:nvPr>
+        </p:nvSpPr>
+        <p:spPr>
+          <a:xfrm>
+            <a:off x="838200" y="1825625"/>
+            <a:ext cx="10515600" cy="4667250"/>
+          </a:xfrm>
+        </p:spPr>
+        <p:txBody>
+          <a:bodyPr>
+            <a:normAutofit/>
+          </a:bodyPr>
+          <a:lstStyle/>
+          <a:p>
+            <a:r>
+              <a:rPr lang="en-US" dirty="0"/>
+              <a:t>Problem: Change background color of the body of a webpage to red</a:t>
+            </a:r>
+          </a:p>
+          <a:p>
+            <a:endParaRPr lang="en-US" dirty="0"/>
+          </a:p>
+          <a:p>
+            <a:r>
+              <a:rPr lang="en-US" dirty="0"/>
+              <a:t>Internal CSS Solution: </a:t>
+            </a:r>
+          </a:p>
+          <a:p>
+            <a:pPr marL="457200" lvl="1" indent="0">
+              <a:buNone/>
+            </a:pPr>
+            <a:r>
+              <a:rPr lang="en-US" dirty="0"/>
+              <a:t>&lt;style&gt;</a:t>
+            </a:r>
+          </a:p>
+          <a:p>
+            <a:pPr marL="457200" lvl="1" indent="0">
+              <a:buNone/>
+            </a:pPr>
+            <a:r>
+              <a:rPr lang="en-US" dirty="0"/>
+              <a:t>	body {</a:t>
+            </a:r>
+          </a:p>
+          <a:p>
+            <a:pPr marL="457200" lvl="1" indent="0">
+              <a:buNone/>
+            </a:pPr>
+            <a:r>
+              <a:rPr lang="en-US" dirty="0"/>
+              <a:t>	    background-color: red;</a:t>
+            </a:r>
+          </a:p>
+          <a:p>
+            <a:pPr marL="457200" lvl="1" indent="0">
+              <a:buNone/>
+            </a:pPr>
+            <a:r>
+              <a:rPr lang="en-US" dirty="0"/>
+              <a:t>	}</a:t>
+            </a:r>
+          </a:p>
+          <a:p>
+            <a:pPr marL="457200" lvl="1" indent="0">
+              <a:buNone/>
+            </a:pPr>
+            <a:r>
+              <a:rPr lang="en-US" dirty="0"/>
+              <a:t>&lt;/style&gt;</a:t>
+            </a:r>
+          </a:p>
+        </p:txBody>
+      </p:sp>
+    </p:spTree>
+    <p:extLst>
+      <p:ext uri="{BB962C8B-B14F-4D97-AF65-F5344CB8AC3E}">
+        <p14:creationId xmlns:p14="http://schemas.microsoft.com/office/powerpoint/2010/main" val="2753714195"/>
+      </p:ext>
+    </p:extLst>
+  </p:cSld>
+  <p:clrMapOvr>
+    <a:masterClrMapping/>
+  </p:clrMapOvr>
+</p:sld>
+</file>
+
+<file path=ppt/slides/slide23.xml><?xml version="1.0" encoding="utf-8"?>
+<p:sld xmlns:a="http://schemas.openxmlformats.org/drawingml/2006/main" xmlns:r="http://schemas.openxmlformats.org/officeDocument/2006/relationships" xmlns:p="http://schemas.openxmlformats.org/presentationml/2006/main">
+  <p:cSld>
+    <p:spTree>
+      <p:nvGrpSpPr>
+        <p:cNvPr id="1" name=""/>
+        <p:cNvGrpSpPr/>
+        <p:nvPr/>
+      </p:nvGrpSpPr>
+      <p:grpSpPr>
+        <a:xfrm>
+          <a:off x="0" y="0"/>
+          <a:ext cx="0" cy="0"/>
+          <a:chOff x="0" y="0"/>
+          <a:chExt cx="0" cy="0"/>
+        </a:xfrm>
+      </p:grpSpPr>
+      <p:sp>
+        <p:nvSpPr>
+          <p:cNvPr id="2" name="Title 1">
+            <a:extLst>
+              <a:ext uri="{FF2B5EF4-FFF2-40B4-BE49-F238E27FC236}">
+                <a16:creationId xmlns:a16="http://schemas.microsoft.com/office/drawing/2014/main" id="{CD700101-9518-482B-836B-9BF507CF18B5}"/>
+              </a:ext>
+            </a:extLst>
+          </p:cNvPr>
+          <p:cNvSpPr>
+            <a:spLocks noGrp="1"/>
+          </p:cNvSpPr>
+          <p:nvPr>
+            <p:ph type="title"/>
+          </p:nvPr>
+        </p:nvSpPr>
+        <p:spPr/>
+        <p:txBody>
+          <a:bodyPr/>
+          <a:lstStyle/>
+          <a:p>
+            <a:r>
+              <a:rPr lang="en-US" dirty="0"/>
+              <a:t>CSS</a:t>
+            </a:r>
+          </a:p>
+        </p:txBody>
+      </p:sp>
+      <p:sp>
+        <p:nvSpPr>
+          <p:cNvPr id="3" name="Content Placeholder 2">
+            <a:extLst>
+              <a:ext uri="{FF2B5EF4-FFF2-40B4-BE49-F238E27FC236}">
+                <a16:creationId xmlns:a16="http://schemas.microsoft.com/office/drawing/2014/main" id="{998DAAA8-2E96-4468-A2B0-DB1A0A73F05D}"/>
+              </a:ext>
+            </a:extLst>
+          </p:cNvPr>
+          <p:cNvSpPr>
+            <a:spLocks noGrp="1"/>
+          </p:cNvSpPr>
+          <p:nvPr>
+            <p:ph idx="1"/>
+          </p:nvPr>
+        </p:nvSpPr>
+        <p:spPr>
+          <a:xfrm>
+            <a:off x="838200" y="1825625"/>
+            <a:ext cx="10515600" cy="4667250"/>
+          </a:xfrm>
+        </p:spPr>
+        <p:txBody>
+          <a:bodyPr>
+            <a:normAutofit/>
+          </a:bodyPr>
+          <a:lstStyle/>
+          <a:p>
+            <a:r>
+              <a:rPr lang="en-US" dirty="0"/>
+              <a:t>Problem: Change background color of the body of a webpage to red</a:t>
+            </a:r>
+          </a:p>
+          <a:p>
+            <a:endParaRPr lang="en-US" dirty="0"/>
+          </a:p>
+          <a:p>
+            <a:r>
+              <a:rPr lang="en-US" dirty="0"/>
+              <a:t>External CSS Solution (in styles.css): </a:t>
+            </a:r>
+          </a:p>
+          <a:p>
+            <a:pPr marL="457200" lvl="1" indent="0">
+              <a:buNone/>
+            </a:pPr>
+            <a:r>
+              <a:rPr lang="en-US" dirty="0"/>
+              <a:t>body {</a:t>
+            </a:r>
+          </a:p>
+          <a:p>
+            <a:pPr marL="457200" lvl="1" indent="0">
+              <a:buNone/>
+            </a:pPr>
+            <a:r>
+              <a:rPr lang="en-US" dirty="0"/>
+              <a:t>	background-color: red;</a:t>
+            </a:r>
+          </a:p>
+          <a:p>
+            <a:pPr marL="457200" lvl="1" indent="0">
+              <a:buNone/>
+            </a:pPr>
+            <a:r>
+              <a:rPr lang="en-US" dirty="0"/>
+              <a:t>}</a:t>
+            </a:r>
+          </a:p>
+        </p:txBody>
+      </p:sp>
+    </p:spTree>
+    <p:extLst>
+      <p:ext uri="{BB962C8B-B14F-4D97-AF65-F5344CB8AC3E}">
+        <p14:creationId xmlns:p14="http://schemas.microsoft.com/office/powerpoint/2010/main" val="4179328851"/>
+      </p:ext>
+    </p:extLst>
+  </p:cSld>
+  <p:clrMapOvr>
+    <a:masterClrMapping/>
+  </p:clrMapOvr>
+</p:sld>
+</file>
+
+<file path=ppt/slides/slide24.xml><?xml version="1.0" encoding="utf-8"?>
+<p:sld xmlns:a="http://schemas.openxmlformats.org/drawingml/2006/main" xmlns:r="http://schemas.openxmlformats.org/officeDocument/2006/relationships" xmlns:p="http://schemas.openxmlformats.org/presentationml/2006/main">
+  <p:cSld>
+    <p:spTree>
+      <p:nvGrpSpPr>
+        <p:cNvPr id="1" name=""/>
+        <p:cNvGrpSpPr/>
+        <p:nvPr/>
+      </p:nvGrpSpPr>
+      <p:grpSpPr>
+        <a:xfrm>
+          <a:off x="0" y="0"/>
+          <a:ext cx="0" cy="0"/>
+          <a:chOff x="0" y="0"/>
+          <a:chExt cx="0" cy="0"/>
+        </a:xfrm>
+      </p:grpSpPr>
+      <p:sp>
+        <p:nvSpPr>
+          <p:cNvPr id="2" name="Title 1">
+            <a:extLst>
+              <a:ext uri="{FF2B5EF4-FFF2-40B4-BE49-F238E27FC236}">
+                <a16:creationId xmlns:a16="http://schemas.microsoft.com/office/drawing/2014/main" id="{CD700101-9518-482B-836B-9BF507CF18B5}"/>
+              </a:ext>
+            </a:extLst>
+          </p:cNvPr>
+          <p:cNvSpPr>
+            <a:spLocks noGrp="1"/>
+          </p:cNvSpPr>
+          <p:nvPr>
+            <p:ph type="title"/>
+          </p:nvPr>
+        </p:nvSpPr>
+        <p:spPr/>
+        <p:txBody>
+          <a:bodyPr/>
+          <a:lstStyle/>
+          <a:p>
+            <a:r>
+              <a:rPr lang="en-US" dirty="0"/>
+              <a:t>CSS</a:t>
+            </a:r>
+          </a:p>
+        </p:txBody>
+      </p:sp>
+      <p:sp>
+        <p:nvSpPr>
+          <p:cNvPr id="3" name="Content Placeholder 2">
+            <a:extLst>
+              <a:ext uri="{FF2B5EF4-FFF2-40B4-BE49-F238E27FC236}">
+                <a16:creationId xmlns:a16="http://schemas.microsoft.com/office/drawing/2014/main" id="{998DAAA8-2E96-4468-A2B0-DB1A0A73F05D}"/>
+              </a:ext>
+            </a:extLst>
+          </p:cNvPr>
+          <p:cNvSpPr>
+            <a:spLocks noGrp="1"/>
+          </p:cNvSpPr>
+          <p:nvPr>
+            <p:ph idx="1"/>
+          </p:nvPr>
+        </p:nvSpPr>
+        <p:spPr>
+          <a:xfrm>
+            <a:off x="838200" y="1825625"/>
+            <a:ext cx="10515600" cy="4667250"/>
+          </a:xfrm>
+        </p:spPr>
+        <p:txBody>
+          <a:bodyPr>
+            <a:normAutofit/>
+          </a:bodyPr>
+          <a:lstStyle/>
+          <a:p>
+            <a:r>
+              <a:rPr lang="en-US" dirty="0"/>
+              <a:t>Problem: Change background color of the body of a webpage to red</a:t>
+            </a:r>
+          </a:p>
+          <a:p>
+            <a:endParaRPr lang="en-US" dirty="0"/>
+          </a:p>
+          <a:p>
+            <a:r>
+              <a:rPr lang="en-US" dirty="0"/>
+              <a:t>Inline CSS Solution </a:t>
+            </a:r>
+          </a:p>
+          <a:p>
+            <a:pPr marL="457200" lvl="1" indent="0">
+              <a:buNone/>
+            </a:pPr>
+            <a:r>
+              <a:rPr lang="en-US" dirty="0"/>
+              <a:t>&lt;body style=“background-color: red”&gt;</a:t>
+            </a:r>
+          </a:p>
+          <a:p>
+            <a:pPr marL="457200" lvl="1" indent="0">
+              <a:buNone/>
+            </a:pPr>
+            <a:r>
+              <a:rPr lang="en-US" dirty="0"/>
+              <a:t>	…</a:t>
+            </a:r>
+          </a:p>
+          <a:p>
+            <a:pPr marL="457200" lvl="1" indent="0">
+              <a:buNone/>
+            </a:pPr>
+            <a:r>
+              <a:rPr lang="en-US" dirty="0"/>
+              <a:t>&lt;/body&gt;</a:t>
+            </a:r>
+          </a:p>
+        </p:txBody>
+      </p:sp>
+    </p:spTree>
+    <p:extLst>
+      <p:ext uri="{BB962C8B-B14F-4D97-AF65-F5344CB8AC3E}">
+        <p14:creationId xmlns:p14="http://schemas.microsoft.com/office/powerpoint/2010/main" val="964570293"/>
+      </p:ext>
+    </p:extLst>
+  </p:cSld>
+  <p:clrMapOvr>
+    <a:masterClrMapping/>
+  </p:clrMapOvr>
+</p:sld>
+</file>
+
+<file path=ppt/slides/slide25.xml><?xml version="1.0" encoding="utf-8"?>
+<p:sld xmlns:a="http://schemas.openxmlformats.org/drawingml/2006/main" xmlns:r="http://schemas.openxmlformats.org/officeDocument/2006/relationships" xmlns:p="http://schemas.openxmlformats.org/presentationml/2006/main">
+  <p:cSld>
+    <p:spTree>
+      <p:nvGrpSpPr>
+        <p:cNvPr id="1" name=""/>
+        <p:cNvGrpSpPr/>
+        <p:nvPr/>
+      </p:nvGrpSpPr>
+      <p:grpSpPr>
+        <a:xfrm>
+          <a:off x="0" y="0"/>
+          <a:ext cx="0" cy="0"/>
+          <a:chOff x="0" y="0"/>
+          <a:chExt cx="0" cy="0"/>
+        </a:xfrm>
+      </p:grpSpPr>
+      <p:sp>
+        <p:nvSpPr>
+          <p:cNvPr id="2" name="Title 1">
+            <a:extLst>
+              <a:ext uri="{FF2B5EF4-FFF2-40B4-BE49-F238E27FC236}">
+                <a16:creationId xmlns:a16="http://schemas.microsoft.com/office/drawing/2014/main" id="{CD700101-9518-482B-836B-9BF507CF18B5}"/>
+              </a:ext>
+            </a:extLst>
+          </p:cNvPr>
+          <p:cNvSpPr>
+            <a:spLocks noGrp="1"/>
+          </p:cNvSpPr>
+          <p:nvPr>
+            <p:ph type="title"/>
+          </p:nvPr>
+        </p:nvSpPr>
+        <p:spPr/>
+        <p:txBody>
+          <a:bodyPr/>
+          <a:lstStyle/>
+          <a:p>
+            <a:r>
+              <a:rPr lang="en-US" dirty="0"/>
+              <a:t>CSS</a:t>
+            </a:r>
+          </a:p>
+        </p:txBody>
+      </p:sp>
+      <p:sp>
+        <p:nvSpPr>
+          <p:cNvPr id="3" name="Content Placeholder 2">
+            <a:extLst>
+              <a:ext uri="{FF2B5EF4-FFF2-40B4-BE49-F238E27FC236}">
+                <a16:creationId xmlns:a16="http://schemas.microsoft.com/office/drawing/2014/main" id="{998DAAA8-2E96-4468-A2B0-DB1A0A73F05D}"/>
+              </a:ext>
+            </a:extLst>
+          </p:cNvPr>
+          <p:cNvSpPr>
+            <a:spLocks noGrp="1"/>
+          </p:cNvSpPr>
+          <p:nvPr>
+            <p:ph idx="1"/>
+          </p:nvPr>
+        </p:nvSpPr>
+        <p:spPr>
+          <a:xfrm>
+            <a:off x="838200" y="1825625"/>
+            <a:ext cx="10515600" cy="4667250"/>
+          </a:xfrm>
+        </p:spPr>
+        <p:txBody>
+          <a:bodyPr>
+            <a:normAutofit/>
+          </a:bodyPr>
+          <a:lstStyle/>
+          <a:p>
+            <a:r>
+              <a:rPr lang="en-US" dirty="0"/>
+              <a:t>Structure of CSS </a:t>
+            </a:r>
+          </a:p>
+          <a:p>
+            <a:endParaRPr lang="en-US" dirty="0"/>
+          </a:p>
+          <a:p>
+            <a:pPr marL="457200" lvl="1" indent="0">
+              <a:buNone/>
+            </a:pPr>
+            <a:r>
+              <a:rPr lang="en-US" dirty="0"/>
+              <a:t>body {</a:t>
+            </a:r>
+          </a:p>
+          <a:p>
+            <a:pPr marL="457200" lvl="1" indent="0">
+              <a:buNone/>
+            </a:pPr>
+            <a:r>
+              <a:rPr lang="en-US" dirty="0"/>
+              <a:t>	background-color: red;</a:t>
+            </a:r>
+          </a:p>
+          <a:p>
+            <a:pPr marL="457200" lvl="1" indent="0">
+              <a:buNone/>
+            </a:pPr>
+            <a:r>
+              <a:rPr lang="en-US" dirty="0"/>
+              <a:t>}</a:t>
+            </a:r>
+          </a:p>
+          <a:p>
+            <a:pPr marL="457200" lvl="1" indent="0">
+              <a:buNone/>
+            </a:pPr>
+            <a:endParaRPr lang="en-US" dirty="0"/>
+          </a:p>
+          <a:p>
+            <a:pPr marL="457200" lvl="1" indent="0">
+              <a:buNone/>
+            </a:pPr>
+            <a:r>
+              <a:rPr lang="en-US" dirty="0"/>
+              <a:t>body: the selector (HTML element to apply styling to) </a:t>
+            </a:r>
+          </a:p>
+          <a:p>
+            <a:pPr marL="457200" lvl="1" indent="0">
+              <a:buNone/>
+            </a:pPr>
+            <a:r>
+              <a:rPr lang="en-US" dirty="0"/>
+              <a:t>declaration: everything between the {}’s are declarations of stylings</a:t>
+            </a:r>
+          </a:p>
+          <a:p>
+            <a:pPr marL="457200" lvl="1" indent="0">
+              <a:buNone/>
+            </a:pPr>
+            <a:r>
+              <a:rPr lang="en-US" dirty="0"/>
+              <a:t>background-color: the HTML property to change the styling of</a:t>
+            </a:r>
+          </a:p>
+          <a:p>
+            <a:pPr marL="457200" lvl="1" indent="0">
+              <a:buNone/>
+            </a:pPr>
+            <a:r>
+              <a:rPr lang="en-US" dirty="0"/>
+              <a:t>red: the HTML value to apply to the related styling</a:t>
+            </a:r>
+          </a:p>
+        </p:txBody>
+      </p:sp>
+    </p:spTree>
+    <p:extLst>
+      <p:ext uri="{BB962C8B-B14F-4D97-AF65-F5344CB8AC3E}">
+        <p14:creationId xmlns:p14="http://schemas.microsoft.com/office/powerpoint/2010/main" val="998371762"/>
+      </p:ext>
+    </p:extLst>
+  </p:cSld>
+  <p:clrMapOvr>
+    <a:masterClrMapping/>
+  </p:clrMapOvr>
+</p:sld>
+</file>
+
+<file path=ppt/slides/slide26.xml><?xml version="1.0" encoding="utf-8"?>
+<p:sld xmlns:a="http://schemas.openxmlformats.org/drawingml/2006/main" xmlns:r="http://schemas.openxmlformats.org/officeDocument/2006/relationships" xmlns:p="http://schemas.openxmlformats.org/presentationml/2006/main">
+  <p:cSld>
+    <p:spTree>
+      <p:nvGrpSpPr>
+        <p:cNvPr id="1" name=""/>
+        <p:cNvGrpSpPr/>
+        <p:nvPr/>
+      </p:nvGrpSpPr>
+      <p:grpSpPr>
+        <a:xfrm>
+          <a:off x="0" y="0"/>
+          <a:ext cx="0" cy="0"/>
+          <a:chOff x="0" y="0"/>
+          <a:chExt cx="0" cy="0"/>
+        </a:xfrm>
+      </p:grpSpPr>
+      <p:sp>
+        <p:nvSpPr>
+          <p:cNvPr id="2" name="Title 1">
+            <a:extLst>
+              <a:ext uri="{FF2B5EF4-FFF2-40B4-BE49-F238E27FC236}">
+                <a16:creationId xmlns:a16="http://schemas.microsoft.com/office/drawing/2014/main" id="{CD700101-9518-482B-836B-9BF507CF18B5}"/>
+              </a:ext>
+            </a:extLst>
+          </p:cNvPr>
+          <p:cNvSpPr>
+            <a:spLocks noGrp="1"/>
+          </p:cNvSpPr>
+          <p:nvPr>
+            <p:ph type="title"/>
+          </p:nvPr>
+        </p:nvSpPr>
+        <p:spPr/>
+        <p:txBody>
+          <a:bodyPr/>
+          <a:lstStyle/>
+          <a:p>
+            <a:r>
+              <a:rPr lang="en-US" dirty="0"/>
+              <a:t>CSS</a:t>
+            </a:r>
+          </a:p>
+        </p:txBody>
+      </p:sp>
+      <p:sp>
+        <p:nvSpPr>
+          <p:cNvPr id="3" name="Content Placeholder 2">
+            <a:extLst>
+              <a:ext uri="{FF2B5EF4-FFF2-40B4-BE49-F238E27FC236}">
+                <a16:creationId xmlns:a16="http://schemas.microsoft.com/office/drawing/2014/main" id="{998DAAA8-2E96-4468-A2B0-DB1A0A73F05D}"/>
+              </a:ext>
+            </a:extLst>
+          </p:cNvPr>
+          <p:cNvSpPr>
+            <a:spLocks noGrp="1"/>
+          </p:cNvSpPr>
+          <p:nvPr>
+            <p:ph idx="1"/>
+          </p:nvPr>
+        </p:nvSpPr>
+        <p:spPr>
+          <a:xfrm>
+            <a:off x="838200" y="1825625"/>
+            <a:ext cx="10515600" cy="4667250"/>
+          </a:xfrm>
+        </p:spPr>
+        <p:txBody>
+          <a:bodyPr>
+            <a:normAutofit/>
+          </a:bodyPr>
+          <a:lstStyle/>
+          <a:p>
+            <a:r>
+              <a:rPr lang="en-US" dirty="0"/>
+              <a:t>Structure of CSS (abstract) </a:t>
+            </a:r>
+          </a:p>
+          <a:p>
+            <a:endParaRPr lang="en-US" dirty="0"/>
+          </a:p>
+          <a:p>
+            <a:pPr marL="457200" lvl="1" indent="0">
+              <a:buNone/>
+            </a:pPr>
+            <a:r>
+              <a:rPr lang="en-US" dirty="0"/>
+              <a:t>selector {</a:t>
+            </a:r>
+          </a:p>
+          <a:p>
+            <a:pPr marL="457200" lvl="1" indent="0">
+              <a:buNone/>
+            </a:pPr>
+            <a:r>
+              <a:rPr lang="en-US" dirty="0"/>
+              <a:t>	property: value;</a:t>
+            </a:r>
+          </a:p>
+          <a:p>
+            <a:pPr marL="457200" lvl="1" indent="0">
+              <a:buNone/>
+            </a:pPr>
+            <a:r>
+              <a:rPr lang="en-US" dirty="0"/>
+              <a:t>}</a:t>
+            </a:r>
+          </a:p>
+          <a:p>
+            <a:pPr marL="457200" lvl="1" indent="0">
+              <a:buNone/>
+            </a:pPr>
+            <a:endParaRPr lang="en-US" dirty="0"/>
+          </a:p>
+          <a:p>
+            <a:pPr marL="457200" lvl="1" indent="0">
+              <a:buNone/>
+            </a:pPr>
+            <a:r>
+              <a:rPr lang="en-US" dirty="0"/>
+              <a:t>HTML tags are selectors</a:t>
+            </a:r>
+          </a:p>
+          <a:p>
+            <a:pPr marL="457200" lvl="1" indent="0">
+              <a:buNone/>
+            </a:pPr>
+            <a:r>
+              <a:rPr lang="en-US" dirty="0"/>
+              <a:t>Selectors have properties that can be changed</a:t>
+            </a:r>
+          </a:p>
+          <a:p>
+            <a:pPr marL="457200" lvl="1" indent="0">
+              <a:buNone/>
+            </a:pPr>
+            <a:r>
+              <a:rPr lang="en-US" dirty="0"/>
+              <a:t>Values are the options to assign to a specific property</a:t>
+            </a:r>
+          </a:p>
+          <a:p>
+            <a:pPr marL="457200" lvl="1" indent="0">
+              <a:buNone/>
+            </a:pPr>
+            <a:endParaRPr lang="en-US" dirty="0"/>
+          </a:p>
+          <a:p>
+            <a:pPr marL="457200" lvl="1" indent="0">
+              <a:buNone/>
+            </a:pPr>
+            <a:r>
+              <a:rPr lang="en-US" dirty="0"/>
+              <a:t>Multiple declarations are separated by semicolons 	; </a:t>
+            </a:r>
+          </a:p>
+        </p:txBody>
+      </p:sp>
+    </p:spTree>
+    <p:extLst>
+      <p:ext uri="{BB962C8B-B14F-4D97-AF65-F5344CB8AC3E}">
+        <p14:creationId xmlns:p14="http://schemas.microsoft.com/office/powerpoint/2010/main" val="2432496144"/>
+      </p:ext>
+    </p:extLst>
+  </p:cSld>
+  <p:clrMapOvr>
+    <a:masterClrMapping/>
+  </p:clrMapOvr>
+</p:sld>
+</file>
+
+<file path=ppt/slides/slide27.xml><?xml version="1.0" encoding="utf-8"?>
+<p:sld xmlns:a="http://schemas.openxmlformats.org/drawingml/2006/main" xmlns:r="http://schemas.openxmlformats.org/officeDocument/2006/relationships" xmlns:p="http://schemas.openxmlformats.org/presentationml/2006/main">
+  <p:cSld>
+    <p:spTree>
+      <p:nvGrpSpPr>
+        <p:cNvPr id="1" name=""/>
+        <p:cNvGrpSpPr/>
+        <p:nvPr/>
+      </p:nvGrpSpPr>
+      <p:grpSpPr>
+        <a:xfrm>
+          <a:off x="0" y="0"/>
+          <a:ext cx="0" cy="0"/>
+          <a:chOff x="0" y="0"/>
+          <a:chExt cx="0" cy="0"/>
+        </a:xfrm>
+      </p:grpSpPr>
+      <p:sp>
+        <p:nvSpPr>
+          <p:cNvPr id="2" name="Title 1">
+            <a:extLst>
+              <a:ext uri="{FF2B5EF4-FFF2-40B4-BE49-F238E27FC236}">
+                <a16:creationId xmlns:a16="http://schemas.microsoft.com/office/drawing/2014/main" id="{CD700101-9518-482B-836B-9BF507CF18B5}"/>
+              </a:ext>
+            </a:extLst>
+          </p:cNvPr>
+          <p:cNvSpPr>
+            <a:spLocks noGrp="1"/>
+          </p:cNvSpPr>
+          <p:nvPr>
+            <p:ph type="title"/>
+          </p:nvPr>
+        </p:nvSpPr>
+        <p:spPr/>
+        <p:txBody>
+          <a:bodyPr/>
+          <a:lstStyle/>
+          <a:p>
+            <a:r>
+              <a:rPr lang="en-US" dirty="0"/>
+              <a:t>CSS</a:t>
+            </a:r>
+          </a:p>
+        </p:txBody>
+      </p:sp>
+      <p:sp>
+        <p:nvSpPr>
+          <p:cNvPr id="3" name="Content Placeholder 2">
+            <a:extLst>
+              <a:ext uri="{FF2B5EF4-FFF2-40B4-BE49-F238E27FC236}">
+                <a16:creationId xmlns:a16="http://schemas.microsoft.com/office/drawing/2014/main" id="{998DAAA8-2E96-4468-A2B0-DB1A0A73F05D}"/>
+              </a:ext>
+            </a:extLst>
+          </p:cNvPr>
+          <p:cNvSpPr>
+            <a:spLocks noGrp="1"/>
+          </p:cNvSpPr>
+          <p:nvPr>
+            <p:ph idx="1"/>
+          </p:nvPr>
+        </p:nvSpPr>
+        <p:spPr>
+          <a:xfrm>
+            <a:off x="838200" y="1825625"/>
+            <a:ext cx="10515600" cy="4667250"/>
+          </a:xfrm>
+        </p:spPr>
+        <p:txBody>
+          <a:bodyPr>
+            <a:normAutofit/>
+          </a:bodyPr>
+          <a:lstStyle/>
+          <a:p>
+            <a:r>
+              <a:rPr lang="en-US" dirty="0"/>
+              <a:t>Structure of CSS (abstract) </a:t>
+            </a:r>
+          </a:p>
+          <a:p>
+            <a:pPr marL="0" indent="0">
+              <a:buNone/>
+            </a:pPr>
+            <a:endParaRPr lang="en-US" dirty="0"/>
+          </a:p>
+          <a:p>
+            <a:pPr marL="0" indent="0">
+              <a:buNone/>
+            </a:pPr>
+            <a:r>
+              <a:rPr lang="en-US" dirty="0"/>
+              <a:t>selector{</a:t>
+            </a:r>
+          </a:p>
+          <a:p>
+            <a:pPr marL="0" indent="0">
+              <a:buNone/>
+            </a:pPr>
+            <a:r>
+              <a:rPr lang="en-US" dirty="0"/>
+              <a:t>	property1: value1;</a:t>
+            </a:r>
+          </a:p>
+          <a:p>
+            <a:pPr marL="0" indent="0">
+              <a:buNone/>
+            </a:pPr>
+            <a:r>
+              <a:rPr lang="en-US" dirty="0"/>
+              <a:t>	property2: value2;</a:t>
+            </a:r>
+          </a:p>
+          <a:p>
+            <a:pPr marL="0" indent="0">
+              <a:buNone/>
+            </a:pPr>
+            <a:r>
+              <a:rPr lang="en-US" dirty="0"/>
+              <a:t>	…</a:t>
+            </a:r>
+          </a:p>
+          <a:p>
+            <a:pPr marL="0" indent="0">
+              <a:buNone/>
+            </a:pPr>
+            <a:r>
+              <a:rPr lang="en-US" dirty="0"/>
+              <a:t>	</a:t>
+            </a:r>
+            <a:r>
+              <a:rPr lang="en-US" dirty="0" err="1"/>
+              <a:t>propertyN</a:t>
+            </a:r>
+            <a:r>
+              <a:rPr lang="en-US" dirty="0"/>
+              <a:t>: </a:t>
+            </a:r>
+            <a:r>
+              <a:rPr lang="en-US" dirty="0" err="1"/>
+              <a:t>valueN</a:t>
+            </a:r>
+            <a:r>
+              <a:rPr lang="en-US" dirty="0"/>
+              <a:t>;</a:t>
+            </a:r>
+          </a:p>
+          <a:p>
+            <a:pPr marL="0" indent="0">
+              <a:buNone/>
+            </a:pPr>
+            <a:r>
+              <a:rPr lang="en-US" dirty="0"/>
+              <a:t>}</a:t>
+            </a:r>
+          </a:p>
+        </p:txBody>
+      </p:sp>
+    </p:spTree>
+    <p:extLst>
+      <p:ext uri="{BB962C8B-B14F-4D97-AF65-F5344CB8AC3E}">
+        <p14:creationId xmlns:p14="http://schemas.microsoft.com/office/powerpoint/2010/main" val="3025603514"/>
+      </p:ext>
+    </p:extLst>
+  </p:cSld>
+  <p:clrMapOvr>
+    <a:masterClrMapping/>
+  </p:clrMapOvr>
+</p:sld>
+</file>
+
+<file path=ppt/slides/slide28.xml><?xml version="1.0" encoding="utf-8"?>
+<p:sld xmlns:a="http://schemas.openxmlformats.org/drawingml/2006/main" xmlns:r="http://schemas.openxmlformats.org/officeDocument/2006/relationships" xmlns:p="http://schemas.openxmlformats.org/presentationml/2006/main">
+  <p:cSld>
+    <p:spTree>
+      <p:nvGrpSpPr>
+        <p:cNvPr id="1" name=""/>
+        <p:cNvGrpSpPr/>
+        <p:nvPr/>
+      </p:nvGrpSpPr>
+      <p:grpSpPr>
+        <a:xfrm>
+          <a:off x="0" y="0"/>
+          <a:ext cx="0" cy="0"/>
+          <a:chOff x="0" y="0"/>
+          <a:chExt cx="0" cy="0"/>
+        </a:xfrm>
+      </p:grpSpPr>
+      <p:sp>
+        <p:nvSpPr>
+          <p:cNvPr id="2" name="Title 1">
+            <a:extLst>
+              <a:ext uri="{FF2B5EF4-FFF2-40B4-BE49-F238E27FC236}">
+                <a16:creationId xmlns:a16="http://schemas.microsoft.com/office/drawing/2014/main" id="{CD700101-9518-482B-836B-9BF507CF18B5}"/>
+              </a:ext>
+            </a:extLst>
+          </p:cNvPr>
+          <p:cNvSpPr>
+            <a:spLocks noGrp="1"/>
+          </p:cNvSpPr>
+          <p:nvPr>
+            <p:ph type="title"/>
+          </p:nvPr>
+        </p:nvSpPr>
+        <p:spPr/>
+        <p:txBody>
+          <a:bodyPr/>
+          <a:lstStyle/>
+          <a:p>
+            <a:r>
+              <a:rPr lang="en-US" dirty="0"/>
+              <a:t>CSS</a:t>
+            </a:r>
+          </a:p>
+        </p:txBody>
+      </p:sp>
+      <p:sp>
+        <p:nvSpPr>
+          <p:cNvPr id="3" name="Content Placeholder 2">
+            <a:extLst>
+              <a:ext uri="{FF2B5EF4-FFF2-40B4-BE49-F238E27FC236}">
+                <a16:creationId xmlns:a16="http://schemas.microsoft.com/office/drawing/2014/main" id="{998DAAA8-2E96-4468-A2B0-DB1A0A73F05D}"/>
+              </a:ext>
+            </a:extLst>
+          </p:cNvPr>
+          <p:cNvSpPr>
+            <a:spLocks noGrp="1"/>
+          </p:cNvSpPr>
+          <p:nvPr>
+            <p:ph idx="1"/>
+          </p:nvPr>
+        </p:nvSpPr>
+        <p:spPr>
+          <a:xfrm>
+            <a:off x="838200" y="1825625"/>
+            <a:ext cx="10515600" cy="4667250"/>
+          </a:xfrm>
+        </p:spPr>
+        <p:txBody>
+          <a:bodyPr>
+            <a:normAutofit/>
+          </a:bodyPr>
+          <a:lstStyle/>
+          <a:p>
+            <a:pPr marL="0" indent="0">
+              <a:buNone/>
+            </a:pPr>
+            <a:r>
+              <a:rPr lang="en-US" dirty="0"/>
+              <a:t>Inserting an Image:</a:t>
+            </a:r>
+          </a:p>
+          <a:p>
+            <a:pPr marL="0" indent="0">
+              <a:buNone/>
+            </a:pPr>
+            <a:endParaRPr lang="en-US" dirty="0"/>
+          </a:p>
+          <a:p>
+            <a:pPr marL="0" indent="0">
+              <a:buNone/>
+            </a:pPr>
+            <a:r>
+              <a:rPr lang="en-US" dirty="0"/>
+              <a:t>&lt;</a:t>
+            </a:r>
+            <a:r>
+              <a:rPr lang="en-US" dirty="0" err="1"/>
+              <a:t>img</a:t>
+            </a:r>
+            <a:r>
+              <a:rPr lang="en-US" dirty="0"/>
+              <a:t> </a:t>
+            </a:r>
+            <a:r>
+              <a:rPr lang="en-US" dirty="0" err="1"/>
+              <a:t>src</a:t>
+            </a:r>
+            <a:r>
+              <a:rPr lang="en-US" dirty="0"/>
+              <a:t>=“dog.png” width=“400px” height=“300px”&gt;</a:t>
+            </a:r>
+          </a:p>
+          <a:p>
+            <a:pPr marL="0" indent="0">
+              <a:buNone/>
+            </a:pPr>
+            <a:endParaRPr lang="en-US" dirty="0"/>
+          </a:p>
+          <a:p>
+            <a:pPr marL="0" indent="0">
+              <a:buNone/>
+            </a:pPr>
+            <a:r>
+              <a:rPr lang="en-US" dirty="0"/>
+              <a:t>In the above HTML code,</a:t>
+            </a:r>
+          </a:p>
+          <a:p>
+            <a:pPr lvl="1"/>
+            <a:r>
+              <a:rPr lang="en-US" dirty="0"/>
+              <a:t>What type of CSS is used(Internal, External, or Inline)? </a:t>
+            </a:r>
+          </a:p>
+          <a:p>
+            <a:pPr lvl="1"/>
+            <a:r>
+              <a:rPr lang="en-US" dirty="0"/>
+              <a:t>What is the selector?</a:t>
+            </a:r>
+          </a:p>
+          <a:p>
+            <a:pPr lvl="1"/>
+            <a:r>
+              <a:rPr lang="en-US" dirty="0"/>
+              <a:t>What are the properties?</a:t>
+            </a:r>
+          </a:p>
+          <a:p>
+            <a:pPr lvl="1"/>
+            <a:r>
+              <a:rPr lang="en-US" dirty="0"/>
+              <a:t>What are the values?</a:t>
+            </a:r>
+          </a:p>
+        </p:txBody>
+      </p:sp>
+      <p:pic>
+        <p:nvPicPr>
+          <p:cNvPr id="5" name="Picture 4">
+            <a:extLst>
+              <a:ext uri="{FF2B5EF4-FFF2-40B4-BE49-F238E27FC236}">
+                <a16:creationId xmlns:a16="http://schemas.microsoft.com/office/drawing/2014/main" id="{4AAD3706-6036-4888-96C9-85D1ABEAE2FE}"/>
+              </a:ext>
+            </a:extLst>
+          </p:cNvPr>
+          <p:cNvPicPr>
+            <a:picLocks noChangeAspect="1"/>
+          </p:cNvPicPr>
+          <p:nvPr/>
+        </p:nvPicPr>
+        <p:blipFill>
+          <a:blip r:embed="rId2"/>
+          <a:stretch>
+            <a:fillRect/>
+          </a:stretch>
+        </p:blipFill>
+        <p:spPr>
+          <a:xfrm>
+            <a:off x="6519339" y="454025"/>
+            <a:ext cx="2582717" cy="1371600"/>
+          </a:xfrm>
+          <a:prstGeom prst="rect">
+            <a:avLst/>
+          </a:prstGeom>
+        </p:spPr>
+      </p:pic>
+      <p:cxnSp>
+        <p:nvCxnSpPr>
+          <p:cNvPr id="6" name="Straight Arrow Connector 5">
+            <a:extLst>
+              <a:ext uri="{FF2B5EF4-FFF2-40B4-BE49-F238E27FC236}">
+                <a16:creationId xmlns:a16="http://schemas.microsoft.com/office/drawing/2014/main" id="{DAA83B1F-A4F1-4D14-8512-2AD0FCADA9EC}"/>
+              </a:ext>
+            </a:extLst>
+          </p:cNvPr>
+          <p:cNvCxnSpPr/>
+          <p:nvPr/>
+        </p:nvCxnSpPr>
+        <p:spPr>
+          <a:xfrm>
+            <a:off x="5444455" y="917110"/>
+            <a:ext cx="1493240" cy="474997"/>
+          </a:xfrm>
+          <a:prstGeom prst="straightConnector1">
+            <a:avLst/>
+          </a:prstGeom>
+          <a:ln w="38100">
+            <a:tailEnd type="triangle"/>
+          </a:ln>
+        </p:spPr>
+        <p:style>
+          <a:lnRef idx="3">
+            <a:schemeClr val="dk1"/>
+          </a:lnRef>
+          <a:fillRef idx="0">
+            <a:schemeClr val="dk1"/>
+          </a:fillRef>
+          <a:effectRef idx="2">
+            <a:schemeClr val="dk1"/>
+          </a:effectRef>
+          <a:fontRef idx="minor">
+            <a:schemeClr val="tx1"/>
+          </a:fontRef>
+        </p:style>
+      </p:cxnSp>
+      <p:sp>
+        <p:nvSpPr>
+          <p:cNvPr id="7" name="TextBox 6">
+            <a:extLst>
+              <a:ext uri="{FF2B5EF4-FFF2-40B4-BE49-F238E27FC236}">
+                <a16:creationId xmlns:a16="http://schemas.microsoft.com/office/drawing/2014/main" id="{56A3D4B0-D4D1-4BCA-BC6D-2231EE127D71}"/>
+              </a:ext>
+            </a:extLst>
+          </p:cNvPr>
+          <p:cNvSpPr txBox="1"/>
+          <p:nvPr/>
+        </p:nvSpPr>
+        <p:spPr>
+          <a:xfrm>
+            <a:off x="4788017" y="576526"/>
+            <a:ext cx="947695" cy="369332"/>
+          </a:xfrm>
+          <a:prstGeom prst="rect">
+            <a:avLst/>
+          </a:prstGeom>
+          <a:noFill/>
+        </p:spPr>
+        <p:txBody>
+          <a:bodyPr wrap="none" rtlCol="0">
+            <a:spAutoFit/>
+          </a:bodyPr>
+          <a:lstStyle/>
+          <a:p>
+            <a:r>
+              <a:rPr lang="en-US" dirty="0"/>
+              <a:t>dog.png</a:t>
+            </a:r>
+          </a:p>
+        </p:txBody>
+      </p:sp>
+      <p:sp>
+        <p:nvSpPr>
+          <p:cNvPr id="9" name="Right Brace 8">
+            <a:extLst>
+              <a:ext uri="{FF2B5EF4-FFF2-40B4-BE49-F238E27FC236}">
+                <a16:creationId xmlns:a16="http://schemas.microsoft.com/office/drawing/2014/main" id="{24C8FBBE-9F80-4D3C-93EB-CDB15C84732F}"/>
+              </a:ext>
+            </a:extLst>
+          </p:cNvPr>
+          <p:cNvSpPr/>
+          <p:nvPr/>
+        </p:nvSpPr>
+        <p:spPr>
+          <a:xfrm>
+            <a:off x="9260159" y="477043"/>
+            <a:ext cx="766850" cy="1325563"/>
+          </a:xfrm>
+          <a:prstGeom prst="rightBrace">
+            <a:avLst/>
+          </a:prstGeom>
+        </p:spPr>
+        <p:style>
+          <a:lnRef idx="3">
+            <a:schemeClr val="dk1"/>
+          </a:lnRef>
+          <a:fillRef idx="0">
+            <a:schemeClr val="dk1"/>
+          </a:fillRef>
+          <a:effectRef idx="2">
+            <a:schemeClr val="dk1"/>
+          </a:effectRef>
+          <a:fontRef idx="minor">
+            <a:schemeClr val="tx1"/>
+          </a:fontRef>
+        </p:style>
+        <p:txBody>
+          <a:bodyPr rtlCol="0" anchor="ctr"/>
+          <a:lstStyle/>
+          <a:p>
+            <a:pPr algn="ctr"/>
+            <a:endParaRPr lang="en-US"/>
+          </a:p>
+        </p:txBody>
+      </p:sp>
+      <p:sp>
+        <p:nvSpPr>
+          <p:cNvPr id="10" name="Right Brace 9">
+            <a:extLst>
+              <a:ext uri="{FF2B5EF4-FFF2-40B4-BE49-F238E27FC236}">
+                <a16:creationId xmlns:a16="http://schemas.microsoft.com/office/drawing/2014/main" id="{103D1CED-9E3E-400A-89DE-2AD06136B49E}"/>
+              </a:ext>
+            </a:extLst>
+          </p:cNvPr>
+          <p:cNvSpPr/>
+          <p:nvPr/>
+        </p:nvSpPr>
+        <p:spPr>
+          <a:xfrm rot="5400000">
+            <a:off x="7568633" y="814621"/>
+            <a:ext cx="484127" cy="2582718"/>
+          </a:xfrm>
+          <a:prstGeom prst="rightBrace">
+            <a:avLst/>
+          </a:prstGeom>
+        </p:spPr>
+        <p:style>
+          <a:lnRef idx="3">
+            <a:schemeClr val="dk1"/>
+          </a:lnRef>
+          <a:fillRef idx="0">
+            <a:schemeClr val="dk1"/>
+          </a:fillRef>
+          <a:effectRef idx="2">
+            <a:schemeClr val="dk1"/>
+          </a:effectRef>
+          <a:fontRef idx="minor">
+            <a:schemeClr val="tx1"/>
+          </a:fontRef>
+        </p:style>
+        <p:txBody>
+          <a:bodyPr rtlCol="0" anchor="ctr"/>
+          <a:lstStyle/>
+          <a:p>
+            <a:pPr algn="ctr"/>
+            <a:endParaRPr lang="en-US"/>
+          </a:p>
+        </p:txBody>
+      </p:sp>
+      <p:sp>
+        <p:nvSpPr>
+          <p:cNvPr id="11" name="TextBox 10">
+            <a:extLst>
+              <a:ext uri="{FF2B5EF4-FFF2-40B4-BE49-F238E27FC236}">
+                <a16:creationId xmlns:a16="http://schemas.microsoft.com/office/drawing/2014/main" id="{9B7B6CA7-B672-477D-88A4-43A8424D3E04}"/>
+              </a:ext>
+            </a:extLst>
+          </p:cNvPr>
+          <p:cNvSpPr txBox="1"/>
+          <p:nvPr/>
+        </p:nvSpPr>
+        <p:spPr>
+          <a:xfrm>
+            <a:off x="7113864" y="2386335"/>
+            <a:ext cx="1260473" cy="369332"/>
+          </a:xfrm>
+          <a:prstGeom prst="rect">
+            <a:avLst/>
+          </a:prstGeom>
+          <a:noFill/>
+        </p:spPr>
+        <p:txBody>
+          <a:bodyPr wrap="none" rtlCol="0">
+            <a:spAutoFit/>
+          </a:bodyPr>
+          <a:lstStyle/>
+          <a:p>
+            <a:r>
+              <a:rPr lang="en-US" dirty="0"/>
+              <a:t>400px wide</a:t>
+            </a:r>
+          </a:p>
+        </p:txBody>
+      </p:sp>
+      <p:sp>
+        <p:nvSpPr>
+          <p:cNvPr id="12" name="TextBox 11">
+            <a:extLst>
+              <a:ext uri="{FF2B5EF4-FFF2-40B4-BE49-F238E27FC236}">
+                <a16:creationId xmlns:a16="http://schemas.microsoft.com/office/drawing/2014/main" id="{6BD6ED53-DE43-4152-8A21-5DA818EB2B34}"/>
+              </a:ext>
+            </a:extLst>
+          </p:cNvPr>
+          <p:cNvSpPr txBox="1"/>
+          <p:nvPr/>
+        </p:nvSpPr>
+        <p:spPr>
+          <a:xfrm>
+            <a:off x="10143019" y="955158"/>
+            <a:ext cx="1210781" cy="369332"/>
+          </a:xfrm>
+          <a:prstGeom prst="rect">
+            <a:avLst/>
+          </a:prstGeom>
+          <a:noFill/>
+        </p:spPr>
+        <p:txBody>
+          <a:bodyPr wrap="none" rtlCol="0">
+            <a:spAutoFit/>
+          </a:bodyPr>
+          <a:lstStyle/>
+          <a:p>
+            <a:r>
+              <a:rPr lang="en-US" dirty="0"/>
+              <a:t>300px high</a:t>
+            </a:r>
+          </a:p>
+        </p:txBody>
+      </p:sp>
+    </p:spTree>
+    <p:extLst>
+      <p:ext uri="{BB962C8B-B14F-4D97-AF65-F5344CB8AC3E}">
+        <p14:creationId xmlns:p14="http://schemas.microsoft.com/office/powerpoint/2010/main" val="1732509681"/>
+      </p:ext>
+    </p:extLst>
+  </p:cSld>
+  <p:clrMapOvr>
+    <a:masterClrMapping/>
+  </p:clrMapOvr>
+</p:sld>
+</file>
+
+<file path=ppt/slides/slide29.xml><?xml version="1.0" encoding="utf-8"?>
+<p:sld xmlns:a="http://schemas.openxmlformats.org/drawingml/2006/main" xmlns:r="http://schemas.openxmlformats.org/officeDocument/2006/relationships" xmlns:p="http://schemas.openxmlformats.org/presentationml/2006/main">
+  <p:cSld>
+    <p:spTree>
+      <p:nvGrpSpPr>
+        <p:cNvPr id="1" name=""/>
+        <p:cNvGrpSpPr/>
+        <p:nvPr/>
+      </p:nvGrpSpPr>
+      <p:grpSpPr>
+        <a:xfrm>
+          <a:off x="0" y="0"/>
+          <a:ext cx="0" cy="0"/>
+          <a:chOff x="0" y="0"/>
+          <a:chExt cx="0" cy="0"/>
+        </a:xfrm>
+      </p:grpSpPr>
+      <p:sp>
+        <p:nvSpPr>
+          <p:cNvPr id="2" name="Title 1">
+            <a:extLst>
+              <a:ext uri="{FF2B5EF4-FFF2-40B4-BE49-F238E27FC236}">
+                <a16:creationId xmlns:a16="http://schemas.microsoft.com/office/drawing/2014/main" id="{CD700101-9518-482B-836B-9BF507CF18B5}"/>
+              </a:ext>
+            </a:extLst>
+          </p:cNvPr>
+          <p:cNvSpPr>
+            <a:spLocks noGrp="1"/>
+          </p:cNvSpPr>
+          <p:nvPr>
+            <p:ph type="title"/>
+          </p:nvPr>
+        </p:nvSpPr>
+        <p:spPr/>
+        <p:txBody>
+          <a:bodyPr/>
+          <a:lstStyle/>
+          <a:p>
+            <a:r>
+              <a:rPr lang="en-US" dirty="0"/>
+              <a:t>CSS</a:t>
+            </a:r>
+          </a:p>
+        </p:txBody>
+      </p:sp>
+      <p:sp>
+        <p:nvSpPr>
+          <p:cNvPr id="3" name="Content Placeholder 2">
+            <a:extLst>
+              <a:ext uri="{FF2B5EF4-FFF2-40B4-BE49-F238E27FC236}">
+                <a16:creationId xmlns:a16="http://schemas.microsoft.com/office/drawing/2014/main" id="{998DAAA8-2E96-4468-A2B0-DB1A0A73F05D}"/>
+              </a:ext>
+            </a:extLst>
+          </p:cNvPr>
+          <p:cNvSpPr>
+            <a:spLocks noGrp="1"/>
+          </p:cNvSpPr>
+          <p:nvPr>
+            <p:ph idx="1"/>
+          </p:nvPr>
+        </p:nvSpPr>
+        <p:spPr>
+          <a:xfrm>
+            <a:off x="838200" y="1825625"/>
+            <a:ext cx="10515600" cy="4667250"/>
+          </a:xfrm>
+        </p:spPr>
+        <p:txBody>
+          <a:bodyPr>
+            <a:normAutofit/>
+          </a:bodyPr>
+          <a:lstStyle/>
+          <a:p>
+            <a:pPr marL="0" indent="0">
+              <a:buNone/>
+            </a:pPr>
+            <a:r>
+              <a:rPr lang="en-US" dirty="0"/>
+              <a:t>Inserting an Image:</a:t>
+            </a:r>
+          </a:p>
+          <a:p>
+            <a:pPr marL="0" indent="0">
+              <a:buNone/>
+            </a:pPr>
+            <a:endParaRPr lang="en-US" dirty="0"/>
+          </a:p>
+          <a:p>
+            <a:pPr marL="0" indent="0">
+              <a:buNone/>
+            </a:pPr>
+            <a:r>
+              <a:rPr lang="en-US" dirty="0"/>
+              <a:t>&lt;</a:t>
+            </a:r>
+            <a:r>
+              <a:rPr lang="en-US" dirty="0" err="1"/>
+              <a:t>img</a:t>
+            </a:r>
+            <a:r>
+              <a:rPr lang="en-US" dirty="0"/>
+              <a:t> </a:t>
+            </a:r>
+            <a:r>
+              <a:rPr lang="en-US" dirty="0" err="1"/>
+              <a:t>src</a:t>
+            </a:r>
+            <a:r>
+              <a:rPr lang="en-US" dirty="0"/>
+              <a:t>=“dog.png” width=“400px” height=“300px”&gt;</a:t>
+            </a:r>
+          </a:p>
+          <a:p>
+            <a:pPr marL="0" indent="0">
+              <a:buNone/>
+            </a:pPr>
+            <a:endParaRPr lang="en-US" dirty="0"/>
+          </a:p>
+          <a:p>
+            <a:pPr marL="0" indent="0">
+              <a:buNone/>
+            </a:pPr>
+            <a:r>
+              <a:rPr lang="en-US" dirty="0"/>
+              <a:t>In the above HTML code,</a:t>
+            </a:r>
+          </a:p>
+          <a:p>
+            <a:pPr lvl="1"/>
+            <a:r>
+              <a:rPr lang="en-US" dirty="0"/>
+              <a:t>What type of CSS is used(Internal, External, or Inline)? </a:t>
+            </a:r>
+            <a:r>
+              <a:rPr lang="en-US" b="1" dirty="0"/>
+              <a:t>Inline</a:t>
+            </a:r>
+            <a:endParaRPr lang="en-US" dirty="0"/>
+          </a:p>
+          <a:p>
+            <a:pPr lvl="1"/>
+            <a:r>
+              <a:rPr lang="en-US" dirty="0"/>
+              <a:t>What is the selector? </a:t>
+            </a:r>
+            <a:r>
+              <a:rPr lang="en-US" b="1" dirty="0" err="1"/>
+              <a:t>Img</a:t>
+            </a:r>
+            <a:endParaRPr lang="en-US" dirty="0"/>
+          </a:p>
+          <a:p>
+            <a:pPr lvl="1"/>
+            <a:r>
+              <a:rPr lang="en-US" dirty="0"/>
+              <a:t>What are the properties? </a:t>
+            </a:r>
+            <a:r>
+              <a:rPr lang="en-US" b="1" dirty="0"/>
+              <a:t>SRC, WIDTH, HEIGHT</a:t>
+            </a:r>
+            <a:endParaRPr lang="en-US" dirty="0"/>
+          </a:p>
+          <a:p>
+            <a:pPr lvl="1"/>
+            <a:r>
+              <a:rPr lang="en-US" dirty="0"/>
+              <a:t>What are the values? </a:t>
+            </a:r>
+            <a:r>
+              <a:rPr lang="en-US" b="1" dirty="0"/>
+              <a:t>dog.png, 400px, 300px</a:t>
+            </a:r>
+            <a:endParaRPr lang="en-US" dirty="0"/>
+          </a:p>
+        </p:txBody>
+      </p:sp>
+      <p:pic>
+        <p:nvPicPr>
+          <p:cNvPr id="5" name="Picture 4">
+            <a:extLst>
+              <a:ext uri="{FF2B5EF4-FFF2-40B4-BE49-F238E27FC236}">
+                <a16:creationId xmlns:a16="http://schemas.microsoft.com/office/drawing/2014/main" id="{4AAD3706-6036-4888-96C9-85D1ABEAE2FE}"/>
+              </a:ext>
+            </a:extLst>
+          </p:cNvPr>
+          <p:cNvPicPr>
+            <a:picLocks noChangeAspect="1"/>
+          </p:cNvPicPr>
+          <p:nvPr/>
+        </p:nvPicPr>
+        <p:blipFill>
+          <a:blip r:embed="rId2"/>
+          <a:stretch>
+            <a:fillRect/>
+          </a:stretch>
+        </p:blipFill>
+        <p:spPr>
+          <a:xfrm>
+            <a:off x="6519339" y="454025"/>
+            <a:ext cx="2582717" cy="1371600"/>
+          </a:xfrm>
+          <a:prstGeom prst="rect">
+            <a:avLst/>
+          </a:prstGeom>
+        </p:spPr>
+      </p:pic>
+      <p:cxnSp>
+        <p:nvCxnSpPr>
+          <p:cNvPr id="6" name="Straight Arrow Connector 5">
+            <a:extLst>
+              <a:ext uri="{FF2B5EF4-FFF2-40B4-BE49-F238E27FC236}">
+                <a16:creationId xmlns:a16="http://schemas.microsoft.com/office/drawing/2014/main" id="{DAA83B1F-A4F1-4D14-8512-2AD0FCADA9EC}"/>
+              </a:ext>
+            </a:extLst>
+          </p:cNvPr>
+          <p:cNvCxnSpPr/>
+          <p:nvPr/>
+        </p:nvCxnSpPr>
+        <p:spPr>
+          <a:xfrm>
+            <a:off x="5444455" y="917110"/>
+            <a:ext cx="1493240" cy="474997"/>
+          </a:xfrm>
+          <a:prstGeom prst="straightConnector1">
+            <a:avLst/>
+          </a:prstGeom>
+          <a:ln w="38100">
+            <a:tailEnd type="triangle"/>
+          </a:ln>
+        </p:spPr>
+        <p:style>
+          <a:lnRef idx="3">
+            <a:schemeClr val="dk1"/>
+          </a:lnRef>
+          <a:fillRef idx="0">
+            <a:schemeClr val="dk1"/>
+          </a:fillRef>
+          <a:effectRef idx="2">
+            <a:schemeClr val="dk1"/>
+          </a:effectRef>
+          <a:fontRef idx="minor">
+            <a:schemeClr val="tx1"/>
+          </a:fontRef>
+        </p:style>
+      </p:cxnSp>
+      <p:sp>
+        <p:nvSpPr>
+          <p:cNvPr id="7" name="TextBox 6">
+            <a:extLst>
+              <a:ext uri="{FF2B5EF4-FFF2-40B4-BE49-F238E27FC236}">
+                <a16:creationId xmlns:a16="http://schemas.microsoft.com/office/drawing/2014/main" id="{56A3D4B0-D4D1-4BCA-BC6D-2231EE127D71}"/>
+              </a:ext>
+            </a:extLst>
+          </p:cNvPr>
+          <p:cNvSpPr txBox="1"/>
+          <p:nvPr/>
+        </p:nvSpPr>
+        <p:spPr>
+          <a:xfrm>
+            <a:off x="4788017" y="576526"/>
+            <a:ext cx="947695" cy="369332"/>
+          </a:xfrm>
+          <a:prstGeom prst="rect">
+            <a:avLst/>
+          </a:prstGeom>
+          <a:noFill/>
+        </p:spPr>
+        <p:txBody>
+          <a:bodyPr wrap="none" rtlCol="0">
+            <a:spAutoFit/>
+          </a:bodyPr>
+          <a:lstStyle/>
+          <a:p>
+            <a:r>
+              <a:rPr lang="en-US" dirty="0"/>
+              <a:t>dog.png</a:t>
+            </a:r>
+          </a:p>
+        </p:txBody>
+      </p:sp>
+      <p:sp>
+        <p:nvSpPr>
+          <p:cNvPr id="9" name="Right Brace 8">
+            <a:extLst>
+              <a:ext uri="{FF2B5EF4-FFF2-40B4-BE49-F238E27FC236}">
+                <a16:creationId xmlns:a16="http://schemas.microsoft.com/office/drawing/2014/main" id="{24C8FBBE-9F80-4D3C-93EB-CDB15C84732F}"/>
+              </a:ext>
+            </a:extLst>
+          </p:cNvPr>
+          <p:cNvSpPr/>
+          <p:nvPr/>
+        </p:nvSpPr>
+        <p:spPr>
+          <a:xfrm>
+            <a:off x="9260159" y="477043"/>
+            <a:ext cx="766850" cy="1325563"/>
+          </a:xfrm>
+          <a:prstGeom prst="rightBrace">
+            <a:avLst/>
+          </a:prstGeom>
+        </p:spPr>
+        <p:style>
+          <a:lnRef idx="3">
+            <a:schemeClr val="dk1"/>
+          </a:lnRef>
+          <a:fillRef idx="0">
+            <a:schemeClr val="dk1"/>
+          </a:fillRef>
+          <a:effectRef idx="2">
+            <a:schemeClr val="dk1"/>
+          </a:effectRef>
+          <a:fontRef idx="minor">
+            <a:schemeClr val="tx1"/>
+          </a:fontRef>
+        </p:style>
+        <p:txBody>
+          <a:bodyPr rtlCol="0" anchor="ctr"/>
+          <a:lstStyle/>
+          <a:p>
+            <a:pPr algn="ctr"/>
+            <a:endParaRPr lang="en-US"/>
+          </a:p>
+        </p:txBody>
+      </p:sp>
+      <p:sp>
+        <p:nvSpPr>
+          <p:cNvPr id="10" name="Right Brace 9">
+            <a:extLst>
+              <a:ext uri="{FF2B5EF4-FFF2-40B4-BE49-F238E27FC236}">
+                <a16:creationId xmlns:a16="http://schemas.microsoft.com/office/drawing/2014/main" id="{103D1CED-9E3E-400A-89DE-2AD06136B49E}"/>
+              </a:ext>
+            </a:extLst>
+          </p:cNvPr>
+          <p:cNvSpPr/>
+          <p:nvPr/>
+        </p:nvSpPr>
+        <p:spPr>
+          <a:xfrm rot="5400000">
+            <a:off x="7568633" y="814621"/>
+            <a:ext cx="484127" cy="2582718"/>
+          </a:xfrm>
+          <a:prstGeom prst="rightBrace">
+            <a:avLst/>
+          </a:prstGeom>
+        </p:spPr>
+        <p:style>
+          <a:lnRef idx="3">
+            <a:schemeClr val="dk1"/>
+          </a:lnRef>
+          <a:fillRef idx="0">
+            <a:schemeClr val="dk1"/>
+          </a:fillRef>
+          <a:effectRef idx="2">
+            <a:schemeClr val="dk1"/>
+          </a:effectRef>
+          <a:fontRef idx="minor">
+            <a:schemeClr val="tx1"/>
+          </a:fontRef>
+        </p:style>
+        <p:txBody>
+          <a:bodyPr rtlCol="0" anchor="ctr"/>
+          <a:lstStyle/>
+          <a:p>
+            <a:pPr algn="ctr"/>
+            <a:endParaRPr lang="en-US"/>
+          </a:p>
+        </p:txBody>
+      </p:sp>
+      <p:sp>
+        <p:nvSpPr>
+          <p:cNvPr id="11" name="TextBox 10">
+            <a:extLst>
+              <a:ext uri="{FF2B5EF4-FFF2-40B4-BE49-F238E27FC236}">
+                <a16:creationId xmlns:a16="http://schemas.microsoft.com/office/drawing/2014/main" id="{9B7B6CA7-B672-477D-88A4-43A8424D3E04}"/>
+              </a:ext>
+            </a:extLst>
+          </p:cNvPr>
+          <p:cNvSpPr txBox="1"/>
+          <p:nvPr/>
+        </p:nvSpPr>
+        <p:spPr>
+          <a:xfrm>
+            <a:off x="7113864" y="2386335"/>
+            <a:ext cx="1260473" cy="369332"/>
+          </a:xfrm>
+          <a:prstGeom prst="rect">
+            <a:avLst/>
+          </a:prstGeom>
+          <a:noFill/>
+        </p:spPr>
+        <p:txBody>
+          <a:bodyPr wrap="none" rtlCol="0">
+            <a:spAutoFit/>
+          </a:bodyPr>
+          <a:lstStyle/>
+          <a:p>
+            <a:r>
+              <a:rPr lang="en-US" dirty="0"/>
+              <a:t>400px wide</a:t>
+            </a:r>
+          </a:p>
+        </p:txBody>
+      </p:sp>
+      <p:sp>
+        <p:nvSpPr>
+          <p:cNvPr id="12" name="TextBox 11">
+            <a:extLst>
+              <a:ext uri="{FF2B5EF4-FFF2-40B4-BE49-F238E27FC236}">
+                <a16:creationId xmlns:a16="http://schemas.microsoft.com/office/drawing/2014/main" id="{6BD6ED53-DE43-4152-8A21-5DA818EB2B34}"/>
+              </a:ext>
+            </a:extLst>
+          </p:cNvPr>
+          <p:cNvSpPr txBox="1"/>
+          <p:nvPr/>
+        </p:nvSpPr>
+        <p:spPr>
+          <a:xfrm>
+            <a:off x="10143019" y="955158"/>
+            <a:ext cx="1210781" cy="369332"/>
+          </a:xfrm>
+          <a:prstGeom prst="rect">
+            <a:avLst/>
+          </a:prstGeom>
+          <a:noFill/>
+        </p:spPr>
+        <p:txBody>
+          <a:bodyPr wrap="none" rtlCol="0">
+            <a:spAutoFit/>
+          </a:bodyPr>
+          <a:lstStyle/>
+          <a:p>
+            <a:r>
+              <a:rPr lang="en-US" dirty="0"/>
+              <a:t>300px high</a:t>
+            </a:r>
+          </a:p>
+        </p:txBody>
+      </p:sp>
+    </p:spTree>
+    <p:extLst>
+      <p:ext uri="{BB962C8B-B14F-4D97-AF65-F5344CB8AC3E}">
+        <p14:creationId xmlns:p14="http://schemas.microsoft.com/office/powerpoint/2010/main" val="2194603733"/>
       </p:ext>
     </p:extLst>
   </p:cSld>
@@ -7930,6 +11554,3483 @@
 </p:sld>
 </file>
 
+<file path=ppt/slides/slide30.xml><?xml version="1.0" encoding="utf-8"?>
+<p:sld xmlns:a="http://schemas.openxmlformats.org/drawingml/2006/main" xmlns:r="http://schemas.openxmlformats.org/officeDocument/2006/relationships" xmlns:p="http://schemas.openxmlformats.org/presentationml/2006/main">
+  <p:cSld>
+    <p:spTree>
+      <p:nvGrpSpPr>
+        <p:cNvPr id="1" name=""/>
+        <p:cNvGrpSpPr/>
+        <p:nvPr/>
+      </p:nvGrpSpPr>
+      <p:grpSpPr>
+        <a:xfrm>
+          <a:off x="0" y="0"/>
+          <a:ext cx="0" cy="0"/>
+          <a:chOff x="0" y="0"/>
+          <a:chExt cx="0" cy="0"/>
+        </a:xfrm>
+      </p:grpSpPr>
+      <p:sp>
+        <p:nvSpPr>
+          <p:cNvPr id="2" name="Title 1">
+            <a:extLst>
+              <a:ext uri="{FF2B5EF4-FFF2-40B4-BE49-F238E27FC236}">
+                <a16:creationId xmlns:a16="http://schemas.microsoft.com/office/drawing/2014/main" id="{CD700101-9518-482B-836B-9BF507CF18B5}"/>
+              </a:ext>
+            </a:extLst>
+          </p:cNvPr>
+          <p:cNvSpPr>
+            <a:spLocks noGrp="1"/>
+          </p:cNvSpPr>
+          <p:nvPr>
+            <p:ph type="title"/>
+          </p:nvPr>
+        </p:nvSpPr>
+        <p:spPr/>
+        <p:txBody>
+          <a:bodyPr/>
+          <a:lstStyle/>
+          <a:p>
+            <a:r>
+              <a:rPr lang="en-US" dirty="0"/>
+              <a:t>CSS</a:t>
+            </a:r>
+          </a:p>
+        </p:txBody>
+      </p:sp>
+      <p:sp>
+        <p:nvSpPr>
+          <p:cNvPr id="3" name="Content Placeholder 2">
+            <a:extLst>
+              <a:ext uri="{FF2B5EF4-FFF2-40B4-BE49-F238E27FC236}">
+                <a16:creationId xmlns:a16="http://schemas.microsoft.com/office/drawing/2014/main" id="{998DAAA8-2E96-4468-A2B0-DB1A0A73F05D}"/>
+              </a:ext>
+            </a:extLst>
+          </p:cNvPr>
+          <p:cNvSpPr>
+            <a:spLocks noGrp="1"/>
+          </p:cNvSpPr>
+          <p:nvPr>
+            <p:ph idx="1"/>
+          </p:nvPr>
+        </p:nvSpPr>
+        <p:spPr>
+          <a:xfrm>
+            <a:off x="838200" y="1825625"/>
+            <a:ext cx="10515600" cy="4667250"/>
+          </a:xfrm>
+        </p:spPr>
+        <p:txBody>
+          <a:bodyPr>
+            <a:normAutofit/>
+          </a:bodyPr>
+          <a:lstStyle/>
+          <a:p>
+            <a:pPr marL="0" indent="0">
+              <a:buNone/>
+            </a:pPr>
+            <a:r>
+              <a:rPr lang="en-US" dirty="0"/>
+              <a:t>Algorithm to create CSS:</a:t>
+            </a:r>
+          </a:p>
+          <a:p>
+            <a:pPr marL="971550" lvl="1" indent="-514350">
+              <a:buFont typeface="+mj-lt"/>
+              <a:buAutoNum type="arabicPeriod"/>
+            </a:pPr>
+            <a:r>
+              <a:rPr lang="en-US" dirty="0"/>
+              <a:t>Determine what selectors are impacted</a:t>
+            </a:r>
+          </a:p>
+          <a:p>
+            <a:pPr marL="971550" lvl="1" indent="-514350">
+              <a:buFont typeface="+mj-lt"/>
+              <a:buAutoNum type="arabicPeriod"/>
+            </a:pPr>
+            <a:r>
+              <a:rPr lang="en-US" dirty="0"/>
+              <a:t>Determine what properties for the selectors in Step 1 need stylized</a:t>
+            </a:r>
+          </a:p>
+          <a:p>
+            <a:pPr marL="971550" lvl="1" indent="-514350">
+              <a:buFont typeface="+mj-lt"/>
+              <a:buAutoNum type="arabicPeriod"/>
+            </a:pPr>
+            <a:r>
+              <a:rPr lang="en-US" dirty="0"/>
+              <a:t>Determine what values the properties found in Step 2 need to be assigned</a:t>
+            </a:r>
+          </a:p>
+          <a:p>
+            <a:pPr marL="971550" lvl="1" indent="-514350">
+              <a:buFont typeface="+mj-lt"/>
+              <a:buAutoNum type="arabicPeriod"/>
+            </a:pPr>
+            <a:r>
+              <a:rPr lang="en-US" dirty="0"/>
+              <a:t>Construct the CSS using the abstract CSS structure</a:t>
+            </a:r>
+          </a:p>
+        </p:txBody>
+      </p:sp>
+    </p:spTree>
+    <p:extLst>
+      <p:ext uri="{BB962C8B-B14F-4D97-AF65-F5344CB8AC3E}">
+        <p14:creationId xmlns:p14="http://schemas.microsoft.com/office/powerpoint/2010/main" val="1665942534"/>
+      </p:ext>
+    </p:extLst>
+  </p:cSld>
+  <p:clrMapOvr>
+    <a:masterClrMapping/>
+  </p:clrMapOvr>
+</p:sld>
+</file>
+
+<file path=ppt/slides/slide31.xml><?xml version="1.0" encoding="utf-8"?>
+<p:sld xmlns:a="http://schemas.openxmlformats.org/drawingml/2006/main" xmlns:r="http://schemas.openxmlformats.org/officeDocument/2006/relationships" xmlns:p="http://schemas.openxmlformats.org/presentationml/2006/main">
+  <p:cSld>
+    <p:spTree>
+      <p:nvGrpSpPr>
+        <p:cNvPr id="1" name=""/>
+        <p:cNvGrpSpPr/>
+        <p:nvPr/>
+      </p:nvGrpSpPr>
+      <p:grpSpPr>
+        <a:xfrm>
+          <a:off x="0" y="0"/>
+          <a:ext cx="0" cy="0"/>
+          <a:chOff x="0" y="0"/>
+          <a:chExt cx="0" cy="0"/>
+        </a:xfrm>
+      </p:grpSpPr>
+      <p:sp>
+        <p:nvSpPr>
+          <p:cNvPr id="2" name="Title 1">
+            <a:extLst>
+              <a:ext uri="{FF2B5EF4-FFF2-40B4-BE49-F238E27FC236}">
+                <a16:creationId xmlns:a16="http://schemas.microsoft.com/office/drawing/2014/main" id="{CD700101-9518-482B-836B-9BF507CF18B5}"/>
+              </a:ext>
+            </a:extLst>
+          </p:cNvPr>
+          <p:cNvSpPr>
+            <a:spLocks noGrp="1"/>
+          </p:cNvSpPr>
+          <p:nvPr>
+            <p:ph type="title"/>
+          </p:nvPr>
+        </p:nvSpPr>
+        <p:spPr/>
+        <p:txBody>
+          <a:bodyPr/>
+          <a:lstStyle/>
+          <a:p>
+            <a:r>
+              <a:rPr lang="en-US" dirty="0"/>
+              <a:t>CSS</a:t>
+            </a:r>
+          </a:p>
+        </p:txBody>
+      </p:sp>
+      <p:sp>
+        <p:nvSpPr>
+          <p:cNvPr id="3" name="Content Placeholder 2">
+            <a:extLst>
+              <a:ext uri="{FF2B5EF4-FFF2-40B4-BE49-F238E27FC236}">
+                <a16:creationId xmlns:a16="http://schemas.microsoft.com/office/drawing/2014/main" id="{998DAAA8-2E96-4468-A2B0-DB1A0A73F05D}"/>
+              </a:ext>
+            </a:extLst>
+          </p:cNvPr>
+          <p:cNvSpPr>
+            <a:spLocks noGrp="1"/>
+          </p:cNvSpPr>
+          <p:nvPr>
+            <p:ph idx="1"/>
+          </p:nvPr>
+        </p:nvSpPr>
+        <p:spPr>
+          <a:xfrm>
+            <a:off x="838200" y="1825625"/>
+            <a:ext cx="7861183" cy="4667250"/>
+          </a:xfrm>
+        </p:spPr>
+        <p:txBody>
+          <a:bodyPr>
+            <a:normAutofit/>
+          </a:bodyPr>
+          <a:lstStyle/>
+          <a:p>
+            <a:pPr marL="0" indent="0">
+              <a:buNone/>
+            </a:pPr>
+            <a:r>
+              <a:rPr lang="en-US" dirty="0"/>
+              <a:t>Problem: Create a paragraph with blue text and a purple background</a:t>
+            </a:r>
+          </a:p>
+        </p:txBody>
+      </p:sp>
+      <p:sp>
+        <p:nvSpPr>
+          <p:cNvPr id="4" name="Content Placeholder 2">
+            <a:extLst>
+              <a:ext uri="{FF2B5EF4-FFF2-40B4-BE49-F238E27FC236}">
+                <a16:creationId xmlns:a16="http://schemas.microsoft.com/office/drawing/2014/main" id="{A03BD256-EDE3-4033-874F-EBDBF9094F07}"/>
+              </a:ext>
+            </a:extLst>
+          </p:cNvPr>
+          <p:cNvSpPr txBox="1">
+            <a:spLocks/>
+          </p:cNvSpPr>
+          <p:nvPr/>
+        </p:nvSpPr>
+        <p:spPr>
+          <a:xfrm>
+            <a:off x="8557470" y="396903"/>
+            <a:ext cx="3245840" cy="5710281"/>
+          </a:xfrm>
+          <a:prstGeom prst="rect">
+            <a:avLst/>
+          </a:prstGeom>
+        </p:spPr>
+        <p:txBody>
+          <a:bodyPr vert="horz" lIns="91440" tIns="45720" rIns="91440" bIns="45720" rtlCol="0">
+            <a:normAutofit fontScale="92500"/>
+          </a:bodyPr>
+          <a:lstStyle>
+            <a:lvl1pPr marL="228600" indent="-228600" algn="l" defTabSz="914400" rtl="0" eaLnBrk="1" latinLnBrk="0" hangingPunct="1">
+              <a:lnSpc>
+                <a:spcPct val="90000"/>
+              </a:lnSpc>
+              <a:spcBef>
+                <a:spcPts val="1000"/>
+              </a:spcBef>
+              <a:buFont typeface="Arial" panose="020B0604020202020204" pitchFamily="34" charset="0"/>
+              <a:buChar char="•"/>
+              <a:defRPr sz="2800" kern="1200">
+                <a:solidFill>
+                  <a:schemeClr val="tx1"/>
+                </a:solidFill>
+                <a:latin typeface="+mn-lt"/>
+                <a:ea typeface="+mn-ea"/>
+                <a:cs typeface="+mn-cs"/>
+              </a:defRPr>
+            </a:lvl1pPr>
+            <a:lvl2pPr marL="685800" indent="-228600" algn="l" defTabSz="914400" rtl="0" eaLnBrk="1" latinLnBrk="0" hangingPunct="1">
+              <a:lnSpc>
+                <a:spcPct val="90000"/>
+              </a:lnSpc>
+              <a:spcBef>
+                <a:spcPts val="500"/>
+              </a:spcBef>
+              <a:buFont typeface="Arial" panose="020B0604020202020204" pitchFamily="34" charset="0"/>
+              <a:buChar char="•"/>
+              <a:defRPr sz="2400" kern="1200">
+                <a:solidFill>
+                  <a:schemeClr val="tx1"/>
+                </a:solidFill>
+                <a:latin typeface="+mn-lt"/>
+                <a:ea typeface="+mn-ea"/>
+                <a:cs typeface="+mn-cs"/>
+              </a:defRPr>
+            </a:lvl2pPr>
+            <a:lvl3pPr marL="1143000" indent="-228600" algn="l" defTabSz="914400" rtl="0" eaLnBrk="1" latinLnBrk="0" hangingPunct="1">
+              <a:lnSpc>
+                <a:spcPct val="90000"/>
+              </a:lnSpc>
+              <a:spcBef>
+                <a:spcPts val="500"/>
+              </a:spcBef>
+              <a:buFont typeface="Arial" panose="020B0604020202020204" pitchFamily="34" charset="0"/>
+              <a:buChar char="•"/>
+              <a:defRPr sz="2000" kern="1200">
+                <a:solidFill>
+                  <a:schemeClr val="tx1"/>
+                </a:solidFill>
+                <a:latin typeface="+mn-lt"/>
+                <a:ea typeface="+mn-ea"/>
+                <a:cs typeface="+mn-cs"/>
+              </a:defRPr>
+            </a:lvl3pPr>
+            <a:lvl4pPr marL="1600200" indent="-228600" algn="l" defTabSz="914400" rtl="0" eaLnBrk="1" latinLnBrk="0" hangingPunct="1">
+              <a:lnSpc>
+                <a:spcPct val="90000"/>
+              </a:lnSpc>
+              <a:spcBef>
+                <a:spcPts val="500"/>
+              </a:spcBef>
+              <a:buFont typeface="Arial" panose="020B0604020202020204" pitchFamily="34" charset="0"/>
+              <a:buChar char="•"/>
+              <a:defRPr sz="1800" kern="1200">
+                <a:solidFill>
+                  <a:schemeClr val="tx1"/>
+                </a:solidFill>
+                <a:latin typeface="+mn-lt"/>
+                <a:ea typeface="+mn-ea"/>
+                <a:cs typeface="+mn-cs"/>
+              </a:defRPr>
+            </a:lvl4pPr>
+            <a:lvl5pPr marL="2057400" indent="-228600" algn="l" defTabSz="914400" rtl="0" eaLnBrk="1" latinLnBrk="0" hangingPunct="1">
+              <a:lnSpc>
+                <a:spcPct val="90000"/>
+              </a:lnSpc>
+              <a:spcBef>
+                <a:spcPts val="500"/>
+              </a:spcBef>
+              <a:buFont typeface="Arial" panose="020B0604020202020204" pitchFamily="34" charset="0"/>
+              <a:buChar char="•"/>
+              <a:defRPr sz="1800" kern="1200">
+                <a:solidFill>
+                  <a:schemeClr val="tx1"/>
+                </a:solidFill>
+                <a:latin typeface="+mn-lt"/>
+                <a:ea typeface="+mn-ea"/>
+                <a:cs typeface="+mn-cs"/>
+              </a:defRPr>
+            </a:lvl5pPr>
+            <a:lvl6pPr marL="2514600" indent="-228600" algn="l" defTabSz="914400" rtl="0" eaLnBrk="1" latinLnBrk="0" hangingPunct="1">
+              <a:lnSpc>
+                <a:spcPct val="90000"/>
+              </a:lnSpc>
+              <a:spcBef>
+                <a:spcPts val="500"/>
+              </a:spcBef>
+              <a:buFont typeface="Arial" panose="020B0604020202020204" pitchFamily="34" charset="0"/>
+              <a:buChar char="•"/>
+              <a:defRPr sz="1800" kern="1200">
+                <a:solidFill>
+                  <a:schemeClr val="tx1"/>
+                </a:solidFill>
+                <a:latin typeface="+mn-lt"/>
+                <a:ea typeface="+mn-ea"/>
+                <a:cs typeface="+mn-cs"/>
+              </a:defRPr>
+            </a:lvl6pPr>
+            <a:lvl7pPr marL="2971800" indent="-228600" algn="l" defTabSz="914400" rtl="0" eaLnBrk="1" latinLnBrk="0" hangingPunct="1">
+              <a:lnSpc>
+                <a:spcPct val="90000"/>
+              </a:lnSpc>
+              <a:spcBef>
+                <a:spcPts val="500"/>
+              </a:spcBef>
+              <a:buFont typeface="Arial" panose="020B0604020202020204" pitchFamily="34" charset="0"/>
+              <a:buChar char="•"/>
+              <a:defRPr sz="1800" kern="1200">
+                <a:solidFill>
+                  <a:schemeClr val="tx1"/>
+                </a:solidFill>
+                <a:latin typeface="+mn-lt"/>
+                <a:ea typeface="+mn-ea"/>
+                <a:cs typeface="+mn-cs"/>
+              </a:defRPr>
+            </a:lvl7pPr>
+            <a:lvl8pPr marL="3429000" indent="-228600" algn="l" defTabSz="914400" rtl="0" eaLnBrk="1" latinLnBrk="0" hangingPunct="1">
+              <a:lnSpc>
+                <a:spcPct val="90000"/>
+              </a:lnSpc>
+              <a:spcBef>
+                <a:spcPts val="500"/>
+              </a:spcBef>
+              <a:buFont typeface="Arial" panose="020B0604020202020204" pitchFamily="34" charset="0"/>
+              <a:buChar char="•"/>
+              <a:defRPr sz="1800" kern="1200">
+                <a:solidFill>
+                  <a:schemeClr val="tx1"/>
+                </a:solidFill>
+                <a:latin typeface="+mn-lt"/>
+                <a:ea typeface="+mn-ea"/>
+                <a:cs typeface="+mn-cs"/>
+              </a:defRPr>
+            </a:lvl8pPr>
+            <a:lvl9pPr marL="3886200" indent="-228600" algn="l" defTabSz="914400" rtl="0" eaLnBrk="1" latinLnBrk="0" hangingPunct="1">
+              <a:lnSpc>
+                <a:spcPct val="90000"/>
+              </a:lnSpc>
+              <a:spcBef>
+                <a:spcPts val="500"/>
+              </a:spcBef>
+              <a:buFont typeface="Arial" panose="020B0604020202020204" pitchFamily="34" charset="0"/>
+              <a:buChar char="•"/>
+              <a:defRPr sz="1800" kern="1200">
+                <a:solidFill>
+                  <a:schemeClr val="tx1"/>
+                </a:solidFill>
+                <a:latin typeface="+mn-lt"/>
+                <a:ea typeface="+mn-ea"/>
+                <a:cs typeface="+mn-cs"/>
+              </a:defRPr>
+            </a:lvl9pPr>
+          </a:lstStyle>
+          <a:p>
+            <a:pPr marL="0" indent="0">
+              <a:buFont typeface="Arial" panose="020B0604020202020204" pitchFamily="34" charset="0"/>
+              <a:buNone/>
+            </a:pPr>
+            <a:r>
+              <a:rPr lang="en-US" dirty="0"/>
+              <a:t>Algorithm to create CSS:</a:t>
+            </a:r>
+          </a:p>
+          <a:p>
+            <a:pPr marL="971550" lvl="1" indent="-514350">
+              <a:buFont typeface="+mj-lt"/>
+              <a:buAutoNum type="arabicPeriod"/>
+            </a:pPr>
+            <a:r>
+              <a:rPr lang="en-US" dirty="0"/>
+              <a:t>Determine what selectors are impacted</a:t>
+            </a:r>
+          </a:p>
+          <a:p>
+            <a:pPr marL="971550" lvl="1" indent="-514350">
+              <a:buFont typeface="+mj-lt"/>
+              <a:buAutoNum type="arabicPeriod"/>
+            </a:pPr>
+            <a:r>
+              <a:rPr lang="en-US" dirty="0"/>
+              <a:t>Determine what properties for the selectors in Step 1 need stylized</a:t>
+            </a:r>
+          </a:p>
+          <a:p>
+            <a:pPr marL="971550" lvl="1" indent="-514350">
+              <a:buFont typeface="+mj-lt"/>
+              <a:buAutoNum type="arabicPeriod"/>
+            </a:pPr>
+            <a:r>
+              <a:rPr lang="en-US" dirty="0"/>
+              <a:t>Determine what values the properties found in Step 2 need to be assigned</a:t>
+            </a:r>
+          </a:p>
+          <a:p>
+            <a:pPr marL="971550" lvl="1" indent="-514350">
+              <a:buFont typeface="+mj-lt"/>
+              <a:buAutoNum type="arabicPeriod"/>
+            </a:pPr>
+            <a:r>
+              <a:rPr lang="en-US" dirty="0"/>
+              <a:t>Construct the CSS using the abstract CSS structure</a:t>
+            </a:r>
+          </a:p>
+          <a:p>
+            <a:pPr marL="971550" lvl="1" indent="-514350">
+              <a:buFont typeface="+mj-lt"/>
+              <a:buAutoNum type="arabicPeriod"/>
+            </a:pPr>
+            <a:endParaRPr lang="en-US" dirty="0"/>
+          </a:p>
+        </p:txBody>
+      </p:sp>
+    </p:spTree>
+    <p:extLst>
+      <p:ext uri="{BB962C8B-B14F-4D97-AF65-F5344CB8AC3E}">
+        <p14:creationId xmlns:p14="http://schemas.microsoft.com/office/powerpoint/2010/main" val="3687570562"/>
+      </p:ext>
+    </p:extLst>
+  </p:cSld>
+  <p:clrMapOvr>
+    <a:masterClrMapping/>
+  </p:clrMapOvr>
+</p:sld>
+</file>
+
+<file path=ppt/slides/slide32.xml><?xml version="1.0" encoding="utf-8"?>
+<p:sld xmlns:a="http://schemas.openxmlformats.org/drawingml/2006/main" xmlns:r="http://schemas.openxmlformats.org/officeDocument/2006/relationships" xmlns:p="http://schemas.openxmlformats.org/presentationml/2006/main">
+  <p:cSld>
+    <p:spTree>
+      <p:nvGrpSpPr>
+        <p:cNvPr id="1" name=""/>
+        <p:cNvGrpSpPr/>
+        <p:nvPr/>
+      </p:nvGrpSpPr>
+      <p:grpSpPr>
+        <a:xfrm>
+          <a:off x="0" y="0"/>
+          <a:ext cx="0" cy="0"/>
+          <a:chOff x="0" y="0"/>
+          <a:chExt cx="0" cy="0"/>
+        </a:xfrm>
+      </p:grpSpPr>
+      <p:sp>
+        <p:nvSpPr>
+          <p:cNvPr id="2" name="Title 1">
+            <a:extLst>
+              <a:ext uri="{FF2B5EF4-FFF2-40B4-BE49-F238E27FC236}">
+                <a16:creationId xmlns:a16="http://schemas.microsoft.com/office/drawing/2014/main" id="{CD700101-9518-482B-836B-9BF507CF18B5}"/>
+              </a:ext>
+            </a:extLst>
+          </p:cNvPr>
+          <p:cNvSpPr>
+            <a:spLocks noGrp="1"/>
+          </p:cNvSpPr>
+          <p:nvPr>
+            <p:ph type="title"/>
+          </p:nvPr>
+        </p:nvSpPr>
+        <p:spPr/>
+        <p:txBody>
+          <a:bodyPr/>
+          <a:lstStyle/>
+          <a:p>
+            <a:r>
+              <a:rPr lang="en-US" dirty="0"/>
+              <a:t>CSS</a:t>
+            </a:r>
+          </a:p>
+        </p:txBody>
+      </p:sp>
+      <p:sp>
+        <p:nvSpPr>
+          <p:cNvPr id="3" name="Content Placeholder 2">
+            <a:extLst>
+              <a:ext uri="{FF2B5EF4-FFF2-40B4-BE49-F238E27FC236}">
+                <a16:creationId xmlns:a16="http://schemas.microsoft.com/office/drawing/2014/main" id="{998DAAA8-2E96-4468-A2B0-DB1A0A73F05D}"/>
+              </a:ext>
+            </a:extLst>
+          </p:cNvPr>
+          <p:cNvSpPr>
+            <a:spLocks noGrp="1"/>
+          </p:cNvSpPr>
+          <p:nvPr>
+            <p:ph idx="1"/>
+          </p:nvPr>
+        </p:nvSpPr>
+        <p:spPr>
+          <a:xfrm>
+            <a:off x="838200" y="1825625"/>
+            <a:ext cx="7861183" cy="4667250"/>
+          </a:xfrm>
+        </p:spPr>
+        <p:txBody>
+          <a:bodyPr>
+            <a:normAutofit/>
+          </a:bodyPr>
+          <a:lstStyle/>
+          <a:p>
+            <a:pPr marL="0" indent="0">
+              <a:buNone/>
+            </a:pPr>
+            <a:r>
+              <a:rPr lang="en-US" dirty="0"/>
+              <a:t>Problem: Create a paragraph with blue text and a purple background</a:t>
+            </a:r>
+          </a:p>
+          <a:p>
+            <a:pPr marL="971550" lvl="1" indent="-514350">
+              <a:buFont typeface="+mj-lt"/>
+              <a:buAutoNum type="arabicPeriod"/>
+            </a:pPr>
+            <a:r>
+              <a:rPr lang="en-US" b="1" dirty="0"/>
+              <a:t>selector = paragraph &lt;p&gt;</a:t>
+            </a:r>
+          </a:p>
+        </p:txBody>
+      </p:sp>
+      <p:sp>
+        <p:nvSpPr>
+          <p:cNvPr id="5" name="Content Placeholder 2">
+            <a:extLst>
+              <a:ext uri="{FF2B5EF4-FFF2-40B4-BE49-F238E27FC236}">
+                <a16:creationId xmlns:a16="http://schemas.microsoft.com/office/drawing/2014/main" id="{AF0EA57C-51B8-40E1-8B32-ED542A69AC1E}"/>
+              </a:ext>
+            </a:extLst>
+          </p:cNvPr>
+          <p:cNvSpPr txBox="1">
+            <a:spLocks/>
+          </p:cNvSpPr>
+          <p:nvPr/>
+        </p:nvSpPr>
+        <p:spPr>
+          <a:xfrm>
+            <a:off x="8557470" y="396903"/>
+            <a:ext cx="3245840" cy="5710281"/>
+          </a:xfrm>
+          <a:prstGeom prst="rect">
+            <a:avLst/>
+          </a:prstGeom>
+        </p:spPr>
+        <p:txBody>
+          <a:bodyPr vert="horz" lIns="91440" tIns="45720" rIns="91440" bIns="45720" rtlCol="0">
+            <a:normAutofit fontScale="92500"/>
+          </a:bodyPr>
+          <a:lstStyle>
+            <a:lvl1pPr marL="228600" indent="-228600" algn="l" defTabSz="914400" rtl="0" eaLnBrk="1" latinLnBrk="0" hangingPunct="1">
+              <a:lnSpc>
+                <a:spcPct val="90000"/>
+              </a:lnSpc>
+              <a:spcBef>
+                <a:spcPts val="1000"/>
+              </a:spcBef>
+              <a:buFont typeface="Arial" panose="020B0604020202020204" pitchFamily="34" charset="0"/>
+              <a:buChar char="•"/>
+              <a:defRPr sz="2800" kern="1200">
+                <a:solidFill>
+                  <a:schemeClr val="tx1"/>
+                </a:solidFill>
+                <a:latin typeface="+mn-lt"/>
+                <a:ea typeface="+mn-ea"/>
+                <a:cs typeface="+mn-cs"/>
+              </a:defRPr>
+            </a:lvl1pPr>
+            <a:lvl2pPr marL="685800" indent="-228600" algn="l" defTabSz="914400" rtl="0" eaLnBrk="1" latinLnBrk="0" hangingPunct="1">
+              <a:lnSpc>
+                <a:spcPct val="90000"/>
+              </a:lnSpc>
+              <a:spcBef>
+                <a:spcPts val="500"/>
+              </a:spcBef>
+              <a:buFont typeface="Arial" panose="020B0604020202020204" pitchFamily="34" charset="0"/>
+              <a:buChar char="•"/>
+              <a:defRPr sz="2400" kern="1200">
+                <a:solidFill>
+                  <a:schemeClr val="tx1"/>
+                </a:solidFill>
+                <a:latin typeface="+mn-lt"/>
+                <a:ea typeface="+mn-ea"/>
+                <a:cs typeface="+mn-cs"/>
+              </a:defRPr>
+            </a:lvl2pPr>
+            <a:lvl3pPr marL="1143000" indent="-228600" algn="l" defTabSz="914400" rtl="0" eaLnBrk="1" latinLnBrk="0" hangingPunct="1">
+              <a:lnSpc>
+                <a:spcPct val="90000"/>
+              </a:lnSpc>
+              <a:spcBef>
+                <a:spcPts val="500"/>
+              </a:spcBef>
+              <a:buFont typeface="Arial" panose="020B0604020202020204" pitchFamily="34" charset="0"/>
+              <a:buChar char="•"/>
+              <a:defRPr sz="2000" kern="1200">
+                <a:solidFill>
+                  <a:schemeClr val="tx1"/>
+                </a:solidFill>
+                <a:latin typeface="+mn-lt"/>
+                <a:ea typeface="+mn-ea"/>
+                <a:cs typeface="+mn-cs"/>
+              </a:defRPr>
+            </a:lvl3pPr>
+            <a:lvl4pPr marL="1600200" indent="-228600" algn="l" defTabSz="914400" rtl="0" eaLnBrk="1" latinLnBrk="0" hangingPunct="1">
+              <a:lnSpc>
+                <a:spcPct val="90000"/>
+              </a:lnSpc>
+              <a:spcBef>
+                <a:spcPts val="500"/>
+              </a:spcBef>
+              <a:buFont typeface="Arial" panose="020B0604020202020204" pitchFamily="34" charset="0"/>
+              <a:buChar char="•"/>
+              <a:defRPr sz="1800" kern="1200">
+                <a:solidFill>
+                  <a:schemeClr val="tx1"/>
+                </a:solidFill>
+                <a:latin typeface="+mn-lt"/>
+                <a:ea typeface="+mn-ea"/>
+                <a:cs typeface="+mn-cs"/>
+              </a:defRPr>
+            </a:lvl4pPr>
+            <a:lvl5pPr marL="2057400" indent="-228600" algn="l" defTabSz="914400" rtl="0" eaLnBrk="1" latinLnBrk="0" hangingPunct="1">
+              <a:lnSpc>
+                <a:spcPct val="90000"/>
+              </a:lnSpc>
+              <a:spcBef>
+                <a:spcPts val="500"/>
+              </a:spcBef>
+              <a:buFont typeface="Arial" panose="020B0604020202020204" pitchFamily="34" charset="0"/>
+              <a:buChar char="•"/>
+              <a:defRPr sz="1800" kern="1200">
+                <a:solidFill>
+                  <a:schemeClr val="tx1"/>
+                </a:solidFill>
+                <a:latin typeface="+mn-lt"/>
+                <a:ea typeface="+mn-ea"/>
+                <a:cs typeface="+mn-cs"/>
+              </a:defRPr>
+            </a:lvl5pPr>
+            <a:lvl6pPr marL="2514600" indent="-228600" algn="l" defTabSz="914400" rtl="0" eaLnBrk="1" latinLnBrk="0" hangingPunct="1">
+              <a:lnSpc>
+                <a:spcPct val="90000"/>
+              </a:lnSpc>
+              <a:spcBef>
+                <a:spcPts val="500"/>
+              </a:spcBef>
+              <a:buFont typeface="Arial" panose="020B0604020202020204" pitchFamily="34" charset="0"/>
+              <a:buChar char="•"/>
+              <a:defRPr sz="1800" kern="1200">
+                <a:solidFill>
+                  <a:schemeClr val="tx1"/>
+                </a:solidFill>
+                <a:latin typeface="+mn-lt"/>
+                <a:ea typeface="+mn-ea"/>
+                <a:cs typeface="+mn-cs"/>
+              </a:defRPr>
+            </a:lvl6pPr>
+            <a:lvl7pPr marL="2971800" indent="-228600" algn="l" defTabSz="914400" rtl="0" eaLnBrk="1" latinLnBrk="0" hangingPunct="1">
+              <a:lnSpc>
+                <a:spcPct val="90000"/>
+              </a:lnSpc>
+              <a:spcBef>
+                <a:spcPts val="500"/>
+              </a:spcBef>
+              <a:buFont typeface="Arial" panose="020B0604020202020204" pitchFamily="34" charset="0"/>
+              <a:buChar char="•"/>
+              <a:defRPr sz="1800" kern="1200">
+                <a:solidFill>
+                  <a:schemeClr val="tx1"/>
+                </a:solidFill>
+                <a:latin typeface="+mn-lt"/>
+                <a:ea typeface="+mn-ea"/>
+                <a:cs typeface="+mn-cs"/>
+              </a:defRPr>
+            </a:lvl7pPr>
+            <a:lvl8pPr marL="3429000" indent="-228600" algn="l" defTabSz="914400" rtl="0" eaLnBrk="1" latinLnBrk="0" hangingPunct="1">
+              <a:lnSpc>
+                <a:spcPct val="90000"/>
+              </a:lnSpc>
+              <a:spcBef>
+                <a:spcPts val="500"/>
+              </a:spcBef>
+              <a:buFont typeface="Arial" panose="020B0604020202020204" pitchFamily="34" charset="0"/>
+              <a:buChar char="•"/>
+              <a:defRPr sz="1800" kern="1200">
+                <a:solidFill>
+                  <a:schemeClr val="tx1"/>
+                </a:solidFill>
+                <a:latin typeface="+mn-lt"/>
+                <a:ea typeface="+mn-ea"/>
+                <a:cs typeface="+mn-cs"/>
+              </a:defRPr>
+            </a:lvl8pPr>
+            <a:lvl9pPr marL="3886200" indent="-228600" algn="l" defTabSz="914400" rtl="0" eaLnBrk="1" latinLnBrk="0" hangingPunct="1">
+              <a:lnSpc>
+                <a:spcPct val="90000"/>
+              </a:lnSpc>
+              <a:spcBef>
+                <a:spcPts val="500"/>
+              </a:spcBef>
+              <a:buFont typeface="Arial" panose="020B0604020202020204" pitchFamily="34" charset="0"/>
+              <a:buChar char="•"/>
+              <a:defRPr sz="1800" kern="1200">
+                <a:solidFill>
+                  <a:schemeClr val="tx1"/>
+                </a:solidFill>
+                <a:latin typeface="+mn-lt"/>
+                <a:ea typeface="+mn-ea"/>
+                <a:cs typeface="+mn-cs"/>
+              </a:defRPr>
+            </a:lvl9pPr>
+          </a:lstStyle>
+          <a:p>
+            <a:pPr marL="0" indent="0">
+              <a:buFont typeface="Arial" panose="020B0604020202020204" pitchFamily="34" charset="0"/>
+              <a:buNone/>
+            </a:pPr>
+            <a:r>
+              <a:rPr lang="en-US" dirty="0"/>
+              <a:t>Algorithm to create CSS:</a:t>
+            </a:r>
+          </a:p>
+          <a:p>
+            <a:pPr marL="971550" lvl="1" indent="-514350">
+              <a:buFont typeface="+mj-lt"/>
+              <a:buAutoNum type="arabicPeriod"/>
+            </a:pPr>
+            <a:r>
+              <a:rPr lang="en-US" b="1" dirty="0"/>
+              <a:t>Determine what selectors are impacted</a:t>
+            </a:r>
+          </a:p>
+          <a:p>
+            <a:pPr marL="971550" lvl="1" indent="-514350">
+              <a:buFont typeface="+mj-lt"/>
+              <a:buAutoNum type="arabicPeriod"/>
+            </a:pPr>
+            <a:r>
+              <a:rPr lang="en-US" dirty="0"/>
+              <a:t>Determine what properties for the selectors in Step 1 need stylized</a:t>
+            </a:r>
+          </a:p>
+          <a:p>
+            <a:pPr marL="971550" lvl="1" indent="-514350">
+              <a:buFont typeface="+mj-lt"/>
+              <a:buAutoNum type="arabicPeriod"/>
+            </a:pPr>
+            <a:r>
+              <a:rPr lang="en-US" dirty="0"/>
+              <a:t>Determine what values the properties found in Step 2 need to be assigned</a:t>
+            </a:r>
+          </a:p>
+          <a:p>
+            <a:pPr marL="971550" lvl="1" indent="-514350">
+              <a:buFont typeface="+mj-lt"/>
+              <a:buAutoNum type="arabicPeriod"/>
+            </a:pPr>
+            <a:r>
+              <a:rPr lang="en-US" dirty="0"/>
+              <a:t>Construct the CSS using the abstract CSS structure</a:t>
+            </a:r>
+          </a:p>
+          <a:p>
+            <a:pPr marL="971550" lvl="1" indent="-514350">
+              <a:buFont typeface="+mj-lt"/>
+              <a:buAutoNum type="arabicPeriod"/>
+            </a:pPr>
+            <a:endParaRPr lang="en-US" dirty="0"/>
+          </a:p>
+        </p:txBody>
+      </p:sp>
+    </p:spTree>
+    <p:extLst>
+      <p:ext uri="{BB962C8B-B14F-4D97-AF65-F5344CB8AC3E}">
+        <p14:creationId xmlns:p14="http://schemas.microsoft.com/office/powerpoint/2010/main" val="3651593461"/>
+      </p:ext>
+    </p:extLst>
+  </p:cSld>
+  <p:clrMapOvr>
+    <a:masterClrMapping/>
+  </p:clrMapOvr>
+</p:sld>
+</file>
+
+<file path=ppt/slides/slide33.xml><?xml version="1.0" encoding="utf-8"?>
+<p:sld xmlns:a="http://schemas.openxmlformats.org/drawingml/2006/main" xmlns:r="http://schemas.openxmlformats.org/officeDocument/2006/relationships" xmlns:p="http://schemas.openxmlformats.org/presentationml/2006/main">
+  <p:cSld>
+    <p:spTree>
+      <p:nvGrpSpPr>
+        <p:cNvPr id="1" name=""/>
+        <p:cNvGrpSpPr/>
+        <p:nvPr/>
+      </p:nvGrpSpPr>
+      <p:grpSpPr>
+        <a:xfrm>
+          <a:off x="0" y="0"/>
+          <a:ext cx="0" cy="0"/>
+          <a:chOff x="0" y="0"/>
+          <a:chExt cx="0" cy="0"/>
+        </a:xfrm>
+      </p:grpSpPr>
+      <p:sp>
+        <p:nvSpPr>
+          <p:cNvPr id="2" name="Title 1">
+            <a:extLst>
+              <a:ext uri="{FF2B5EF4-FFF2-40B4-BE49-F238E27FC236}">
+                <a16:creationId xmlns:a16="http://schemas.microsoft.com/office/drawing/2014/main" id="{CD700101-9518-482B-836B-9BF507CF18B5}"/>
+              </a:ext>
+            </a:extLst>
+          </p:cNvPr>
+          <p:cNvSpPr>
+            <a:spLocks noGrp="1"/>
+          </p:cNvSpPr>
+          <p:nvPr>
+            <p:ph type="title"/>
+          </p:nvPr>
+        </p:nvSpPr>
+        <p:spPr/>
+        <p:txBody>
+          <a:bodyPr/>
+          <a:lstStyle/>
+          <a:p>
+            <a:r>
+              <a:rPr lang="en-US" dirty="0"/>
+              <a:t>CSS</a:t>
+            </a:r>
+          </a:p>
+        </p:txBody>
+      </p:sp>
+      <p:sp>
+        <p:nvSpPr>
+          <p:cNvPr id="3" name="Content Placeholder 2">
+            <a:extLst>
+              <a:ext uri="{FF2B5EF4-FFF2-40B4-BE49-F238E27FC236}">
+                <a16:creationId xmlns:a16="http://schemas.microsoft.com/office/drawing/2014/main" id="{998DAAA8-2E96-4468-A2B0-DB1A0A73F05D}"/>
+              </a:ext>
+            </a:extLst>
+          </p:cNvPr>
+          <p:cNvSpPr>
+            <a:spLocks noGrp="1"/>
+          </p:cNvSpPr>
+          <p:nvPr>
+            <p:ph idx="1"/>
+          </p:nvPr>
+        </p:nvSpPr>
+        <p:spPr>
+          <a:xfrm>
+            <a:off x="838200" y="1825625"/>
+            <a:ext cx="7861183" cy="4667250"/>
+          </a:xfrm>
+        </p:spPr>
+        <p:txBody>
+          <a:bodyPr>
+            <a:normAutofit/>
+          </a:bodyPr>
+          <a:lstStyle/>
+          <a:p>
+            <a:pPr marL="0" indent="0">
+              <a:buNone/>
+            </a:pPr>
+            <a:r>
+              <a:rPr lang="en-US" dirty="0"/>
+              <a:t>Problem: Create a paragraph with blue text and a purple background</a:t>
+            </a:r>
+          </a:p>
+          <a:p>
+            <a:pPr marL="971550" lvl="1" indent="-514350">
+              <a:buFont typeface="+mj-lt"/>
+              <a:buAutoNum type="arabicPeriod"/>
+            </a:pPr>
+            <a:r>
+              <a:rPr lang="en-US" dirty="0"/>
+              <a:t>selector = paragraph &lt;p&gt;</a:t>
+            </a:r>
+          </a:p>
+          <a:p>
+            <a:pPr marL="971550" lvl="1" indent="-514350">
+              <a:buFont typeface="+mj-lt"/>
+              <a:buAutoNum type="arabicPeriod"/>
+            </a:pPr>
+            <a:r>
+              <a:rPr lang="en-US" b="1" dirty="0"/>
+              <a:t>properties = background-color, color</a:t>
+            </a:r>
+          </a:p>
+          <a:p>
+            <a:pPr marL="971550" lvl="1" indent="-514350">
+              <a:buFont typeface="+mj-lt"/>
+              <a:buAutoNum type="arabicPeriod"/>
+            </a:pPr>
+            <a:endParaRPr lang="en-US" dirty="0"/>
+          </a:p>
+          <a:p>
+            <a:pPr marL="971550" lvl="1" indent="-514350">
+              <a:buFont typeface="+mj-lt"/>
+              <a:buAutoNum type="arabicPeriod"/>
+            </a:pPr>
+            <a:endParaRPr lang="en-US" dirty="0"/>
+          </a:p>
+        </p:txBody>
+      </p:sp>
+      <p:sp>
+        <p:nvSpPr>
+          <p:cNvPr id="5" name="Content Placeholder 2">
+            <a:extLst>
+              <a:ext uri="{FF2B5EF4-FFF2-40B4-BE49-F238E27FC236}">
+                <a16:creationId xmlns:a16="http://schemas.microsoft.com/office/drawing/2014/main" id="{3355947B-A90E-4A5F-90CA-BCF4A5E54D51}"/>
+              </a:ext>
+            </a:extLst>
+          </p:cNvPr>
+          <p:cNvSpPr txBox="1">
+            <a:spLocks/>
+          </p:cNvSpPr>
+          <p:nvPr/>
+        </p:nvSpPr>
+        <p:spPr>
+          <a:xfrm>
+            <a:off x="8557470" y="396903"/>
+            <a:ext cx="3245840" cy="5710281"/>
+          </a:xfrm>
+          <a:prstGeom prst="rect">
+            <a:avLst/>
+          </a:prstGeom>
+        </p:spPr>
+        <p:txBody>
+          <a:bodyPr vert="horz" lIns="91440" tIns="45720" rIns="91440" bIns="45720" rtlCol="0">
+            <a:normAutofit fontScale="92500"/>
+          </a:bodyPr>
+          <a:lstStyle>
+            <a:lvl1pPr marL="228600" indent="-228600" algn="l" defTabSz="914400" rtl="0" eaLnBrk="1" latinLnBrk="0" hangingPunct="1">
+              <a:lnSpc>
+                <a:spcPct val="90000"/>
+              </a:lnSpc>
+              <a:spcBef>
+                <a:spcPts val="1000"/>
+              </a:spcBef>
+              <a:buFont typeface="Arial" panose="020B0604020202020204" pitchFamily="34" charset="0"/>
+              <a:buChar char="•"/>
+              <a:defRPr sz="2800" kern="1200">
+                <a:solidFill>
+                  <a:schemeClr val="tx1"/>
+                </a:solidFill>
+                <a:latin typeface="+mn-lt"/>
+                <a:ea typeface="+mn-ea"/>
+                <a:cs typeface="+mn-cs"/>
+              </a:defRPr>
+            </a:lvl1pPr>
+            <a:lvl2pPr marL="685800" indent="-228600" algn="l" defTabSz="914400" rtl="0" eaLnBrk="1" latinLnBrk="0" hangingPunct="1">
+              <a:lnSpc>
+                <a:spcPct val="90000"/>
+              </a:lnSpc>
+              <a:spcBef>
+                <a:spcPts val="500"/>
+              </a:spcBef>
+              <a:buFont typeface="Arial" panose="020B0604020202020204" pitchFamily="34" charset="0"/>
+              <a:buChar char="•"/>
+              <a:defRPr sz="2400" kern="1200">
+                <a:solidFill>
+                  <a:schemeClr val="tx1"/>
+                </a:solidFill>
+                <a:latin typeface="+mn-lt"/>
+                <a:ea typeface="+mn-ea"/>
+                <a:cs typeface="+mn-cs"/>
+              </a:defRPr>
+            </a:lvl2pPr>
+            <a:lvl3pPr marL="1143000" indent="-228600" algn="l" defTabSz="914400" rtl="0" eaLnBrk="1" latinLnBrk="0" hangingPunct="1">
+              <a:lnSpc>
+                <a:spcPct val="90000"/>
+              </a:lnSpc>
+              <a:spcBef>
+                <a:spcPts val="500"/>
+              </a:spcBef>
+              <a:buFont typeface="Arial" panose="020B0604020202020204" pitchFamily="34" charset="0"/>
+              <a:buChar char="•"/>
+              <a:defRPr sz="2000" kern="1200">
+                <a:solidFill>
+                  <a:schemeClr val="tx1"/>
+                </a:solidFill>
+                <a:latin typeface="+mn-lt"/>
+                <a:ea typeface="+mn-ea"/>
+                <a:cs typeface="+mn-cs"/>
+              </a:defRPr>
+            </a:lvl3pPr>
+            <a:lvl4pPr marL="1600200" indent="-228600" algn="l" defTabSz="914400" rtl="0" eaLnBrk="1" latinLnBrk="0" hangingPunct="1">
+              <a:lnSpc>
+                <a:spcPct val="90000"/>
+              </a:lnSpc>
+              <a:spcBef>
+                <a:spcPts val="500"/>
+              </a:spcBef>
+              <a:buFont typeface="Arial" panose="020B0604020202020204" pitchFamily="34" charset="0"/>
+              <a:buChar char="•"/>
+              <a:defRPr sz="1800" kern="1200">
+                <a:solidFill>
+                  <a:schemeClr val="tx1"/>
+                </a:solidFill>
+                <a:latin typeface="+mn-lt"/>
+                <a:ea typeface="+mn-ea"/>
+                <a:cs typeface="+mn-cs"/>
+              </a:defRPr>
+            </a:lvl4pPr>
+            <a:lvl5pPr marL="2057400" indent="-228600" algn="l" defTabSz="914400" rtl="0" eaLnBrk="1" latinLnBrk="0" hangingPunct="1">
+              <a:lnSpc>
+                <a:spcPct val="90000"/>
+              </a:lnSpc>
+              <a:spcBef>
+                <a:spcPts val="500"/>
+              </a:spcBef>
+              <a:buFont typeface="Arial" panose="020B0604020202020204" pitchFamily="34" charset="0"/>
+              <a:buChar char="•"/>
+              <a:defRPr sz="1800" kern="1200">
+                <a:solidFill>
+                  <a:schemeClr val="tx1"/>
+                </a:solidFill>
+                <a:latin typeface="+mn-lt"/>
+                <a:ea typeface="+mn-ea"/>
+                <a:cs typeface="+mn-cs"/>
+              </a:defRPr>
+            </a:lvl5pPr>
+            <a:lvl6pPr marL="2514600" indent="-228600" algn="l" defTabSz="914400" rtl="0" eaLnBrk="1" latinLnBrk="0" hangingPunct="1">
+              <a:lnSpc>
+                <a:spcPct val="90000"/>
+              </a:lnSpc>
+              <a:spcBef>
+                <a:spcPts val="500"/>
+              </a:spcBef>
+              <a:buFont typeface="Arial" panose="020B0604020202020204" pitchFamily="34" charset="0"/>
+              <a:buChar char="•"/>
+              <a:defRPr sz="1800" kern="1200">
+                <a:solidFill>
+                  <a:schemeClr val="tx1"/>
+                </a:solidFill>
+                <a:latin typeface="+mn-lt"/>
+                <a:ea typeface="+mn-ea"/>
+                <a:cs typeface="+mn-cs"/>
+              </a:defRPr>
+            </a:lvl6pPr>
+            <a:lvl7pPr marL="2971800" indent="-228600" algn="l" defTabSz="914400" rtl="0" eaLnBrk="1" latinLnBrk="0" hangingPunct="1">
+              <a:lnSpc>
+                <a:spcPct val="90000"/>
+              </a:lnSpc>
+              <a:spcBef>
+                <a:spcPts val="500"/>
+              </a:spcBef>
+              <a:buFont typeface="Arial" panose="020B0604020202020204" pitchFamily="34" charset="0"/>
+              <a:buChar char="•"/>
+              <a:defRPr sz="1800" kern="1200">
+                <a:solidFill>
+                  <a:schemeClr val="tx1"/>
+                </a:solidFill>
+                <a:latin typeface="+mn-lt"/>
+                <a:ea typeface="+mn-ea"/>
+                <a:cs typeface="+mn-cs"/>
+              </a:defRPr>
+            </a:lvl7pPr>
+            <a:lvl8pPr marL="3429000" indent="-228600" algn="l" defTabSz="914400" rtl="0" eaLnBrk="1" latinLnBrk="0" hangingPunct="1">
+              <a:lnSpc>
+                <a:spcPct val="90000"/>
+              </a:lnSpc>
+              <a:spcBef>
+                <a:spcPts val="500"/>
+              </a:spcBef>
+              <a:buFont typeface="Arial" panose="020B0604020202020204" pitchFamily="34" charset="0"/>
+              <a:buChar char="•"/>
+              <a:defRPr sz="1800" kern="1200">
+                <a:solidFill>
+                  <a:schemeClr val="tx1"/>
+                </a:solidFill>
+                <a:latin typeface="+mn-lt"/>
+                <a:ea typeface="+mn-ea"/>
+                <a:cs typeface="+mn-cs"/>
+              </a:defRPr>
+            </a:lvl8pPr>
+            <a:lvl9pPr marL="3886200" indent="-228600" algn="l" defTabSz="914400" rtl="0" eaLnBrk="1" latinLnBrk="0" hangingPunct="1">
+              <a:lnSpc>
+                <a:spcPct val="90000"/>
+              </a:lnSpc>
+              <a:spcBef>
+                <a:spcPts val="500"/>
+              </a:spcBef>
+              <a:buFont typeface="Arial" panose="020B0604020202020204" pitchFamily="34" charset="0"/>
+              <a:buChar char="•"/>
+              <a:defRPr sz="1800" kern="1200">
+                <a:solidFill>
+                  <a:schemeClr val="tx1"/>
+                </a:solidFill>
+                <a:latin typeface="+mn-lt"/>
+                <a:ea typeface="+mn-ea"/>
+                <a:cs typeface="+mn-cs"/>
+              </a:defRPr>
+            </a:lvl9pPr>
+          </a:lstStyle>
+          <a:p>
+            <a:pPr marL="0" indent="0">
+              <a:buFont typeface="Arial" panose="020B0604020202020204" pitchFamily="34" charset="0"/>
+              <a:buNone/>
+            </a:pPr>
+            <a:r>
+              <a:rPr lang="en-US" dirty="0"/>
+              <a:t>Algorithm to create CSS:</a:t>
+            </a:r>
+          </a:p>
+          <a:p>
+            <a:pPr marL="971550" lvl="1" indent="-514350">
+              <a:buFont typeface="+mj-lt"/>
+              <a:buAutoNum type="arabicPeriod"/>
+            </a:pPr>
+            <a:r>
+              <a:rPr lang="en-US" dirty="0"/>
+              <a:t>Determine what selectors are impacted</a:t>
+            </a:r>
+          </a:p>
+          <a:p>
+            <a:pPr marL="971550" lvl="1" indent="-514350">
+              <a:buFont typeface="+mj-lt"/>
+              <a:buAutoNum type="arabicPeriod"/>
+            </a:pPr>
+            <a:r>
+              <a:rPr lang="en-US" b="1" dirty="0"/>
+              <a:t>Determine what properties for the selectors in Step 1 need stylized</a:t>
+            </a:r>
+          </a:p>
+          <a:p>
+            <a:pPr marL="971550" lvl="1" indent="-514350">
+              <a:buFont typeface="+mj-lt"/>
+              <a:buAutoNum type="arabicPeriod"/>
+            </a:pPr>
+            <a:r>
+              <a:rPr lang="en-US" dirty="0"/>
+              <a:t>Determine what values the properties found in Step 2 need to be assigned</a:t>
+            </a:r>
+          </a:p>
+          <a:p>
+            <a:pPr marL="971550" lvl="1" indent="-514350">
+              <a:buFont typeface="+mj-lt"/>
+              <a:buAutoNum type="arabicPeriod"/>
+            </a:pPr>
+            <a:r>
+              <a:rPr lang="en-US" dirty="0"/>
+              <a:t>Construct the CSS using the abstract CSS structure</a:t>
+            </a:r>
+          </a:p>
+          <a:p>
+            <a:pPr marL="971550" lvl="1" indent="-514350">
+              <a:buFont typeface="+mj-lt"/>
+              <a:buAutoNum type="arabicPeriod"/>
+            </a:pPr>
+            <a:endParaRPr lang="en-US" dirty="0"/>
+          </a:p>
+        </p:txBody>
+      </p:sp>
+    </p:spTree>
+    <p:extLst>
+      <p:ext uri="{BB962C8B-B14F-4D97-AF65-F5344CB8AC3E}">
+        <p14:creationId xmlns:p14="http://schemas.microsoft.com/office/powerpoint/2010/main" val="690925799"/>
+      </p:ext>
+    </p:extLst>
+  </p:cSld>
+  <p:clrMapOvr>
+    <a:masterClrMapping/>
+  </p:clrMapOvr>
+</p:sld>
+</file>
+
+<file path=ppt/slides/slide34.xml><?xml version="1.0" encoding="utf-8"?>
+<p:sld xmlns:a="http://schemas.openxmlformats.org/drawingml/2006/main" xmlns:r="http://schemas.openxmlformats.org/officeDocument/2006/relationships" xmlns:p="http://schemas.openxmlformats.org/presentationml/2006/main">
+  <p:cSld>
+    <p:spTree>
+      <p:nvGrpSpPr>
+        <p:cNvPr id="1" name=""/>
+        <p:cNvGrpSpPr/>
+        <p:nvPr/>
+      </p:nvGrpSpPr>
+      <p:grpSpPr>
+        <a:xfrm>
+          <a:off x="0" y="0"/>
+          <a:ext cx="0" cy="0"/>
+          <a:chOff x="0" y="0"/>
+          <a:chExt cx="0" cy="0"/>
+        </a:xfrm>
+      </p:grpSpPr>
+      <p:sp>
+        <p:nvSpPr>
+          <p:cNvPr id="2" name="Title 1">
+            <a:extLst>
+              <a:ext uri="{FF2B5EF4-FFF2-40B4-BE49-F238E27FC236}">
+                <a16:creationId xmlns:a16="http://schemas.microsoft.com/office/drawing/2014/main" id="{CD700101-9518-482B-836B-9BF507CF18B5}"/>
+              </a:ext>
+            </a:extLst>
+          </p:cNvPr>
+          <p:cNvSpPr>
+            <a:spLocks noGrp="1"/>
+          </p:cNvSpPr>
+          <p:nvPr>
+            <p:ph type="title"/>
+          </p:nvPr>
+        </p:nvSpPr>
+        <p:spPr/>
+        <p:txBody>
+          <a:bodyPr/>
+          <a:lstStyle/>
+          <a:p>
+            <a:r>
+              <a:rPr lang="en-US" dirty="0"/>
+              <a:t>CSS</a:t>
+            </a:r>
+          </a:p>
+        </p:txBody>
+      </p:sp>
+      <p:sp>
+        <p:nvSpPr>
+          <p:cNvPr id="3" name="Content Placeholder 2">
+            <a:extLst>
+              <a:ext uri="{FF2B5EF4-FFF2-40B4-BE49-F238E27FC236}">
+                <a16:creationId xmlns:a16="http://schemas.microsoft.com/office/drawing/2014/main" id="{998DAAA8-2E96-4468-A2B0-DB1A0A73F05D}"/>
+              </a:ext>
+            </a:extLst>
+          </p:cNvPr>
+          <p:cNvSpPr>
+            <a:spLocks noGrp="1"/>
+          </p:cNvSpPr>
+          <p:nvPr>
+            <p:ph idx="1"/>
+          </p:nvPr>
+        </p:nvSpPr>
+        <p:spPr>
+          <a:xfrm>
+            <a:off x="838200" y="1825625"/>
+            <a:ext cx="7861183" cy="4667250"/>
+          </a:xfrm>
+        </p:spPr>
+        <p:txBody>
+          <a:bodyPr>
+            <a:normAutofit/>
+          </a:bodyPr>
+          <a:lstStyle/>
+          <a:p>
+            <a:pPr marL="0" indent="0">
+              <a:buNone/>
+            </a:pPr>
+            <a:r>
+              <a:rPr lang="en-US" dirty="0"/>
+              <a:t>Problem: Create a paragraph with blue text and a purple background</a:t>
+            </a:r>
+          </a:p>
+          <a:p>
+            <a:pPr marL="971550" lvl="1" indent="-514350">
+              <a:buFont typeface="+mj-lt"/>
+              <a:buAutoNum type="arabicPeriod"/>
+            </a:pPr>
+            <a:r>
+              <a:rPr lang="en-US" dirty="0"/>
+              <a:t>selector = paragraph &lt;p&gt;</a:t>
+            </a:r>
+          </a:p>
+          <a:p>
+            <a:pPr marL="971550" lvl="1" indent="-514350">
+              <a:buFont typeface="+mj-lt"/>
+              <a:buAutoNum type="arabicPeriod"/>
+            </a:pPr>
+            <a:r>
+              <a:rPr lang="en-US" dirty="0"/>
+              <a:t>properties = background-color, color</a:t>
+            </a:r>
+          </a:p>
+          <a:p>
+            <a:pPr marL="971550" lvl="1" indent="-514350">
+              <a:buFont typeface="+mj-lt"/>
+              <a:buAutoNum type="arabicPeriod"/>
+            </a:pPr>
+            <a:r>
+              <a:rPr lang="en-US" b="1" dirty="0"/>
+              <a:t>values = purple, blue</a:t>
+            </a:r>
+          </a:p>
+          <a:p>
+            <a:pPr marL="971550" lvl="1" indent="-514350">
+              <a:buFont typeface="+mj-lt"/>
+              <a:buAutoNum type="arabicPeriod"/>
+            </a:pPr>
+            <a:endParaRPr lang="en-US" dirty="0"/>
+          </a:p>
+          <a:p>
+            <a:pPr marL="971550" lvl="1" indent="-514350">
+              <a:buFont typeface="+mj-lt"/>
+              <a:buAutoNum type="arabicPeriod"/>
+            </a:pPr>
+            <a:endParaRPr lang="en-US" dirty="0"/>
+          </a:p>
+        </p:txBody>
+      </p:sp>
+      <p:sp>
+        <p:nvSpPr>
+          <p:cNvPr id="5" name="Content Placeholder 2">
+            <a:extLst>
+              <a:ext uri="{FF2B5EF4-FFF2-40B4-BE49-F238E27FC236}">
+                <a16:creationId xmlns:a16="http://schemas.microsoft.com/office/drawing/2014/main" id="{3355947B-A90E-4A5F-90CA-BCF4A5E54D51}"/>
+              </a:ext>
+            </a:extLst>
+          </p:cNvPr>
+          <p:cNvSpPr txBox="1">
+            <a:spLocks/>
+          </p:cNvSpPr>
+          <p:nvPr/>
+        </p:nvSpPr>
+        <p:spPr>
+          <a:xfrm>
+            <a:off x="8557470" y="396903"/>
+            <a:ext cx="3245840" cy="5710281"/>
+          </a:xfrm>
+          <a:prstGeom prst="rect">
+            <a:avLst/>
+          </a:prstGeom>
+        </p:spPr>
+        <p:txBody>
+          <a:bodyPr vert="horz" lIns="91440" tIns="45720" rIns="91440" bIns="45720" rtlCol="0">
+            <a:normAutofit fontScale="92500"/>
+          </a:bodyPr>
+          <a:lstStyle>
+            <a:lvl1pPr marL="228600" indent="-228600" algn="l" defTabSz="914400" rtl="0" eaLnBrk="1" latinLnBrk="0" hangingPunct="1">
+              <a:lnSpc>
+                <a:spcPct val="90000"/>
+              </a:lnSpc>
+              <a:spcBef>
+                <a:spcPts val="1000"/>
+              </a:spcBef>
+              <a:buFont typeface="Arial" panose="020B0604020202020204" pitchFamily="34" charset="0"/>
+              <a:buChar char="•"/>
+              <a:defRPr sz="2800" kern="1200">
+                <a:solidFill>
+                  <a:schemeClr val="tx1"/>
+                </a:solidFill>
+                <a:latin typeface="+mn-lt"/>
+                <a:ea typeface="+mn-ea"/>
+                <a:cs typeface="+mn-cs"/>
+              </a:defRPr>
+            </a:lvl1pPr>
+            <a:lvl2pPr marL="685800" indent="-228600" algn="l" defTabSz="914400" rtl="0" eaLnBrk="1" latinLnBrk="0" hangingPunct="1">
+              <a:lnSpc>
+                <a:spcPct val="90000"/>
+              </a:lnSpc>
+              <a:spcBef>
+                <a:spcPts val="500"/>
+              </a:spcBef>
+              <a:buFont typeface="Arial" panose="020B0604020202020204" pitchFamily="34" charset="0"/>
+              <a:buChar char="•"/>
+              <a:defRPr sz="2400" kern="1200">
+                <a:solidFill>
+                  <a:schemeClr val="tx1"/>
+                </a:solidFill>
+                <a:latin typeface="+mn-lt"/>
+                <a:ea typeface="+mn-ea"/>
+                <a:cs typeface="+mn-cs"/>
+              </a:defRPr>
+            </a:lvl2pPr>
+            <a:lvl3pPr marL="1143000" indent="-228600" algn="l" defTabSz="914400" rtl="0" eaLnBrk="1" latinLnBrk="0" hangingPunct="1">
+              <a:lnSpc>
+                <a:spcPct val="90000"/>
+              </a:lnSpc>
+              <a:spcBef>
+                <a:spcPts val="500"/>
+              </a:spcBef>
+              <a:buFont typeface="Arial" panose="020B0604020202020204" pitchFamily="34" charset="0"/>
+              <a:buChar char="•"/>
+              <a:defRPr sz="2000" kern="1200">
+                <a:solidFill>
+                  <a:schemeClr val="tx1"/>
+                </a:solidFill>
+                <a:latin typeface="+mn-lt"/>
+                <a:ea typeface="+mn-ea"/>
+                <a:cs typeface="+mn-cs"/>
+              </a:defRPr>
+            </a:lvl3pPr>
+            <a:lvl4pPr marL="1600200" indent="-228600" algn="l" defTabSz="914400" rtl="0" eaLnBrk="1" latinLnBrk="0" hangingPunct="1">
+              <a:lnSpc>
+                <a:spcPct val="90000"/>
+              </a:lnSpc>
+              <a:spcBef>
+                <a:spcPts val="500"/>
+              </a:spcBef>
+              <a:buFont typeface="Arial" panose="020B0604020202020204" pitchFamily="34" charset="0"/>
+              <a:buChar char="•"/>
+              <a:defRPr sz="1800" kern="1200">
+                <a:solidFill>
+                  <a:schemeClr val="tx1"/>
+                </a:solidFill>
+                <a:latin typeface="+mn-lt"/>
+                <a:ea typeface="+mn-ea"/>
+                <a:cs typeface="+mn-cs"/>
+              </a:defRPr>
+            </a:lvl4pPr>
+            <a:lvl5pPr marL="2057400" indent="-228600" algn="l" defTabSz="914400" rtl="0" eaLnBrk="1" latinLnBrk="0" hangingPunct="1">
+              <a:lnSpc>
+                <a:spcPct val="90000"/>
+              </a:lnSpc>
+              <a:spcBef>
+                <a:spcPts val="500"/>
+              </a:spcBef>
+              <a:buFont typeface="Arial" panose="020B0604020202020204" pitchFamily="34" charset="0"/>
+              <a:buChar char="•"/>
+              <a:defRPr sz="1800" kern="1200">
+                <a:solidFill>
+                  <a:schemeClr val="tx1"/>
+                </a:solidFill>
+                <a:latin typeface="+mn-lt"/>
+                <a:ea typeface="+mn-ea"/>
+                <a:cs typeface="+mn-cs"/>
+              </a:defRPr>
+            </a:lvl5pPr>
+            <a:lvl6pPr marL="2514600" indent="-228600" algn="l" defTabSz="914400" rtl="0" eaLnBrk="1" latinLnBrk="0" hangingPunct="1">
+              <a:lnSpc>
+                <a:spcPct val="90000"/>
+              </a:lnSpc>
+              <a:spcBef>
+                <a:spcPts val="500"/>
+              </a:spcBef>
+              <a:buFont typeface="Arial" panose="020B0604020202020204" pitchFamily="34" charset="0"/>
+              <a:buChar char="•"/>
+              <a:defRPr sz="1800" kern="1200">
+                <a:solidFill>
+                  <a:schemeClr val="tx1"/>
+                </a:solidFill>
+                <a:latin typeface="+mn-lt"/>
+                <a:ea typeface="+mn-ea"/>
+                <a:cs typeface="+mn-cs"/>
+              </a:defRPr>
+            </a:lvl6pPr>
+            <a:lvl7pPr marL="2971800" indent="-228600" algn="l" defTabSz="914400" rtl="0" eaLnBrk="1" latinLnBrk="0" hangingPunct="1">
+              <a:lnSpc>
+                <a:spcPct val="90000"/>
+              </a:lnSpc>
+              <a:spcBef>
+                <a:spcPts val="500"/>
+              </a:spcBef>
+              <a:buFont typeface="Arial" panose="020B0604020202020204" pitchFamily="34" charset="0"/>
+              <a:buChar char="•"/>
+              <a:defRPr sz="1800" kern="1200">
+                <a:solidFill>
+                  <a:schemeClr val="tx1"/>
+                </a:solidFill>
+                <a:latin typeface="+mn-lt"/>
+                <a:ea typeface="+mn-ea"/>
+                <a:cs typeface="+mn-cs"/>
+              </a:defRPr>
+            </a:lvl7pPr>
+            <a:lvl8pPr marL="3429000" indent="-228600" algn="l" defTabSz="914400" rtl="0" eaLnBrk="1" latinLnBrk="0" hangingPunct="1">
+              <a:lnSpc>
+                <a:spcPct val="90000"/>
+              </a:lnSpc>
+              <a:spcBef>
+                <a:spcPts val="500"/>
+              </a:spcBef>
+              <a:buFont typeface="Arial" panose="020B0604020202020204" pitchFamily="34" charset="0"/>
+              <a:buChar char="•"/>
+              <a:defRPr sz="1800" kern="1200">
+                <a:solidFill>
+                  <a:schemeClr val="tx1"/>
+                </a:solidFill>
+                <a:latin typeface="+mn-lt"/>
+                <a:ea typeface="+mn-ea"/>
+                <a:cs typeface="+mn-cs"/>
+              </a:defRPr>
+            </a:lvl8pPr>
+            <a:lvl9pPr marL="3886200" indent="-228600" algn="l" defTabSz="914400" rtl="0" eaLnBrk="1" latinLnBrk="0" hangingPunct="1">
+              <a:lnSpc>
+                <a:spcPct val="90000"/>
+              </a:lnSpc>
+              <a:spcBef>
+                <a:spcPts val="500"/>
+              </a:spcBef>
+              <a:buFont typeface="Arial" panose="020B0604020202020204" pitchFamily="34" charset="0"/>
+              <a:buChar char="•"/>
+              <a:defRPr sz="1800" kern="1200">
+                <a:solidFill>
+                  <a:schemeClr val="tx1"/>
+                </a:solidFill>
+                <a:latin typeface="+mn-lt"/>
+                <a:ea typeface="+mn-ea"/>
+                <a:cs typeface="+mn-cs"/>
+              </a:defRPr>
+            </a:lvl9pPr>
+          </a:lstStyle>
+          <a:p>
+            <a:pPr marL="0" indent="0">
+              <a:buFont typeface="Arial" panose="020B0604020202020204" pitchFamily="34" charset="0"/>
+              <a:buNone/>
+            </a:pPr>
+            <a:r>
+              <a:rPr lang="en-US" dirty="0"/>
+              <a:t>Algorithm to create CSS:</a:t>
+            </a:r>
+          </a:p>
+          <a:p>
+            <a:pPr marL="971550" lvl="1" indent="-514350">
+              <a:buFont typeface="+mj-lt"/>
+              <a:buAutoNum type="arabicPeriod"/>
+            </a:pPr>
+            <a:r>
+              <a:rPr lang="en-US" dirty="0"/>
+              <a:t>Determine what selectors are impacted</a:t>
+            </a:r>
+          </a:p>
+          <a:p>
+            <a:pPr marL="971550" lvl="1" indent="-514350">
+              <a:buFont typeface="+mj-lt"/>
+              <a:buAutoNum type="arabicPeriod"/>
+            </a:pPr>
+            <a:r>
+              <a:rPr lang="en-US" dirty="0"/>
+              <a:t>Determine what properties for the selectors in Step 1 need stylized</a:t>
+            </a:r>
+          </a:p>
+          <a:p>
+            <a:pPr marL="971550" lvl="1" indent="-514350">
+              <a:buFont typeface="+mj-lt"/>
+              <a:buAutoNum type="arabicPeriod"/>
+            </a:pPr>
+            <a:r>
+              <a:rPr lang="en-US" b="1" dirty="0"/>
+              <a:t>Determine what values the properties found in Step 2 need to be assigned</a:t>
+            </a:r>
+          </a:p>
+          <a:p>
+            <a:pPr marL="971550" lvl="1" indent="-514350">
+              <a:buFont typeface="+mj-lt"/>
+              <a:buAutoNum type="arabicPeriod"/>
+            </a:pPr>
+            <a:r>
+              <a:rPr lang="en-US" dirty="0"/>
+              <a:t>Construct the CSS using the abstract CSS structure</a:t>
+            </a:r>
+          </a:p>
+          <a:p>
+            <a:pPr marL="971550" lvl="1" indent="-514350">
+              <a:buFont typeface="+mj-lt"/>
+              <a:buAutoNum type="arabicPeriod"/>
+            </a:pPr>
+            <a:endParaRPr lang="en-US" dirty="0"/>
+          </a:p>
+        </p:txBody>
+      </p:sp>
+    </p:spTree>
+    <p:extLst>
+      <p:ext uri="{BB962C8B-B14F-4D97-AF65-F5344CB8AC3E}">
+        <p14:creationId xmlns:p14="http://schemas.microsoft.com/office/powerpoint/2010/main" val="1105768257"/>
+      </p:ext>
+    </p:extLst>
+  </p:cSld>
+  <p:clrMapOvr>
+    <a:masterClrMapping/>
+  </p:clrMapOvr>
+</p:sld>
+</file>
+
+<file path=ppt/slides/slide35.xml><?xml version="1.0" encoding="utf-8"?>
+<p:sld xmlns:a="http://schemas.openxmlformats.org/drawingml/2006/main" xmlns:r="http://schemas.openxmlformats.org/officeDocument/2006/relationships" xmlns:p="http://schemas.openxmlformats.org/presentationml/2006/main">
+  <p:cSld>
+    <p:spTree>
+      <p:nvGrpSpPr>
+        <p:cNvPr id="1" name=""/>
+        <p:cNvGrpSpPr/>
+        <p:nvPr/>
+      </p:nvGrpSpPr>
+      <p:grpSpPr>
+        <a:xfrm>
+          <a:off x="0" y="0"/>
+          <a:ext cx="0" cy="0"/>
+          <a:chOff x="0" y="0"/>
+          <a:chExt cx="0" cy="0"/>
+        </a:xfrm>
+      </p:grpSpPr>
+      <p:sp>
+        <p:nvSpPr>
+          <p:cNvPr id="2" name="Title 1">
+            <a:extLst>
+              <a:ext uri="{FF2B5EF4-FFF2-40B4-BE49-F238E27FC236}">
+                <a16:creationId xmlns:a16="http://schemas.microsoft.com/office/drawing/2014/main" id="{CD700101-9518-482B-836B-9BF507CF18B5}"/>
+              </a:ext>
+            </a:extLst>
+          </p:cNvPr>
+          <p:cNvSpPr>
+            <a:spLocks noGrp="1"/>
+          </p:cNvSpPr>
+          <p:nvPr>
+            <p:ph type="title"/>
+          </p:nvPr>
+        </p:nvSpPr>
+        <p:spPr/>
+        <p:txBody>
+          <a:bodyPr/>
+          <a:lstStyle/>
+          <a:p>
+            <a:r>
+              <a:rPr lang="en-US" dirty="0"/>
+              <a:t>CSS</a:t>
+            </a:r>
+          </a:p>
+        </p:txBody>
+      </p:sp>
+      <p:sp>
+        <p:nvSpPr>
+          <p:cNvPr id="3" name="Content Placeholder 2">
+            <a:extLst>
+              <a:ext uri="{FF2B5EF4-FFF2-40B4-BE49-F238E27FC236}">
+                <a16:creationId xmlns:a16="http://schemas.microsoft.com/office/drawing/2014/main" id="{998DAAA8-2E96-4468-A2B0-DB1A0A73F05D}"/>
+              </a:ext>
+            </a:extLst>
+          </p:cNvPr>
+          <p:cNvSpPr>
+            <a:spLocks noGrp="1"/>
+          </p:cNvSpPr>
+          <p:nvPr>
+            <p:ph idx="1"/>
+          </p:nvPr>
+        </p:nvSpPr>
+        <p:spPr>
+          <a:xfrm>
+            <a:off x="838200" y="1825625"/>
+            <a:ext cx="7861183" cy="4667250"/>
+          </a:xfrm>
+        </p:spPr>
+        <p:txBody>
+          <a:bodyPr>
+            <a:normAutofit/>
+          </a:bodyPr>
+          <a:lstStyle/>
+          <a:p>
+            <a:pPr marL="0" indent="0">
+              <a:buNone/>
+            </a:pPr>
+            <a:r>
+              <a:rPr lang="en-US" dirty="0"/>
+              <a:t>Problem: Create a paragraph with blue text and a purple background</a:t>
+            </a:r>
+          </a:p>
+          <a:p>
+            <a:pPr marL="971550" lvl="1" indent="-514350">
+              <a:buFont typeface="+mj-lt"/>
+              <a:buAutoNum type="arabicPeriod"/>
+            </a:pPr>
+            <a:r>
+              <a:rPr lang="en-US" dirty="0"/>
+              <a:t>selector = paragraph &lt;p&gt;</a:t>
+            </a:r>
+          </a:p>
+          <a:p>
+            <a:pPr marL="971550" lvl="1" indent="-514350">
+              <a:buFont typeface="+mj-lt"/>
+              <a:buAutoNum type="arabicPeriod"/>
+            </a:pPr>
+            <a:r>
+              <a:rPr lang="en-US" dirty="0"/>
+              <a:t>properties = background-color, color</a:t>
+            </a:r>
+          </a:p>
+          <a:p>
+            <a:pPr marL="971550" lvl="1" indent="-514350">
+              <a:buFont typeface="+mj-lt"/>
+              <a:buAutoNum type="arabicPeriod"/>
+            </a:pPr>
+            <a:r>
+              <a:rPr lang="en-US" dirty="0"/>
+              <a:t>values = purple, blue</a:t>
+            </a:r>
+          </a:p>
+          <a:p>
+            <a:pPr marL="971550" lvl="1" indent="-514350">
+              <a:buFont typeface="+mj-lt"/>
+              <a:buAutoNum type="arabicPeriod"/>
+            </a:pPr>
+            <a:r>
+              <a:rPr lang="en-US" b="1" dirty="0"/>
+              <a:t>selector{</a:t>
+            </a:r>
+          </a:p>
+          <a:p>
+            <a:pPr marL="457200" lvl="1" indent="0">
+              <a:buNone/>
+            </a:pPr>
+            <a:r>
+              <a:rPr lang="en-US" b="1" dirty="0"/>
+              <a:t>		property1: value1;</a:t>
+            </a:r>
+          </a:p>
+          <a:p>
+            <a:pPr marL="457200" lvl="1" indent="0">
+              <a:buNone/>
+            </a:pPr>
+            <a:r>
+              <a:rPr lang="en-US" b="1" dirty="0"/>
+              <a:t>		property2: value2;</a:t>
+            </a:r>
+          </a:p>
+          <a:p>
+            <a:pPr marL="457200" lvl="1" indent="0">
+              <a:buNone/>
+            </a:pPr>
+            <a:r>
+              <a:rPr lang="en-US" b="1" dirty="0"/>
+              <a:t>		…</a:t>
+            </a:r>
+          </a:p>
+          <a:p>
+            <a:pPr marL="457200" lvl="1" indent="0">
+              <a:buNone/>
+            </a:pPr>
+            <a:r>
+              <a:rPr lang="en-US" b="1" dirty="0"/>
+              <a:t>		</a:t>
+            </a:r>
+            <a:r>
+              <a:rPr lang="en-US" b="1" dirty="0" err="1"/>
+              <a:t>propertyN</a:t>
+            </a:r>
+            <a:r>
+              <a:rPr lang="en-US" b="1" dirty="0"/>
+              <a:t>: </a:t>
+            </a:r>
+            <a:r>
+              <a:rPr lang="en-US" b="1" dirty="0" err="1"/>
+              <a:t>valueN</a:t>
+            </a:r>
+            <a:r>
+              <a:rPr lang="en-US" b="1" dirty="0"/>
+              <a:t>;</a:t>
+            </a:r>
+          </a:p>
+          <a:p>
+            <a:pPr marL="457200" lvl="1" indent="0">
+              <a:buNone/>
+            </a:pPr>
+            <a:r>
+              <a:rPr lang="en-US" b="1" dirty="0"/>
+              <a:t>	}</a:t>
+            </a:r>
+          </a:p>
+          <a:p>
+            <a:pPr marL="971550" lvl="1" indent="-514350">
+              <a:buFont typeface="+mj-lt"/>
+              <a:buAutoNum type="arabicPeriod"/>
+            </a:pPr>
+            <a:endParaRPr lang="en-US" dirty="0"/>
+          </a:p>
+          <a:p>
+            <a:pPr marL="971550" lvl="1" indent="-514350">
+              <a:buFont typeface="+mj-lt"/>
+              <a:buAutoNum type="arabicPeriod"/>
+            </a:pPr>
+            <a:endParaRPr lang="en-US" dirty="0"/>
+          </a:p>
+        </p:txBody>
+      </p:sp>
+      <p:sp>
+        <p:nvSpPr>
+          <p:cNvPr id="5" name="Content Placeholder 2">
+            <a:extLst>
+              <a:ext uri="{FF2B5EF4-FFF2-40B4-BE49-F238E27FC236}">
+                <a16:creationId xmlns:a16="http://schemas.microsoft.com/office/drawing/2014/main" id="{3355947B-A90E-4A5F-90CA-BCF4A5E54D51}"/>
+              </a:ext>
+            </a:extLst>
+          </p:cNvPr>
+          <p:cNvSpPr txBox="1">
+            <a:spLocks/>
+          </p:cNvSpPr>
+          <p:nvPr/>
+        </p:nvSpPr>
+        <p:spPr>
+          <a:xfrm>
+            <a:off x="8557470" y="396903"/>
+            <a:ext cx="3245840" cy="5710281"/>
+          </a:xfrm>
+          <a:prstGeom prst="rect">
+            <a:avLst/>
+          </a:prstGeom>
+        </p:spPr>
+        <p:txBody>
+          <a:bodyPr vert="horz" lIns="91440" tIns="45720" rIns="91440" bIns="45720" rtlCol="0">
+            <a:normAutofit fontScale="92500"/>
+          </a:bodyPr>
+          <a:lstStyle>
+            <a:lvl1pPr marL="228600" indent="-228600" algn="l" defTabSz="914400" rtl="0" eaLnBrk="1" latinLnBrk="0" hangingPunct="1">
+              <a:lnSpc>
+                <a:spcPct val="90000"/>
+              </a:lnSpc>
+              <a:spcBef>
+                <a:spcPts val="1000"/>
+              </a:spcBef>
+              <a:buFont typeface="Arial" panose="020B0604020202020204" pitchFamily="34" charset="0"/>
+              <a:buChar char="•"/>
+              <a:defRPr sz="2800" kern="1200">
+                <a:solidFill>
+                  <a:schemeClr val="tx1"/>
+                </a:solidFill>
+                <a:latin typeface="+mn-lt"/>
+                <a:ea typeface="+mn-ea"/>
+                <a:cs typeface="+mn-cs"/>
+              </a:defRPr>
+            </a:lvl1pPr>
+            <a:lvl2pPr marL="685800" indent="-228600" algn="l" defTabSz="914400" rtl="0" eaLnBrk="1" latinLnBrk="0" hangingPunct="1">
+              <a:lnSpc>
+                <a:spcPct val="90000"/>
+              </a:lnSpc>
+              <a:spcBef>
+                <a:spcPts val="500"/>
+              </a:spcBef>
+              <a:buFont typeface="Arial" panose="020B0604020202020204" pitchFamily="34" charset="0"/>
+              <a:buChar char="•"/>
+              <a:defRPr sz="2400" kern="1200">
+                <a:solidFill>
+                  <a:schemeClr val="tx1"/>
+                </a:solidFill>
+                <a:latin typeface="+mn-lt"/>
+                <a:ea typeface="+mn-ea"/>
+                <a:cs typeface="+mn-cs"/>
+              </a:defRPr>
+            </a:lvl2pPr>
+            <a:lvl3pPr marL="1143000" indent="-228600" algn="l" defTabSz="914400" rtl="0" eaLnBrk="1" latinLnBrk="0" hangingPunct="1">
+              <a:lnSpc>
+                <a:spcPct val="90000"/>
+              </a:lnSpc>
+              <a:spcBef>
+                <a:spcPts val="500"/>
+              </a:spcBef>
+              <a:buFont typeface="Arial" panose="020B0604020202020204" pitchFamily="34" charset="0"/>
+              <a:buChar char="•"/>
+              <a:defRPr sz="2000" kern="1200">
+                <a:solidFill>
+                  <a:schemeClr val="tx1"/>
+                </a:solidFill>
+                <a:latin typeface="+mn-lt"/>
+                <a:ea typeface="+mn-ea"/>
+                <a:cs typeface="+mn-cs"/>
+              </a:defRPr>
+            </a:lvl3pPr>
+            <a:lvl4pPr marL="1600200" indent="-228600" algn="l" defTabSz="914400" rtl="0" eaLnBrk="1" latinLnBrk="0" hangingPunct="1">
+              <a:lnSpc>
+                <a:spcPct val="90000"/>
+              </a:lnSpc>
+              <a:spcBef>
+                <a:spcPts val="500"/>
+              </a:spcBef>
+              <a:buFont typeface="Arial" panose="020B0604020202020204" pitchFamily="34" charset="0"/>
+              <a:buChar char="•"/>
+              <a:defRPr sz="1800" kern="1200">
+                <a:solidFill>
+                  <a:schemeClr val="tx1"/>
+                </a:solidFill>
+                <a:latin typeface="+mn-lt"/>
+                <a:ea typeface="+mn-ea"/>
+                <a:cs typeface="+mn-cs"/>
+              </a:defRPr>
+            </a:lvl4pPr>
+            <a:lvl5pPr marL="2057400" indent="-228600" algn="l" defTabSz="914400" rtl="0" eaLnBrk="1" latinLnBrk="0" hangingPunct="1">
+              <a:lnSpc>
+                <a:spcPct val="90000"/>
+              </a:lnSpc>
+              <a:spcBef>
+                <a:spcPts val="500"/>
+              </a:spcBef>
+              <a:buFont typeface="Arial" panose="020B0604020202020204" pitchFamily="34" charset="0"/>
+              <a:buChar char="•"/>
+              <a:defRPr sz="1800" kern="1200">
+                <a:solidFill>
+                  <a:schemeClr val="tx1"/>
+                </a:solidFill>
+                <a:latin typeface="+mn-lt"/>
+                <a:ea typeface="+mn-ea"/>
+                <a:cs typeface="+mn-cs"/>
+              </a:defRPr>
+            </a:lvl5pPr>
+            <a:lvl6pPr marL="2514600" indent="-228600" algn="l" defTabSz="914400" rtl="0" eaLnBrk="1" latinLnBrk="0" hangingPunct="1">
+              <a:lnSpc>
+                <a:spcPct val="90000"/>
+              </a:lnSpc>
+              <a:spcBef>
+                <a:spcPts val="500"/>
+              </a:spcBef>
+              <a:buFont typeface="Arial" panose="020B0604020202020204" pitchFamily="34" charset="0"/>
+              <a:buChar char="•"/>
+              <a:defRPr sz="1800" kern="1200">
+                <a:solidFill>
+                  <a:schemeClr val="tx1"/>
+                </a:solidFill>
+                <a:latin typeface="+mn-lt"/>
+                <a:ea typeface="+mn-ea"/>
+                <a:cs typeface="+mn-cs"/>
+              </a:defRPr>
+            </a:lvl6pPr>
+            <a:lvl7pPr marL="2971800" indent="-228600" algn="l" defTabSz="914400" rtl="0" eaLnBrk="1" latinLnBrk="0" hangingPunct="1">
+              <a:lnSpc>
+                <a:spcPct val="90000"/>
+              </a:lnSpc>
+              <a:spcBef>
+                <a:spcPts val="500"/>
+              </a:spcBef>
+              <a:buFont typeface="Arial" panose="020B0604020202020204" pitchFamily="34" charset="0"/>
+              <a:buChar char="•"/>
+              <a:defRPr sz="1800" kern="1200">
+                <a:solidFill>
+                  <a:schemeClr val="tx1"/>
+                </a:solidFill>
+                <a:latin typeface="+mn-lt"/>
+                <a:ea typeface="+mn-ea"/>
+                <a:cs typeface="+mn-cs"/>
+              </a:defRPr>
+            </a:lvl7pPr>
+            <a:lvl8pPr marL="3429000" indent="-228600" algn="l" defTabSz="914400" rtl="0" eaLnBrk="1" latinLnBrk="0" hangingPunct="1">
+              <a:lnSpc>
+                <a:spcPct val="90000"/>
+              </a:lnSpc>
+              <a:spcBef>
+                <a:spcPts val="500"/>
+              </a:spcBef>
+              <a:buFont typeface="Arial" panose="020B0604020202020204" pitchFamily="34" charset="0"/>
+              <a:buChar char="•"/>
+              <a:defRPr sz="1800" kern="1200">
+                <a:solidFill>
+                  <a:schemeClr val="tx1"/>
+                </a:solidFill>
+                <a:latin typeface="+mn-lt"/>
+                <a:ea typeface="+mn-ea"/>
+                <a:cs typeface="+mn-cs"/>
+              </a:defRPr>
+            </a:lvl8pPr>
+            <a:lvl9pPr marL="3886200" indent="-228600" algn="l" defTabSz="914400" rtl="0" eaLnBrk="1" latinLnBrk="0" hangingPunct="1">
+              <a:lnSpc>
+                <a:spcPct val="90000"/>
+              </a:lnSpc>
+              <a:spcBef>
+                <a:spcPts val="500"/>
+              </a:spcBef>
+              <a:buFont typeface="Arial" panose="020B0604020202020204" pitchFamily="34" charset="0"/>
+              <a:buChar char="•"/>
+              <a:defRPr sz="1800" kern="1200">
+                <a:solidFill>
+                  <a:schemeClr val="tx1"/>
+                </a:solidFill>
+                <a:latin typeface="+mn-lt"/>
+                <a:ea typeface="+mn-ea"/>
+                <a:cs typeface="+mn-cs"/>
+              </a:defRPr>
+            </a:lvl9pPr>
+          </a:lstStyle>
+          <a:p>
+            <a:pPr marL="0" indent="0">
+              <a:buFont typeface="Arial" panose="020B0604020202020204" pitchFamily="34" charset="0"/>
+              <a:buNone/>
+            </a:pPr>
+            <a:r>
+              <a:rPr lang="en-US" dirty="0"/>
+              <a:t>Algorithm to create CSS:</a:t>
+            </a:r>
+          </a:p>
+          <a:p>
+            <a:pPr marL="971550" lvl="1" indent="-514350">
+              <a:buFont typeface="+mj-lt"/>
+              <a:buAutoNum type="arabicPeriod"/>
+            </a:pPr>
+            <a:r>
+              <a:rPr lang="en-US" dirty="0"/>
+              <a:t>Determine what selectors are impacted</a:t>
+            </a:r>
+          </a:p>
+          <a:p>
+            <a:pPr marL="971550" lvl="1" indent="-514350">
+              <a:buFont typeface="+mj-lt"/>
+              <a:buAutoNum type="arabicPeriod"/>
+            </a:pPr>
+            <a:r>
+              <a:rPr lang="en-US" dirty="0"/>
+              <a:t>Determine what properties for the selectors in Step 1 need stylized</a:t>
+            </a:r>
+          </a:p>
+          <a:p>
+            <a:pPr marL="971550" lvl="1" indent="-514350">
+              <a:buFont typeface="+mj-lt"/>
+              <a:buAutoNum type="arabicPeriod"/>
+            </a:pPr>
+            <a:r>
+              <a:rPr lang="en-US" dirty="0"/>
+              <a:t>Determine what values the properties found in Step 2 need to be assigned</a:t>
+            </a:r>
+          </a:p>
+          <a:p>
+            <a:pPr marL="971550" lvl="1" indent="-514350">
+              <a:buFont typeface="+mj-lt"/>
+              <a:buAutoNum type="arabicPeriod"/>
+            </a:pPr>
+            <a:r>
+              <a:rPr lang="en-US" b="1" dirty="0"/>
+              <a:t>Construct the CSS using the abstract CSS structure</a:t>
+            </a:r>
+          </a:p>
+          <a:p>
+            <a:pPr marL="971550" lvl="1" indent="-514350">
+              <a:buFont typeface="+mj-lt"/>
+              <a:buAutoNum type="arabicPeriod"/>
+            </a:pPr>
+            <a:endParaRPr lang="en-US" dirty="0"/>
+          </a:p>
+        </p:txBody>
+      </p:sp>
+    </p:spTree>
+    <p:extLst>
+      <p:ext uri="{BB962C8B-B14F-4D97-AF65-F5344CB8AC3E}">
+        <p14:creationId xmlns:p14="http://schemas.microsoft.com/office/powerpoint/2010/main" val="1616606218"/>
+      </p:ext>
+    </p:extLst>
+  </p:cSld>
+  <p:clrMapOvr>
+    <a:masterClrMapping/>
+  </p:clrMapOvr>
+</p:sld>
+</file>
+
+<file path=ppt/slides/slide36.xml><?xml version="1.0" encoding="utf-8"?>
+<p:sld xmlns:a="http://schemas.openxmlformats.org/drawingml/2006/main" xmlns:r="http://schemas.openxmlformats.org/officeDocument/2006/relationships" xmlns:p="http://schemas.openxmlformats.org/presentationml/2006/main">
+  <p:cSld>
+    <p:spTree>
+      <p:nvGrpSpPr>
+        <p:cNvPr id="1" name=""/>
+        <p:cNvGrpSpPr/>
+        <p:nvPr/>
+      </p:nvGrpSpPr>
+      <p:grpSpPr>
+        <a:xfrm>
+          <a:off x="0" y="0"/>
+          <a:ext cx="0" cy="0"/>
+          <a:chOff x="0" y="0"/>
+          <a:chExt cx="0" cy="0"/>
+        </a:xfrm>
+      </p:grpSpPr>
+      <p:sp>
+        <p:nvSpPr>
+          <p:cNvPr id="2" name="Title 1">
+            <a:extLst>
+              <a:ext uri="{FF2B5EF4-FFF2-40B4-BE49-F238E27FC236}">
+                <a16:creationId xmlns:a16="http://schemas.microsoft.com/office/drawing/2014/main" id="{CD700101-9518-482B-836B-9BF507CF18B5}"/>
+              </a:ext>
+            </a:extLst>
+          </p:cNvPr>
+          <p:cNvSpPr>
+            <a:spLocks noGrp="1"/>
+          </p:cNvSpPr>
+          <p:nvPr>
+            <p:ph type="title"/>
+          </p:nvPr>
+        </p:nvSpPr>
+        <p:spPr/>
+        <p:txBody>
+          <a:bodyPr/>
+          <a:lstStyle/>
+          <a:p>
+            <a:r>
+              <a:rPr lang="en-US" dirty="0"/>
+              <a:t>CSS</a:t>
+            </a:r>
+          </a:p>
+        </p:txBody>
+      </p:sp>
+      <p:sp>
+        <p:nvSpPr>
+          <p:cNvPr id="3" name="Content Placeholder 2">
+            <a:extLst>
+              <a:ext uri="{FF2B5EF4-FFF2-40B4-BE49-F238E27FC236}">
+                <a16:creationId xmlns:a16="http://schemas.microsoft.com/office/drawing/2014/main" id="{998DAAA8-2E96-4468-A2B0-DB1A0A73F05D}"/>
+              </a:ext>
+            </a:extLst>
+          </p:cNvPr>
+          <p:cNvSpPr>
+            <a:spLocks noGrp="1"/>
+          </p:cNvSpPr>
+          <p:nvPr>
+            <p:ph idx="1"/>
+          </p:nvPr>
+        </p:nvSpPr>
+        <p:spPr>
+          <a:xfrm>
+            <a:off x="838200" y="1825625"/>
+            <a:ext cx="7861183" cy="4667250"/>
+          </a:xfrm>
+        </p:spPr>
+        <p:txBody>
+          <a:bodyPr>
+            <a:normAutofit/>
+          </a:bodyPr>
+          <a:lstStyle/>
+          <a:p>
+            <a:pPr marL="0" indent="0">
+              <a:buNone/>
+            </a:pPr>
+            <a:r>
+              <a:rPr lang="en-US" dirty="0"/>
+              <a:t>Problem: Create a paragraph with blue text and a purple background</a:t>
+            </a:r>
+          </a:p>
+          <a:p>
+            <a:pPr marL="971550" lvl="1" indent="-514350">
+              <a:buFont typeface="+mj-lt"/>
+              <a:buAutoNum type="arabicPeriod"/>
+            </a:pPr>
+            <a:r>
+              <a:rPr lang="en-US" dirty="0"/>
+              <a:t>selector = paragraph &lt;p&gt;</a:t>
+            </a:r>
+          </a:p>
+          <a:p>
+            <a:pPr marL="971550" lvl="1" indent="-514350">
+              <a:buFont typeface="+mj-lt"/>
+              <a:buAutoNum type="arabicPeriod"/>
+            </a:pPr>
+            <a:r>
+              <a:rPr lang="en-US" dirty="0"/>
+              <a:t>properties = background-color, color</a:t>
+            </a:r>
+          </a:p>
+          <a:p>
+            <a:pPr marL="971550" lvl="1" indent="-514350">
+              <a:buFont typeface="+mj-lt"/>
+              <a:buAutoNum type="arabicPeriod"/>
+            </a:pPr>
+            <a:r>
+              <a:rPr lang="en-US" dirty="0"/>
+              <a:t>values = purple, blue</a:t>
+            </a:r>
+          </a:p>
+          <a:p>
+            <a:pPr marL="971550" lvl="1" indent="-514350">
+              <a:buFont typeface="+mj-lt"/>
+              <a:buAutoNum type="arabicPeriod"/>
+            </a:pPr>
+            <a:r>
+              <a:rPr lang="en-US" b="1" dirty="0"/>
+              <a:t>p {</a:t>
+            </a:r>
+          </a:p>
+          <a:p>
+            <a:pPr marL="457200" lvl="1" indent="0">
+              <a:buNone/>
+            </a:pPr>
+            <a:r>
+              <a:rPr lang="en-US" b="1" dirty="0"/>
+              <a:t>		background-color: purple;</a:t>
+            </a:r>
+          </a:p>
+          <a:p>
+            <a:pPr marL="457200" lvl="1" indent="0">
+              <a:buNone/>
+            </a:pPr>
+            <a:r>
+              <a:rPr lang="en-US" b="1" dirty="0"/>
+              <a:t>		color: blue;</a:t>
+            </a:r>
+          </a:p>
+          <a:p>
+            <a:pPr marL="457200" lvl="1" indent="0">
+              <a:buNone/>
+            </a:pPr>
+            <a:r>
+              <a:rPr lang="en-US" b="1" dirty="0"/>
+              <a:t>	}</a:t>
+            </a:r>
+          </a:p>
+          <a:p>
+            <a:pPr marL="971550" lvl="1" indent="-514350">
+              <a:buFont typeface="+mj-lt"/>
+              <a:buAutoNum type="arabicPeriod"/>
+            </a:pPr>
+            <a:endParaRPr lang="en-US" dirty="0"/>
+          </a:p>
+          <a:p>
+            <a:pPr marL="971550" lvl="1" indent="-514350">
+              <a:buFont typeface="+mj-lt"/>
+              <a:buAutoNum type="arabicPeriod"/>
+            </a:pPr>
+            <a:endParaRPr lang="en-US" dirty="0"/>
+          </a:p>
+        </p:txBody>
+      </p:sp>
+      <p:sp>
+        <p:nvSpPr>
+          <p:cNvPr id="5" name="Content Placeholder 2">
+            <a:extLst>
+              <a:ext uri="{FF2B5EF4-FFF2-40B4-BE49-F238E27FC236}">
+                <a16:creationId xmlns:a16="http://schemas.microsoft.com/office/drawing/2014/main" id="{3355947B-A90E-4A5F-90CA-BCF4A5E54D51}"/>
+              </a:ext>
+            </a:extLst>
+          </p:cNvPr>
+          <p:cNvSpPr txBox="1">
+            <a:spLocks/>
+          </p:cNvSpPr>
+          <p:nvPr/>
+        </p:nvSpPr>
+        <p:spPr>
+          <a:xfrm>
+            <a:off x="8557470" y="396903"/>
+            <a:ext cx="3245840" cy="5710281"/>
+          </a:xfrm>
+          <a:prstGeom prst="rect">
+            <a:avLst/>
+          </a:prstGeom>
+        </p:spPr>
+        <p:txBody>
+          <a:bodyPr vert="horz" lIns="91440" tIns="45720" rIns="91440" bIns="45720" rtlCol="0">
+            <a:normAutofit fontScale="92500"/>
+          </a:bodyPr>
+          <a:lstStyle>
+            <a:lvl1pPr marL="228600" indent="-228600" algn="l" defTabSz="914400" rtl="0" eaLnBrk="1" latinLnBrk="0" hangingPunct="1">
+              <a:lnSpc>
+                <a:spcPct val="90000"/>
+              </a:lnSpc>
+              <a:spcBef>
+                <a:spcPts val="1000"/>
+              </a:spcBef>
+              <a:buFont typeface="Arial" panose="020B0604020202020204" pitchFamily="34" charset="0"/>
+              <a:buChar char="•"/>
+              <a:defRPr sz="2800" kern="1200">
+                <a:solidFill>
+                  <a:schemeClr val="tx1"/>
+                </a:solidFill>
+                <a:latin typeface="+mn-lt"/>
+                <a:ea typeface="+mn-ea"/>
+                <a:cs typeface="+mn-cs"/>
+              </a:defRPr>
+            </a:lvl1pPr>
+            <a:lvl2pPr marL="685800" indent="-228600" algn="l" defTabSz="914400" rtl="0" eaLnBrk="1" latinLnBrk="0" hangingPunct="1">
+              <a:lnSpc>
+                <a:spcPct val="90000"/>
+              </a:lnSpc>
+              <a:spcBef>
+                <a:spcPts val="500"/>
+              </a:spcBef>
+              <a:buFont typeface="Arial" panose="020B0604020202020204" pitchFamily="34" charset="0"/>
+              <a:buChar char="•"/>
+              <a:defRPr sz="2400" kern="1200">
+                <a:solidFill>
+                  <a:schemeClr val="tx1"/>
+                </a:solidFill>
+                <a:latin typeface="+mn-lt"/>
+                <a:ea typeface="+mn-ea"/>
+                <a:cs typeface="+mn-cs"/>
+              </a:defRPr>
+            </a:lvl2pPr>
+            <a:lvl3pPr marL="1143000" indent="-228600" algn="l" defTabSz="914400" rtl="0" eaLnBrk="1" latinLnBrk="0" hangingPunct="1">
+              <a:lnSpc>
+                <a:spcPct val="90000"/>
+              </a:lnSpc>
+              <a:spcBef>
+                <a:spcPts val="500"/>
+              </a:spcBef>
+              <a:buFont typeface="Arial" panose="020B0604020202020204" pitchFamily="34" charset="0"/>
+              <a:buChar char="•"/>
+              <a:defRPr sz="2000" kern="1200">
+                <a:solidFill>
+                  <a:schemeClr val="tx1"/>
+                </a:solidFill>
+                <a:latin typeface="+mn-lt"/>
+                <a:ea typeface="+mn-ea"/>
+                <a:cs typeface="+mn-cs"/>
+              </a:defRPr>
+            </a:lvl3pPr>
+            <a:lvl4pPr marL="1600200" indent="-228600" algn="l" defTabSz="914400" rtl="0" eaLnBrk="1" latinLnBrk="0" hangingPunct="1">
+              <a:lnSpc>
+                <a:spcPct val="90000"/>
+              </a:lnSpc>
+              <a:spcBef>
+                <a:spcPts val="500"/>
+              </a:spcBef>
+              <a:buFont typeface="Arial" panose="020B0604020202020204" pitchFamily="34" charset="0"/>
+              <a:buChar char="•"/>
+              <a:defRPr sz="1800" kern="1200">
+                <a:solidFill>
+                  <a:schemeClr val="tx1"/>
+                </a:solidFill>
+                <a:latin typeface="+mn-lt"/>
+                <a:ea typeface="+mn-ea"/>
+                <a:cs typeface="+mn-cs"/>
+              </a:defRPr>
+            </a:lvl4pPr>
+            <a:lvl5pPr marL="2057400" indent="-228600" algn="l" defTabSz="914400" rtl="0" eaLnBrk="1" latinLnBrk="0" hangingPunct="1">
+              <a:lnSpc>
+                <a:spcPct val="90000"/>
+              </a:lnSpc>
+              <a:spcBef>
+                <a:spcPts val="500"/>
+              </a:spcBef>
+              <a:buFont typeface="Arial" panose="020B0604020202020204" pitchFamily="34" charset="0"/>
+              <a:buChar char="•"/>
+              <a:defRPr sz="1800" kern="1200">
+                <a:solidFill>
+                  <a:schemeClr val="tx1"/>
+                </a:solidFill>
+                <a:latin typeface="+mn-lt"/>
+                <a:ea typeface="+mn-ea"/>
+                <a:cs typeface="+mn-cs"/>
+              </a:defRPr>
+            </a:lvl5pPr>
+            <a:lvl6pPr marL="2514600" indent="-228600" algn="l" defTabSz="914400" rtl="0" eaLnBrk="1" latinLnBrk="0" hangingPunct="1">
+              <a:lnSpc>
+                <a:spcPct val="90000"/>
+              </a:lnSpc>
+              <a:spcBef>
+                <a:spcPts val="500"/>
+              </a:spcBef>
+              <a:buFont typeface="Arial" panose="020B0604020202020204" pitchFamily="34" charset="0"/>
+              <a:buChar char="•"/>
+              <a:defRPr sz="1800" kern="1200">
+                <a:solidFill>
+                  <a:schemeClr val="tx1"/>
+                </a:solidFill>
+                <a:latin typeface="+mn-lt"/>
+                <a:ea typeface="+mn-ea"/>
+                <a:cs typeface="+mn-cs"/>
+              </a:defRPr>
+            </a:lvl6pPr>
+            <a:lvl7pPr marL="2971800" indent="-228600" algn="l" defTabSz="914400" rtl="0" eaLnBrk="1" latinLnBrk="0" hangingPunct="1">
+              <a:lnSpc>
+                <a:spcPct val="90000"/>
+              </a:lnSpc>
+              <a:spcBef>
+                <a:spcPts val="500"/>
+              </a:spcBef>
+              <a:buFont typeface="Arial" panose="020B0604020202020204" pitchFamily="34" charset="0"/>
+              <a:buChar char="•"/>
+              <a:defRPr sz="1800" kern="1200">
+                <a:solidFill>
+                  <a:schemeClr val="tx1"/>
+                </a:solidFill>
+                <a:latin typeface="+mn-lt"/>
+                <a:ea typeface="+mn-ea"/>
+                <a:cs typeface="+mn-cs"/>
+              </a:defRPr>
+            </a:lvl7pPr>
+            <a:lvl8pPr marL="3429000" indent="-228600" algn="l" defTabSz="914400" rtl="0" eaLnBrk="1" latinLnBrk="0" hangingPunct="1">
+              <a:lnSpc>
+                <a:spcPct val="90000"/>
+              </a:lnSpc>
+              <a:spcBef>
+                <a:spcPts val="500"/>
+              </a:spcBef>
+              <a:buFont typeface="Arial" panose="020B0604020202020204" pitchFamily="34" charset="0"/>
+              <a:buChar char="•"/>
+              <a:defRPr sz="1800" kern="1200">
+                <a:solidFill>
+                  <a:schemeClr val="tx1"/>
+                </a:solidFill>
+                <a:latin typeface="+mn-lt"/>
+                <a:ea typeface="+mn-ea"/>
+                <a:cs typeface="+mn-cs"/>
+              </a:defRPr>
+            </a:lvl8pPr>
+            <a:lvl9pPr marL="3886200" indent="-228600" algn="l" defTabSz="914400" rtl="0" eaLnBrk="1" latinLnBrk="0" hangingPunct="1">
+              <a:lnSpc>
+                <a:spcPct val="90000"/>
+              </a:lnSpc>
+              <a:spcBef>
+                <a:spcPts val="500"/>
+              </a:spcBef>
+              <a:buFont typeface="Arial" panose="020B0604020202020204" pitchFamily="34" charset="0"/>
+              <a:buChar char="•"/>
+              <a:defRPr sz="1800" kern="1200">
+                <a:solidFill>
+                  <a:schemeClr val="tx1"/>
+                </a:solidFill>
+                <a:latin typeface="+mn-lt"/>
+                <a:ea typeface="+mn-ea"/>
+                <a:cs typeface="+mn-cs"/>
+              </a:defRPr>
+            </a:lvl9pPr>
+          </a:lstStyle>
+          <a:p>
+            <a:pPr marL="0" indent="0">
+              <a:buFont typeface="Arial" panose="020B0604020202020204" pitchFamily="34" charset="0"/>
+              <a:buNone/>
+            </a:pPr>
+            <a:r>
+              <a:rPr lang="en-US" dirty="0"/>
+              <a:t>Algorithm to create CSS:</a:t>
+            </a:r>
+          </a:p>
+          <a:p>
+            <a:pPr marL="971550" lvl="1" indent="-514350">
+              <a:buFont typeface="+mj-lt"/>
+              <a:buAutoNum type="arabicPeriod"/>
+            </a:pPr>
+            <a:r>
+              <a:rPr lang="en-US" dirty="0"/>
+              <a:t>Determine what selectors are impacted</a:t>
+            </a:r>
+          </a:p>
+          <a:p>
+            <a:pPr marL="971550" lvl="1" indent="-514350">
+              <a:buFont typeface="+mj-lt"/>
+              <a:buAutoNum type="arabicPeriod"/>
+            </a:pPr>
+            <a:r>
+              <a:rPr lang="en-US" dirty="0"/>
+              <a:t>Determine what properties for the selectors in Step 1 need stylized</a:t>
+            </a:r>
+          </a:p>
+          <a:p>
+            <a:pPr marL="971550" lvl="1" indent="-514350">
+              <a:buFont typeface="+mj-lt"/>
+              <a:buAutoNum type="arabicPeriod"/>
+            </a:pPr>
+            <a:r>
+              <a:rPr lang="en-US" dirty="0"/>
+              <a:t>Determine what values the properties found in Step 2 need to be assigned</a:t>
+            </a:r>
+          </a:p>
+          <a:p>
+            <a:pPr marL="971550" lvl="1" indent="-514350">
+              <a:buFont typeface="+mj-lt"/>
+              <a:buAutoNum type="arabicPeriod"/>
+            </a:pPr>
+            <a:r>
+              <a:rPr lang="en-US" b="1" dirty="0"/>
+              <a:t>Construct the CSS using the abstract CSS structure</a:t>
+            </a:r>
+          </a:p>
+          <a:p>
+            <a:pPr marL="971550" lvl="1" indent="-514350">
+              <a:buFont typeface="+mj-lt"/>
+              <a:buAutoNum type="arabicPeriod"/>
+            </a:pPr>
+            <a:endParaRPr lang="en-US" dirty="0"/>
+          </a:p>
+        </p:txBody>
+      </p:sp>
+    </p:spTree>
+    <p:extLst>
+      <p:ext uri="{BB962C8B-B14F-4D97-AF65-F5344CB8AC3E}">
+        <p14:creationId xmlns:p14="http://schemas.microsoft.com/office/powerpoint/2010/main" val="701515568"/>
+      </p:ext>
+    </p:extLst>
+  </p:cSld>
+  <p:clrMapOvr>
+    <a:masterClrMapping/>
+  </p:clrMapOvr>
+</p:sld>
+</file>
+
+<file path=ppt/slides/slide37.xml><?xml version="1.0" encoding="utf-8"?>
+<p:sld xmlns:a="http://schemas.openxmlformats.org/drawingml/2006/main" xmlns:r="http://schemas.openxmlformats.org/officeDocument/2006/relationships" xmlns:p="http://schemas.openxmlformats.org/presentationml/2006/main">
+  <p:cSld>
+    <p:spTree>
+      <p:nvGrpSpPr>
+        <p:cNvPr id="1" name=""/>
+        <p:cNvGrpSpPr/>
+        <p:nvPr/>
+      </p:nvGrpSpPr>
+      <p:grpSpPr>
+        <a:xfrm>
+          <a:off x="0" y="0"/>
+          <a:ext cx="0" cy="0"/>
+          <a:chOff x="0" y="0"/>
+          <a:chExt cx="0" cy="0"/>
+        </a:xfrm>
+      </p:grpSpPr>
+      <p:sp>
+        <p:nvSpPr>
+          <p:cNvPr id="2" name="Title 1">
+            <a:extLst>
+              <a:ext uri="{FF2B5EF4-FFF2-40B4-BE49-F238E27FC236}">
+                <a16:creationId xmlns:a16="http://schemas.microsoft.com/office/drawing/2014/main" id="{CD700101-9518-482B-836B-9BF507CF18B5}"/>
+              </a:ext>
+            </a:extLst>
+          </p:cNvPr>
+          <p:cNvSpPr>
+            <a:spLocks noGrp="1"/>
+          </p:cNvSpPr>
+          <p:nvPr>
+            <p:ph type="title"/>
+          </p:nvPr>
+        </p:nvSpPr>
+        <p:spPr/>
+        <p:txBody>
+          <a:bodyPr/>
+          <a:lstStyle/>
+          <a:p>
+            <a:r>
+              <a:rPr lang="en-US" dirty="0"/>
+              <a:t>CSS</a:t>
+            </a:r>
+          </a:p>
+        </p:txBody>
+      </p:sp>
+      <p:sp>
+        <p:nvSpPr>
+          <p:cNvPr id="3" name="Content Placeholder 2">
+            <a:extLst>
+              <a:ext uri="{FF2B5EF4-FFF2-40B4-BE49-F238E27FC236}">
+                <a16:creationId xmlns:a16="http://schemas.microsoft.com/office/drawing/2014/main" id="{998DAAA8-2E96-4468-A2B0-DB1A0A73F05D}"/>
+              </a:ext>
+            </a:extLst>
+          </p:cNvPr>
+          <p:cNvSpPr>
+            <a:spLocks noGrp="1"/>
+          </p:cNvSpPr>
+          <p:nvPr>
+            <p:ph idx="1"/>
+          </p:nvPr>
+        </p:nvSpPr>
+        <p:spPr>
+          <a:xfrm>
+            <a:off x="838200" y="1825625"/>
+            <a:ext cx="7861183" cy="4667250"/>
+          </a:xfrm>
+        </p:spPr>
+        <p:txBody>
+          <a:bodyPr>
+            <a:normAutofit lnSpcReduction="10000"/>
+          </a:bodyPr>
+          <a:lstStyle/>
+          <a:p>
+            <a:pPr marL="0" indent="0">
+              <a:buNone/>
+            </a:pPr>
+            <a:r>
+              <a:rPr lang="en-US" dirty="0"/>
+              <a:t>Problem: Create a paragraph with blue text and a purple background</a:t>
+            </a:r>
+          </a:p>
+          <a:p>
+            <a:pPr marL="971550" lvl="1" indent="-514350">
+              <a:buFont typeface="+mj-lt"/>
+              <a:buAutoNum type="arabicPeriod"/>
+            </a:pPr>
+            <a:r>
+              <a:rPr lang="en-US" dirty="0"/>
+              <a:t>selector = paragraph &lt;p&gt;</a:t>
+            </a:r>
+          </a:p>
+          <a:p>
+            <a:pPr marL="971550" lvl="1" indent="-514350">
+              <a:buFont typeface="+mj-lt"/>
+              <a:buAutoNum type="arabicPeriod"/>
+            </a:pPr>
+            <a:r>
+              <a:rPr lang="en-US" dirty="0"/>
+              <a:t>properties = background-color, color</a:t>
+            </a:r>
+          </a:p>
+          <a:p>
+            <a:pPr marL="971550" lvl="1" indent="-514350">
+              <a:buFont typeface="+mj-lt"/>
+              <a:buAutoNum type="arabicPeriod"/>
+            </a:pPr>
+            <a:r>
+              <a:rPr lang="en-US" dirty="0"/>
+              <a:t>values = purple, blue</a:t>
+            </a:r>
+          </a:p>
+          <a:p>
+            <a:pPr marL="971550" lvl="1" indent="-514350">
+              <a:buFont typeface="+mj-lt"/>
+              <a:buAutoNum type="arabicPeriod"/>
+            </a:pPr>
+            <a:r>
+              <a:rPr lang="en-US" dirty="0"/>
+              <a:t>p {</a:t>
+            </a:r>
+          </a:p>
+          <a:p>
+            <a:pPr marL="457200" lvl="1" indent="0">
+              <a:buNone/>
+            </a:pPr>
+            <a:r>
+              <a:rPr lang="en-US" dirty="0"/>
+              <a:t>		background-color: purple;</a:t>
+            </a:r>
+          </a:p>
+          <a:p>
+            <a:pPr marL="457200" lvl="1" indent="0">
+              <a:buNone/>
+            </a:pPr>
+            <a:r>
+              <a:rPr lang="en-US" dirty="0"/>
+              <a:t>		color: blue;</a:t>
+            </a:r>
+          </a:p>
+          <a:p>
+            <a:pPr marL="457200" lvl="1" indent="0">
+              <a:buNone/>
+            </a:pPr>
+            <a:r>
+              <a:rPr lang="en-US" dirty="0"/>
+              <a:t>	}</a:t>
+            </a:r>
+          </a:p>
+          <a:p>
+            <a:pPr marL="457200" lvl="1" indent="0">
+              <a:buNone/>
+            </a:pPr>
+            <a:endParaRPr lang="en-US" dirty="0"/>
+          </a:p>
+          <a:p>
+            <a:pPr marL="457200" lvl="1" indent="0">
+              <a:buNone/>
+            </a:pPr>
+            <a:r>
+              <a:rPr lang="en-US" dirty="0"/>
+              <a:t>The above is the CSS to stylize paragraphs to have blue text and a purple background</a:t>
+            </a:r>
+          </a:p>
+          <a:p>
+            <a:pPr marL="971550" lvl="1" indent="-514350">
+              <a:buFont typeface="+mj-lt"/>
+              <a:buAutoNum type="arabicPeriod"/>
+            </a:pPr>
+            <a:endParaRPr lang="en-US" dirty="0"/>
+          </a:p>
+        </p:txBody>
+      </p:sp>
+      <p:sp>
+        <p:nvSpPr>
+          <p:cNvPr id="5" name="Content Placeholder 2">
+            <a:extLst>
+              <a:ext uri="{FF2B5EF4-FFF2-40B4-BE49-F238E27FC236}">
+                <a16:creationId xmlns:a16="http://schemas.microsoft.com/office/drawing/2014/main" id="{3355947B-A90E-4A5F-90CA-BCF4A5E54D51}"/>
+              </a:ext>
+            </a:extLst>
+          </p:cNvPr>
+          <p:cNvSpPr txBox="1">
+            <a:spLocks/>
+          </p:cNvSpPr>
+          <p:nvPr/>
+        </p:nvSpPr>
+        <p:spPr>
+          <a:xfrm>
+            <a:off x="8557470" y="396903"/>
+            <a:ext cx="3245840" cy="5710281"/>
+          </a:xfrm>
+          <a:prstGeom prst="rect">
+            <a:avLst/>
+          </a:prstGeom>
+        </p:spPr>
+        <p:txBody>
+          <a:bodyPr vert="horz" lIns="91440" tIns="45720" rIns="91440" bIns="45720" rtlCol="0">
+            <a:normAutofit fontScale="92500"/>
+          </a:bodyPr>
+          <a:lstStyle>
+            <a:lvl1pPr marL="228600" indent="-228600" algn="l" defTabSz="914400" rtl="0" eaLnBrk="1" latinLnBrk="0" hangingPunct="1">
+              <a:lnSpc>
+                <a:spcPct val="90000"/>
+              </a:lnSpc>
+              <a:spcBef>
+                <a:spcPts val="1000"/>
+              </a:spcBef>
+              <a:buFont typeface="Arial" panose="020B0604020202020204" pitchFamily="34" charset="0"/>
+              <a:buChar char="•"/>
+              <a:defRPr sz="2800" kern="1200">
+                <a:solidFill>
+                  <a:schemeClr val="tx1"/>
+                </a:solidFill>
+                <a:latin typeface="+mn-lt"/>
+                <a:ea typeface="+mn-ea"/>
+                <a:cs typeface="+mn-cs"/>
+              </a:defRPr>
+            </a:lvl1pPr>
+            <a:lvl2pPr marL="685800" indent="-228600" algn="l" defTabSz="914400" rtl="0" eaLnBrk="1" latinLnBrk="0" hangingPunct="1">
+              <a:lnSpc>
+                <a:spcPct val="90000"/>
+              </a:lnSpc>
+              <a:spcBef>
+                <a:spcPts val="500"/>
+              </a:spcBef>
+              <a:buFont typeface="Arial" panose="020B0604020202020204" pitchFamily="34" charset="0"/>
+              <a:buChar char="•"/>
+              <a:defRPr sz="2400" kern="1200">
+                <a:solidFill>
+                  <a:schemeClr val="tx1"/>
+                </a:solidFill>
+                <a:latin typeface="+mn-lt"/>
+                <a:ea typeface="+mn-ea"/>
+                <a:cs typeface="+mn-cs"/>
+              </a:defRPr>
+            </a:lvl2pPr>
+            <a:lvl3pPr marL="1143000" indent="-228600" algn="l" defTabSz="914400" rtl="0" eaLnBrk="1" latinLnBrk="0" hangingPunct="1">
+              <a:lnSpc>
+                <a:spcPct val="90000"/>
+              </a:lnSpc>
+              <a:spcBef>
+                <a:spcPts val="500"/>
+              </a:spcBef>
+              <a:buFont typeface="Arial" panose="020B0604020202020204" pitchFamily="34" charset="0"/>
+              <a:buChar char="•"/>
+              <a:defRPr sz="2000" kern="1200">
+                <a:solidFill>
+                  <a:schemeClr val="tx1"/>
+                </a:solidFill>
+                <a:latin typeface="+mn-lt"/>
+                <a:ea typeface="+mn-ea"/>
+                <a:cs typeface="+mn-cs"/>
+              </a:defRPr>
+            </a:lvl3pPr>
+            <a:lvl4pPr marL="1600200" indent="-228600" algn="l" defTabSz="914400" rtl="0" eaLnBrk="1" latinLnBrk="0" hangingPunct="1">
+              <a:lnSpc>
+                <a:spcPct val="90000"/>
+              </a:lnSpc>
+              <a:spcBef>
+                <a:spcPts val="500"/>
+              </a:spcBef>
+              <a:buFont typeface="Arial" panose="020B0604020202020204" pitchFamily="34" charset="0"/>
+              <a:buChar char="•"/>
+              <a:defRPr sz="1800" kern="1200">
+                <a:solidFill>
+                  <a:schemeClr val="tx1"/>
+                </a:solidFill>
+                <a:latin typeface="+mn-lt"/>
+                <a:ea typeface="+mn-ea"/>
+                <a:cs typeface="+mn-cs"/>
+              </a:defRPr>
+            </a:lvl4pPr>
+            <a:lvl5pPr marL="2057400" indent="-228600" algn="l" defTabSz="914400" rtl="0" eaLnBrk="1" latinLnBrk="0" hangingPunct="1">
+              <a:lnSpc>
+                <a:spcPct val="90000"/>
+              </a:lnSpc>
+              <a:spcBef>
+                <a:spcPts val="500"/>
+              </a:spcBef>
+              <a:buFont typeface="Arial" panose="020B0604020202020204" pitchFamily="34" charset="0"/>
+              <a:buChar char="•"/>
+              <a:defRPr sz="1800" kern="1200">
+                <a:solidFill>
+                  <a:schemeClr val="tx1"/>
+                </a:solidFill>
+                <a:latin typeface="+mn-lt"/>
+                <a:ea typeface="+mn-ea"/>
+                <a:cs typeface="+mn-cs"/>
+              </a:defRPr>
+            </a:lvl5pPr>
+            <a:lvl6pPr marL="2514600" indent="-228600" algn="l" defTabSz="914400" rtl="0" eaLnBrk="1" latinLnBrk="0" hangingPunct="1">
+              <a:lnSpc>
+                <a:spcPct val="90000"/>
+              </a:lnSpc>
+              <a:spcBef>
+                <a:spcPts val="500"/>
+              </a:spcBef>
+              <a:buFont typeface="Arial" panose="020B0604020202020204" pitchFamily="34" charset="0"/>
+              <a:buChar char="•"/>
+              <a:defRPr sz="1800" kern="1200">
+                <a:solidFill>
+                  <a:schemeClr val="tx1"/>
+                </a:solidFill>
+                <a:latin typeface="+mn-lt"/>
+                <a:ea typeface="+mn-ea"/>
+                <a:cs typeface="+mn-cs"/>
+              </a:defRPr>
+            </a:lvl6pPr>
+            <a:lvl7pPr marL="2971800" indent="-228600" algn="l" defTabSz="914400" rtl="0" eaLnBrk="1" latinLnBrk="0" hangingPunct="1">
+              <a:lnSpc>
+                <a:spcPct val="90000"/>
+              </a:lnSpc>
+              <a:spcBef>
+                <a:spcPts val="500"/>
+              </a:spcBef>
+              <a:buFont typeface="Arial" panose="020B0604020202020204" pitchFamily="34" charset="0"/>
+              <a:buChar char="•"/>
+              <a:defRPr sz="1800" kern="1200">
+                <a:solidFill>
+                  <a:schemeClr val="tx1"/>
+                </a:solidFill>
+                <a:latin typeface="+mn-lt"/>
+                <a:ea typeface="+mn-ea"/>
+                <a:cs typeface="+mn-cs"/>
+              </a:defRPr>
+            </a:lvl7pPr>
+            <a:lvl8pPr marL="3429000" indent="-228600" algn="l" defTabSz="914400" rtl="0" eaLnBrk="1" latinLnBrk="0" hangingPunct="1">
+              <a:lnSpc>
+                <a:spcPct val="90000"/>
+              </a:lnSpc>
+              <a:spcBef>
+                <a:spcPts val="500"/>
+              </a:spcBef>
+              <a:buFont typeface="Arial" panose="020B0604020202020204" pitchFamily="34" charset="0"/>
+              <a:buChar char="•"/>
+              <a:defRPr sz="1800" kern="1200">
+                <a:solidFill>
+                  <a:schemeClr val="tx1"/>
+                </a:solidFill>
+                <a:latin typeface="+mn-lt"/>
+                <a:ea typeface="+mn-ea"/>
+                <a:cs typeface="+mn-cs"/>
+              </a:defRPr>
+            </a:lvl8pPr>
+            <a:lvl9pPr marL="3886200" indent="-228600" algn="l" defTabSz="914400" rtl="0" eaLnBrk="1" latinLnBrk="0" hangingPunct="1">
+              <a:lnSpc>
+                <a:spcPct val="90000"/>
+              </a:lnSpc>
+              <a:spcBef>
+                <a:spcPts val="500"/>
+              </a:spcBef>
+              <a:buFont typeface="Arial" panose="020B0604020202020204" pitchFamily="34" charset="0"/>
+              <a:buChar char="•"/>
+              <a:defRPr sz="1800" kern="1200">
+                <a:solidFill>
+                  <a:schemeClr val="tx1"/>
+                </a:solidFill>
+                <a:latin typeface="+mn-lt"/>
+                <a:ea typeface="+mn-ea"/>
+                <a:cs typeface="+mn-cs"/>
+              </a:defRPr>
+            </a:lvl9pPr>
+          </a:lstStyle>
+          <a:p>
+            <a:pPr marL="0" indent="0">
+              <a:buFont typeface="Arial" panose="020B0604020202020204" pitchFamily="34" charset="0"/>
+              <a:buNone/>
+            </a:pPr>
+            <a:r>
+              <a:rPr lang="en-US" dirty="0"/>
+              <a:t>Algorithm to create CSS:</a:t>
+            </a:r>
+          </a:p>
+          <a:p>
+            <a:pPr marL="971550" lvl="1" indent="-514350">
+              <a:buFont typeface="+mj-lt"/>
+              <a:buAutoNum type="arabicPeriod"/>
+            </a:pPr>
+            <a:r>
+              <a:rPr lang="en-US" dirty="0"/>
+              <a:t>Determine what selectors are impacted</a:t>
+            </a:r>
+          </a:p>
+          <a:p>
+            <a:pPr marL="971550" lvl="1" indent="-514350">
+              <a:buFont typeface="+mj-lt"/>
+              <a:buAutoNum type="arabicPeriod"/>
+            </a:pPr>
+            <a:r>
+              <a:rPr lang="en-US" dirty="0"/>
+              <a:t>Determine what properties for the selectors in Step 1 need stylized</a:t>
+            </a:r>
+          </a:p>
+          <a:p>
+            <a:pPr marL="971550" lvl="1" indent="-514350">
+              <a:buFont typeface="+mj-lt"/>
+              <a:buAutoNum type="arabicPeriod"/>
+            </a:pPr>
+            <a:r>
+              <a:rPr lang="en-US" dirty="0"/>
+              <a:t>Determine what values the properties found in Step 2 need to be assigned</a:t>
+            </a:r>
+          </a:p>
+          <a:p>
+            <a:pPr marL="971550" lvl="1" indent="-514350">
+              <a:buFont typeface="+mj-lt"/>
+              <a:buAutoNum type="arabicPeriod"/>
+            </a:pPr>
+            <a:r>
+              <a:rPr lang="en-US" dirty="0"/>
+              <a:t>Construct the CSS using the abstract CSS structure</a:t>
+            </a:r>
+          </a:p>
+          <a:p>
+            <a:pPr marL="971550" lvl="1" indent="-514350">
+              <a:buFont typeface="+mj-lt"/>
+              <a:buAutoNum type="arabicPeriod"/>
+            </a:pPr>
+            <a:endParaRPr lang="en-US" dirty="0"/>
+          </a:p>
+        </p:txBody>
+      </p:sp>
+    </p:spTree>
+    <p:extLst>
+      <p:ext uri="{BB962C8B-B14F-4D97-AF65-F5344CB8AC3E}">
+        <p14:creationId xmlns:p14="http://schemas.microsoft.com/office/powerpoint/2010/main" val="4016800488"/>
+      </p:ext>
+    </p:extLst>
+  </p:cSld>
+  <p:clrMapOvr>
+    <a:masterClrMapping/>
+  </p:clrMapOvr>
+</p:sld>
+</file>
+
+<file path=ppt/slides/slide38.xml><?xml version="1.0" encoding="utf-8"?>
+<p:sld xmlns:a="http://schemas.openxmlformats.org/drawingml/2006/main" xmlns:r="http://schemas.openxmlformats.org/officeDocument/2006/relationships" xmlns:p="http://schemas.openxmlformats.org/presentationml/2006/main">
+  <p:cSld>
+    <p:spTree>
+      <p:nvGrpSpPr>
+        <p:cNvPr id="1" name=""/>
+        <p:cNvGrpSpPr/>
+        <p:nvPr/>
+      </p:nvGrpSpPr>
+      <p:grpSpPr>
+        <a:xfrm>
+          <a:off x="0" y="0"/>
+          <a:ext cx="0" cy="0"/>
+          <a:chOff x="0" y="0"/>
+          <a:chExt cx="0" cy="0"/>
+        </a:xfrm>
+      </p:grpSpPr>
+      <p:sp>
+        <p:nvSpPr>
+          <p:cNvPr id="2" name="Title 1">
+            <a:extLst>
+              <a:ext uri="{FF2B5EF4-FFF2-40B4-BE49-F238E27FC236}">
+                <a16:creationId xmlns:a16="http://schemas.microsoft.com/office/drawing/2014/main" id="{CD700101-9518-482B-836B-9BF507CF18B5}"/>
+              </a:ext>
+            </a:extLst>
+          </p:cNvPr>
+          <p:cNvSpPr>
+            <a:spLocks noGrp="1"/>
+          </p:cNvSpPr>
+          <p:nvPr>
+            <p:ph type="title"/>
+          </p:nvPr>
+        </p:nvSpPr>
+        <p:spPr/>
+        <p:txBody>
+          <a:bodyPr/>
+          <a:lstStyle/>
+          <a:p>
+            <a:r>
+              <a:rPr lang="en-US" dirty="0"/>
+              <a:t>CSS</a:t>
+            </a:r>
+          </a:p>
+        </p:txBody>
+      </p:sp>
+      <p:sp>
+        <p:nvSpPr>
+          <p:cNvPr id="3" name="Content Placeholder 2">
+            <a:extLst>
+              <a:ext uri="{FF2B5EF4-FFF2-40B4-BE49-F238E27FC236}">
+                <a16:creationId xmlns:a16="http://schemas.microsoft.com/office/drawing/2014/main" id="{998DAAA8-2E96-4468-A2B0-DB1A0A73F05D}"/>
+              </a:ext>
+            </a:extLst>
+          </p:cNvPr>
+          <p:cNvSpPr>
+            <a:spLocks noGrp="1"/>
+          </p:cNvSpPr>
+          <p:nvPr>
+            <p:ph idx="1"/>
+          </p:nvPr>
+        </p:nvSpPr>
+        <p:spPr>
+          <a:xfrm>
+            <a:off x="0" y="1830839"/>
+            <a:ext cx="12191999" cy="4667250"/>
+          </a:xfrm>
+        </p:spPr>
+        <p:txBody>
+          <a:bodyPr>
+            <a:normAutofit/>
+          </a:bodyPr>
+          <a:lstStyle/>
+          <a:p>
+            <a:pPr marL="457200" lvl="1" indent="0">
+              <a:buNone/>
+            </a:pPr>
+            <a:r>
+              <a:rPr lang="en-US" b="1" dirty="0"/>
+              <a:t>Common properties		Description				Common values</a:t>
+            </a:r>
+          </a:p>
+          <a:p>
+            <a:pPr marL="457200" lvl="1" indent="0">
+              <a:buNone/>
+            </a:pPr>
+            <a:r>
+              <a:rPr lang="en-US" u="sng" dirty="0"/>
+              <a:t>background-color			background color of element		red, green, gold      </a:t>
+            </a:r>
+          </a:p>
+          <a:p>
+            <a:pPr marL="457200" lvl="1" indent="0">
+              <a:buNone/>
+            </a:pPr>
+            <a:r>
+              <a:rPr lang="en-US" u="sng" dirty="0"/>
+              <a:t>color				text color of element			blue, orange, white</a:t>
+            </a:r>
+          </a:p>
+          <a:p>
+            <a:pPr marL="457200" lvl="1" indent="0">
+              <a:buNone/>
+            </a:pPr>
+            <a:r>
+              <a:rPr lang="en-US" u="sng" dirty="0"/>
+              <a:t>border				element border [width style color]	“1px solid black”</a:t>
+            </a:r>
+          </a:p>
+          <a:p>
+            <a:pPr marL="457200" lvl="1" indent="0">
+              <a:buNone/>
+            </a:pPr>
+            <a:r>
+              <a:rPr lang="en-US" u="sng" dirty="0"/>
+              <a:t>cursor				cursor to display while hovering	pointer, default, grab</a:t>
+            </a:r>
+          </a:p>
+          <a:p>
+            <a:pPr marL="457200" lvl="1" indent="0">
+              <a:buNone/>
+            </a:pPr>
+            <a:r>
+              <a:rPr lang="en-US" u="sng" dirty="0"/>
+              <a:t>float				side to anchor element to		left, right, none</a:t>
+            </a:r>
+          </a:p>
+          <a:p>
+            <a:pPr marL="457200" lvl="1" indent="0">
+              <a:buNone/>
+            </a:pPr>
+            <a:r>
+              <a:rPr lang="en-US" u="sng" dirty="0"/>
+              <a:t>font-family				text font of element			Courier, Arial, Gothic</a:t>
+            </a:r>
+          </a:p>
+          <a:p>
+            <a:pPr marL="457200" lvl="1" indent="0">
+              <a:buNone/>
+            </a:pPr>
+            <a:r>
+              <a:rPr lang="en-US" u="sng" dirty="0"/>
+              <a:t>font-size				size of element font			12px 24px 48px</a:t>
+            </a:r>
+          </a:p>
+          <a:p>
+            <a:pPr marL="457200" lvl="1" indent="0">
+              <a:buNone/>
+            </a:pPr>
+            <a:r>
+              <a:rPr lang="en-US" u="sng" dirty="0"/>
+              <a:t>rotate				rotation of element			45deg, 90deg, 180deg</a:t>
+            </a:r>
+          </a:p>
+        </p:txBody>
+      </p:sp>
+    </p:spTree>
+    <p:extLst>
+      <p:ext uri="{BB962C8B-B14F-4D97-AF65-F5344CB8AC3E}">
+        <p14:creationId xmlns:p14="http://schemas.microsoft.com/office/powerpoint/2010/main" val="2667951008"/>
+      </p:ext>
+    </p:extLst>
+  </p:cSld>
+  <p:clrMapOvr>
+    <a:masterClrMapping/>
+  </p:clrMapOvr>
+</p:sld>
+</file>
+
+<file path=ppt/slides/slide39.xml><?xml version="1.0" encoding="utf-8"?>
+<p:sld xmlns:a="http://schemas.openxmlformats.org/drawingml/2006/main" xmlns:r="http://schemas.openxmlformats.org/officeDocument/2006/relationships" xmlns:p="http://schemas.openxmlformats.org/presentationml/2006/main">
+  <p:cSld>
+    <p:spTree>
+      <p:nvGrpSpPr>
+        <p:cNvPr id="1" name=""/>
+        <p:cNvGrpSpPr/>
+        <p:nvPr/>
+      </p:nvGrpSpPr>
+      <p:grpSpPr>
+        <a:xfrm>
+          <a:off x="0" y="0"/>
+          <a:ext cx="0" cy="0"/>
+          <a:chOff x="0" y="0"/>
+          <a:chExt cx="0" cy="0"/>
+        </a:xfrm>
+      </p:grpSpPr>
+      <p:sp>
+        <p:nvSpPr>
+          <p:cNvPr id="2" name="Title 1">
+            <a:extLst>
+              <a:ext uri="{FF2B5EF4-FFF2-40B4-BE49-F238E27FC236}">
+                <a16:creationId xmlns:a16="http://schemas.microsoft.com/office/drawing/2014/main" id="{CD700101-9518-482B-836B-9BF507CF18B5}"/>
+              </a:ext>
+            </a:extLst>
+          </p:cNvPr>
+          <p:cNvSpPr>
+            <a:spLocks noGrp="1"/>
+          </p:cNvSpPr>
+          <p:nvPr>
+            <p:ph type="title"/>
+          </p:nvPr>
+        </p:nvSpPr>
+        <p:spPr/>
+        <p:txBody>
+          <a:bodyPr/>
+          <a:lstStyle/>
+          <a:p>
+            <a:r>
+              <a:rPr lang="en-US" dirty="0"/>
+              <a:t>CSS</a:t>
+            </a:r>
+          </a:p>
+        </p:txBody>
+      </p:sp>
+      <p:sp>
+        <p:nvSpPr>
+          <p:cNvPr id="3" name="Content Placeholder 2">
+            <a:extLst>
+              <a:ext uri="{FF2B5EF4-FFF2-40B4-BE49-F238E27FC236}">
+                <a16:creationId xmlns:a16="http://schemas.microsoft.com/office/drawing/2014/main" id="{998DAAA8-2E96-4468-A2B0-DB1A0A73F05D}"/>
+              </a:ext>
+            </a:extLst>
+          </p:cNvPr>
+          <p:cNvSpPr>
+            <a:spLocks noGrp="1"/>
+          </p:cNvSpPr>
+          <p:nvPr>
+            <p:ph idx="1"/>
+          </p:nvPr>
+        </p:nvSpPr>
+        <p:spPr>
+          <a:xfrm>
+            <a:off x="838200" y="1825625"/>
+            <a:ext cx="7861183" cy="4667250"/>
+          </a:xfrm>
+        </p:spPr>
+        <p:txBody>
+          <a:bodyPr>
+            <a:normAutofit/>
+          </a:bodyPr>
+          <a:lstStyle/>
+          <a:p>
+            <a:pPr marL="0" indent="0">
+              <a:buNone/>
+            </a:pPr>
+            <a:r>
+              <a:rPr lang="en-US" dirty="0"/>
+              <a:t>Create the following CSS stylizations:</a:t>
+            </a:r>
+          </a:p>
+          <a:p>
+            <a:pPr lvl="1"/>
+            <a:r>
+              <a:rPr lang="en-US" dirty="0"/>
+              <a:t>Headings (h1) with yellow text</a:t>
+            </a:r>
+          </a:p>
+          <a:p>
+            <a:pPr lvl="1"/>
+            <a:r>
+              <a:rPr lang="en-US" dirty="0" err="1"/>
+              <a:t>Divs</a:t>
+            </a:r>
+            <a:r>
+              <a:rPr lang="en-US" dirty="0"/>
+              <a:t> (div) with upside down text and a gray background</a:t>
+            </a:r>
+          </a:p>
+          <a:p>
+            <a:pPr lvl="1"/>
+            <a:r>
+              <a:rPr lang="en-US" dirty="0"/>
+              <a:t>Bolds (b) with 30pt font that is anchored to the right side of the screen that changes the cursor to pointer upon hovering</a:t>
+            </a:r>
+          </a:p>
+          <a:p>
+            <a:pPr marL="971550" lvl="1" indent="-514350">
+              <a:buFont typeface="+mj-lt"/>
+              <a:buAutoNum type="arabicPeriod"/>
+            </a:pPr>
+            <a:endParaRPr lang="en-US" dirty="0"/>
+          </a:p>
+        </p:txBody>
+      </p:sp>
+      <p:sp>
+        <p:nvSpPr>
+          <p:cNvPr id="5" name="Content Placeholder 2">
+            <a:extLst>
+              <a:ext uri="{FF2B5EF4-FFF2-40B4-BE49-F238E27FC236}">
+                <a16:creationId xmlns:a16="http://schemas.microsoft.com/office/drawing/2014/main" id="{3355947B-A90E-4A5F-90CA-BCF4A5E54D51}"/>
+              </a:ext>
+            </a:extLst>
+          </p:cNvPr>
+          <p:cNvSpPr txBox="1">
+            <a:spLocks/>
+          </p:cNvSpPr>
+          <p:nvPr/>
+        </p:nvSpPr>
+        <p:spPr>
+          <a:xfrm>
+            <a:off x="8557470" y="396903"/>
+            <a:ext cx="3245840" cy="5710281"/>
+          </a:xfrm>
+          <a:prstGeom prst="rect">
+            <a:avLst/>
+          </a:prstGeom>
+        </p:spPr>
+        <p:txBody>
+          <a:bodyPr vert="horz" lIns="91440" tIns="45720" rIns="91440" bIns="45720" rtlCol="0">
+            <a:normAutofit fontScale="92500"/>
+          </a:bodyPr>
+          <a:lstStyle>
+            <a:lvl1pPr marL="228600" indent="-228600" algn="l" defTabSz="914400" rtl="0" eaLnBrk="1" latinLnBrk="0" hangingPunct="1">
+              <a:lnSpc>
+                <a:spcPct val="90000"/>
+              </a:lnSpc>
+              <a:spcBef>
+                <a:spcPts val="1000"/>
+              </a:spcBef>
+              <a:buFont typeface="Arial" panose="020B0604020202020204" pitchFamily="34" charset="0"/>
+              <a:buChar char="•"/>
+              <a:defRPr sz="2800" kern="1200">
+                <a:solidFill>
+                  <a:schemeClr val="tx1"/>
+                </a:solidFill>
+                <a:latin typeface="+mn-lt"/>
+                <a:ea typeface="+mn-ea"/>
+                <a:cs typeface="+mn-cs"/>
+              </a:defRPr>
+            </a:lvl1pPr>
+            <a:lvl2pPr marL="685800" indent="-228600" algn="l" defTabSz="914400" rtl="0" eaLnBrk="1" latinLnBrk="0" hangingPunct="1">
+              <a:lnSpc>
+                <a:spcPct val="90000"/>
+              </a:lnSpc>
+              <a:spcBef>
+                <a:spcPts val="500"/>
+              </a:spcBef>
+              <a:buFont typeface="Arial" panose="020B0604020202020204" pitchFamily="34" charset="0"/>
+              <a:buChar char="•"/>
+              <a:defRPr sz="2400" kern="1200">
+                <a:solidFill>
+                  <a:schemeClr val="tx1"/>
+                </a:solidFill>
+                <a:latin typeface="+mn-lt"/>
+                <a:ea typeface="+mn-ea"/>
+                <a:cs typeface="+mn-cs"/>
+              </a:defRPr>
+            </a:lvl2pPr>
+            <a:lvl3pPr marL="1143000" indent="-228600" algn="l" defTabSz="914400" rtl="0" eaLnBrk="1" latinLnBrk="0" hangingPunct="1">
+              <a:lnSpc>
+                <a:spcPct val="90000"/>
+              </a:lnSpc>
+              <a:spcBef>
+                <a:spcPts val="500"/>
+              </a:spcBef>
+              <a:buFont typeface="Arial" panose="020B0604020202020204" pitchFamily="34" charset="0"/>
+              <a:buChar char="•"/>
+              <a:defRPr sz="2000" kern="1200">
+                <a:solidFill>
+                  <a:schemeClr val="tx1"/>
+                </a:solidFill>
+                <a:latin typeface="+mn-lt"/>
+                <a:ea typeface="+mn-ea"/>
+                <a:cs typeface="+mn-cs"/>
+              </a:defRPr>
+            </a:lvl3pPr>
+            <a:lvl4pPr marL="1600200" indent="-228600" algn="l" defTabSz="914400" rtl="0" eaLnBrk="1" latinLnBrk="0" hangingPunct="1">
+              <a:lnSpc>
+                <a:spcPct val="90000"/>
+              </a:lnSpc>
+              <a:spcBef>
+                <a:spcPts val="500"/>
+              </a:spcBef>
+              <a:buFont typeface="Arial" panose="020B0604020202020204" pitchFamily="34" charset="0"/>
+              <a:buChar char="•"/>
+              <a:defRPr sz="1800" kern="1200">
+                <a:solidFill>
+                  <a:schemeClr val="tx1"/>
+                </a:solidFill>
+                <a:latin typeface="+mn-lt"/>
+                <a:ea typeface="+mn-ea"/>
+                <a:cs typeface="+mn-cs"/>
+              </a:defRPr>
+            </a:lvl4pPr>
+            <a:lvl5pPr marL="2057400" indent="-228600" algn="l" defTabSz="914400" rtl="0" eaLnBrk="1" latinLnBrk="0" hangingPunct="1">
+              <a:lnSpc>
+                <a:spcPct val="90000"/>
+              </a:lnSpc>
+              <a:spcBef>
+                <a:spcPts val="500"/>
+              </a:spcBef>
+              <a:buFont typeface="Arial" panose="020B0604020202020204" pitchFamily="34" charset="0"/>
+              <a:buChar char="•"/>
+              <a:defRPr sz="1800" kern="1200">
+                <a:solidFill>
+                  <a:schemeClr val="tx1"/>
+                </a:solidFill>
+                <a:latin typeface="+mn-lt"/>
+                <a:ea typeface="+mn-ea"/>
+                <a:cs typeface="+mn-cs"/>
+              </a:defRPr>
+            </a:lvl5pPr>
+            <a:lvl6pPr marL="2514600" indent="-228600" algn="l" defTabSz="914400" rtl="0" eaLnBrk="1" latinLnBrk="0" hangingPunct="1">
+              <a:lnSpc>
+                <a:spcPct val="90000"/>
+              </a:lnSpc>
+              <a:spcBef>
+                <a:spcPts val="500"/>
+              </a:spcBef>
+              <a:buFont typeface="Arial" panose="020B0604020202020204" pitchFamily="34" charset="0"/>
+              <a:buChar char="•"/>
+              <a:defRPr sz="1800" kern="1200">
+                <a:solidFill>
+                  <a:schemeClr val="tx1"/>
+                </a:solidFill>
+                <a:latin typeface="+mn-lt"/>
+                <a:ea typeface="+mn-ea"/>
+                <a:cs typeface="+mn-cs"/>
+              </a:defRPr>
+            </a:lvl6pPr>
+            <a:lvl7pPr marL="2971800" indent="-228600" algn="l" defTabSz="914400" rtl="0" eaLnBrk="1" latinLnBrk="0" hangingPunct="1">
+              <a:lnSpc>
+                <a:spcPct val="90000"/>
+              </a:lnSpc>
+              <a:spcBef>
+                <a:spcPts val="500"/>
+              </a:spcBef>
+              <a:buFont typeface="Arial" panose="020B0604020202020204" pitchFamily="34" charset="0"/>
+              <a:buChar char="•"/>
+              <a:defRPr sz="1800" kern="1200">
+                <a:solidFill>
+                  <a:schemeClr val="tx1"/>
+                </a:solidFill>
+                <a:latin typeface="+mn-lt"/>
+                <a:ea typeface="+mn-ea"/>
+                <a:cs typeface="+mn-cs"/>
+              </a:defRPr>
+            </a:lvl7pPr>
+            <a:lvl8pPr marL="3429000" indent="-228600" algn="l" defTabSz="914400" rtl="0" eaLnBrk="1" latinLnBrk="0" hangingPunct="1">
+              <a:lnSpc>
+                <a:spcPct val="90000"/>
+              </a:lnSpc>
+              <a:spcBef>
+                <a:spcPts val="500"/>
+              </a:spcBef>
+              <a:buFont typeface="Arial" panose="020B0604020202020204" pitchFamily="34" charset="0"/>
+              <a:buChar char="•"/>
+              <a:defRPr sz="1800" kern="1200">
+                <a:solidFill>
+                  <a:schemeClr val="tx1"/>
+                </a:solidFill>
+                <a:latin typeface="+mn-lt"/>
+                <a:ea typeface="+mn-ea"/>
+                <a:cs typeface="+mn-cs"/>
+              </a:defRPr>
+            </a:lvl8pPr>
+            <a:lvl9pPr marL="3886200" indent="-228600" algn="l" defTabSz="914400" rtl="0" eaLnBrk="1" latinLnBrk="0" hangingPunct="1">
+              <a:lnSpc>
+                <a:spcPct val="90000"/>
+              </a:lnSpc>
+              <a:spcBef>
+                <a:spcPts val="500"/>
+              </a:spcBef>
+              <a:buFont typeface="Arial" panose="020B0604020202020204" pitchFamily="34" charset="0"/>
+              <a:buChar char="•"/>
+              <a:defRPr sz="1800" kern="1200">
+                <a:solidFill>
+                  <a:schemeClr val="tx1"/>
+                </a:solidFill>
+                <a:latin typeface="+mn-lt"/>
+                <a:ea typeface="+mn-ea"/>
+                <a:cs typeface="+mn-cs"/>
+              </a:defRPr>
+            </a:lvl9pPr>
+          </a:lstStyle>
+          <a:p>
+            <a:pPr marL="0" indent="0">
+              <a:buFont typeface="Arial" panose="020B0604020202020204" pitchFamily="34" charset="0"/>
+              <a:buNone/>
+            </a:pPr>
+            <a:r>
+              <a:rPr lang="en-US" dirty="0"/>
+              <a:t>Algorithm to create CSS:</a:t>
+            </a:r>
+          </a:p>
+          <a:p>
+            <a:pPr marL="971550" lvl="1" indent="-514350">
+              <a:buFont typeface="+mj-lt"/>
+              <a:buAutoNum type="arabicPeriod"/>
+            </a:pPr>
+            <a:r>
+              <a:rPr lang="en-US" dirty="0"/>
+              <a:t>Determine what selectors are impacted</a:t>
+            </a:r>
+          </a:p>
+          <a:p>
+            <a:pPr marL="971550" lvl="1" indent="-514350">
+              <a:buFont typeface="+mj-lt"/>
+              <a:buAutoNum type="arabicPeriod"/>
+            </a:pPr>
+            <a:r>
+              <a:rPr lang="en-US" dirty="0"/>
+              <a:t>Determine what properties for the selectors in Step 1 need stylized</a:t>
+            </a:r>
+          </a:p>
+          <a:p>
+            <a:pPr marL="971550" lvl="1" indent="-514350">
+              <a:buFont typeface="+mj-lt"/>
+              <a:buAutoNum type="arabicPeriod"/>
+            </a:pPr>
+            <a:r>
+              <a:rPr lang="en-US" dirty="0"/>
+              <a:t>Determine what values the properties found in Step 2 need to be assigned</a:t>
+            </a:r>
+          </a:p>
+          <a:p>
+            <a:pPr marL="971550" lvl="1" indent="-514350">
+              <a:buFont typeface="+mj-lt"/>
+              <a:buAutoNum type="arabicPeriod"/>
+            </a:pPr>
+            <a:r>
+              <a:rPr lang="en-US" dirty="0"/>
+              <a:t>Construct the CSS using the abstract CSS structure</a:t>
+            </a:r>
+          </a:p>
+          <a:p>
+            <a:pPr marL="971550" lvl="1" indent="-514350">
+              <a:buFont typeface="+mj-lt"/>
+              <a:buAutoNum type="arabicPeriod"/>
+            </a:pPr>
+            <a:endParaRPr lang="en-US" dirty="0"/>
+          </a:p>
+        </p:txBody>
+      </p:sp>
+    </p:spTree>
+    <p:extLst>
+      <p:ext uri="{BB962C8B-B14F-4D97-AF65-F5344CB8AC3E}">
+        <p14:creationId xmlns:p14="http://schemas.microsoft.com/office/powerpoint/2010/main" val="752898236"/>
+      </p:ext>
+    </p:extLst>
+  </p:cSld>
+  <p:clrMapOvr>
+    <a:masterClrMapping/>
+  </p:clrMapOvr>
+</p:sld>
+</file>
+
 <file path=ppt/slides/slide4.xml><?xml version="1.0" encoding="utf-8"?>
 <p:sld xmlns:a="http://schemas.openxmlformats.org/drawingml/2006/main" xmlns:r="http://schemas.openxmlformats.org/officeDocument/2006/relationships" xmlns:p="http://schemas.openxmlformats.org/presentationml/2006/main">
   <p:cSld>
@@ -8023,6 +15124,497 @@
     <p:extLst>
       <p:ext uri="{BB962C8B-B14F-4D97-AF65-F5344CB8AC3E}">
         <p14:creationId xmlns:p14="http://schemas.microsoft.com/office/powerpoint/2010/main" val="3931613927"/>
+      </p:ext>
+    </p:extLst>
+  </p:cSld>
+  <p:clrMapOvr>
+    <a:masterClrMapping/>
+  </p:clrMapOvr>
+</p:sld>
+</file>
+
+<file path=ppt/slides/slide40.xml><?xml version="1.0" encoding="utf-8"?>
+<p:sld xmlns:a="http://schemas.openxmlformats.org/drawingml/2006/main" xmlns:r="http://schemas.openxmlformats.org/officeDocument/2006/relationships" xmlns:p="http://schemas.openxmlformats.org/presentationml/2006/main">
+  <p:cSld>
+    <p:spTree>
+      <p:nvGrpSpPr>
+        <p:cNvPr id="1" name=""/>
+        <p:cNvGrpSpPr/>
+        <p:nvPr/>
+      </p:nvGrpSpPr>
+      <p:grpSpPr>
+        <a:xfrm>
+          <a:off x="0" y="0"/>
+          <a:ext cx="0" cy="0"/>
+          <a:chOff x="0" y="0"/>
+          <a:chExt cx="0" cy="0"/>
+        </a:xfrm>
+      </p:grpSpPr>
+      <p:sp>
+        <p:nvSpPr>
+          <p:cNvPr id="2" name="Title 1">
+            <a:extLst>
+              <a:ext uri="{FF2B5EF4-FFF2-40B4-BE49-F238E27FC236}">
+                <a16:creationId xmlns:a16="http://schemas.microsoft.com/office/drawing/2014/main" id="{CD700101-9518-482B-836B-9BF507CF18B5}"/>
+              </a:ext>
+            </a:extLst>
+          </p:cNvPr>
+          <p:cNvSpPr>
+            <a:spLocks noGrp="1"/>
+          </p:cNvSpPr>
+          <p:nvPr>
+            <p:ph type="title"/>
+          </p:nvPr>
+        </p:nvSpPr>
+        <p:spPr/>
+        <p:txBody>
+          <a:bodyPr/>
+          <a:lstStyle/>
+          <a:p>
+            <a:r>
+              <a:rPr lang="en-US" dirty="0"/>
+              <a:t>CSS</a:t>
+            </a:r>
+          </a:p>
+        </p:txBody>
+      </p:sp>
+      <p:sp>
+        <p:nvSpPr>
+          <p:cNvPr id="3" name="Content Placeholder 2">
+            <a:extLst>
+              <a:ext uri="{FF2B5EF4-FFF2-40B4-BE49-F238E27FC236}">
+                <a16:creationId xmlns:a16="http://schemas.microsoft.com/office/drawing/2014/main" id="{998DAAA8-2E96-4468-A2B0-DB1A0A73F05D}"/>
+              </a:ext>
+            </a:extLst>
+          </p:cNvPr>
+          <p:cNvSpPr>
+            <a:spLocks noGrp="1"/>
+          </p:cNvSpPr>
+          <p:nvPr>
+            <p:ph idx="1"/>
+          </p:nvPr>
+        </p:nvSpPr>
+        <p:spPr>
+          <a:xfrm>
+            <a:off x="838200" y="1825625"/>
+            <a:ext cx="7861183" cy="4667250"/>
+          </a:xfrm>
+        </p:spPr>
+        <p:txBody>
+          <a:bodyPr>
+            <a:normAutofit fontScale="85000" lnSpcReduction="20000"/>
+          </a:bodyPr>
+          <a:lstStyle/>
+          <a:p>
+            <a:pPr marL="0" indent="0">
+              <a:buNone/>
+            </a:pPr>
+            <a:r>
+              <a:rPr lang="en-US" dirty="0"/>
+              <a:t>Create the following CSS stylizations:</a:t>
+            </a:r>
+          </a:p>
+          <a:p>
+            <a:pPr lvl="1"/>
+            <a:r>
+              <a:rPr lang="en-US" dirty="0"/>
+              <a:t>Headings (h1) with yellow text</a:t>
+            </a:r>
+          </a:p>
+          <a:p>
+            <a:pPr marL="914400" lvl="2" indent="0">
+              <a:buNone/>
+            </a:pPr>
+            <a:r>
+              <a:rPr lang="en-US" b="1" dirty="0"/>
+              <a:t>h1{</a:t>
+            </a:r>
+          </a:p>
+          <a:p>
+            <a:pPr marL="914400" lvl="2" indent="0">
+              <a:buNone/>
+            </a:pPr>
+            <a:r>
+              <a:rPr lang="en-US" b="1" dirty="0"/>
+              <a:t>	color: yellow</a:t>
+            </a:r>
+          </a:p>
+          <a:p>
+            <a:pPr marL="914400" lvl="2" indent="0">
+              <a:buNone/>
+            </a:pPr>
+            <a:r>
+              <a:rPr lang="en-US" b="1" dirty="0"/>
+              <a:t>}</a:t>
+            </a:r>
+          </a:p>
+          <a:p>
+            <a:pPr lvl="1"/>
+            <a:r>
+              <a:rPr lang="en-US" dirty="0" err="1"/>
+              <a:t>Divs</a:t>
+            </a:r>
+            <a:r>
+              <a:rPr lang="en-US" dirty="0"/>
+              <a:t> (div) with upside down text and a gray background</a:t>
+            </a:r>
+          </a:p>
+          <a:p>
+            <a:pPr marL="914400" lvl="2" indent="0">
+              <a:buNone/>
+            </a:pPr>
+            <a:r>
+              <a:rPr lang="en-US" b="1" dirty="0"/>
+              <a:t>div{</a:t>
+            </a:r>
+          </a:p>
+          <a:p>
+            <a:pPr marL="914400" lvl="2" indent="0">
+              <a:buNone/>
+            </a:pPr>
+            <a:r>
+              <a:rPr lang="en-US" b="1" dirty="0"/>
+              <a:t>	rotate: 180deg;</a:t>
+            </a:r>
+          </a:p>
+          <a:p>
+            <a:pPr marL="914400" lvl="2" indent="0">
+              <a:buNone/>
+            </a:pPr>
+            <a:r>
+              <a:rPr lang="en-US" b="1" dirty="0"/>
+              <a:t>	</a:t>
+            </a:r>
+            <a:r>
+              <a:rPr lang="en-US" b="1" dirty="0" err="1"/>
+              <a:t>background-color:gray</a:t>
+            </a:r>
+            <a:endParaRPr lang="en-US" b="1" dirty="0"/>
+          </a:p>
+          <a:p>
+            <a:pPr marL="914400" lvl="2" indent="0">
+              <a:buNone/>
+            </a:pPr>
+            <a:r>
+              <a:rPr lang="en-US" b="1" dirty="0"/>
+              <a:t>}</a:t>
+            </a:r>
+          </a:p>
+          <a:p>
+            <a:pPr lvl="1"/>
+            <a:r>
+              <a:rPr lang="en-US" dirty="0"/>
+              <a:t>Bolds (b) with size 30 font that is anchored to the right side of the screen that changes the cursor to pointer upon hovering</a:t>
+            </a:r>
+          </a:p>
+          <a:p>
+            <a:pPr marL="914400" lvl="2" indent="0">
+              <a:buNone/>
+            </a:pPr>
+            <a:r>
+              <a:rPr lang="en-US" b="1" dirty="0"/>
+              <a:t>b{</a:t>
+            </a:r>
+          </a:p>
+          <a:p>
+            <a:pPr marL="914400" lvl="2" indent="0">
+              <a:buNone/>
+            </a:pPr>
+            <a:r>
+              <a:rPr lang="en-US" b="1" dirty="0"/>
+              <a:t>	font-size: 30px;</a:t>
+            </a:r>
+          </a:p>
+          <a:p>
+            <a:pPr marL="914400" lvl="2" indent="0">
+              <a:buNone/>
+            </a:pPr>
+            <a:r>
+              <a:rPr lang="en-US" b="1" dirty="0"/>
+              <a:t>	float: right;</a:t>
+            </a:r>
+          </a:p>
+          <a:p>
+            <a:pPr marL="914400" lvl="2" indent="0">
+              <a:buNone/>
+            </a:pPr>
+            <a:r>
+              <a:rPr lang="en-US" b="1" dirty="0"/>
+              <a:t>	cursor: pointer</a:t>
+            </a:r>
+          </a:p>
+          <a:p>
+            <a:pPr marL="914400" lvl="2" indent="0">
+              <a:buNone/>
+            </a:pPr>
+            <a:r>
+              <a:rPr lang="en-US" b="1" dirty="0"/>
+              <a:t>}</a:t>
+            </a:r>
+          </a:p>
+          <a:p>
+            <a:pPr marL="971550" lvl="1" indent="-514350">
+              <a:buFont typeface="+mj-lt"/>
+              <a:buAutoNum type="arabicPeriod"/>
+            </a:pPr>
+            <a:endParaRPr lang="en-US" dirty="0"/>
+          </a:p>
+        </p:txBody>
+      </p:sp>
+      <p:sp>
+        <p:nvSpPr>
+          <p:cNvPr id="5" name="Content Placeholder 2">
+            <a:extLst>
+              <a:ext uri="{FF2B5EF4-FFF2-40B4-BE49-F238E27FC236}">
+                <a16:creationId xmlns:a16="http://schemas.microsoft.com/office/drawing/2014/main" id="{3355947B-A90E-4A5F-90CA-BCF4A5E54D51}"/>
+              </a:ext>
+            </a:extLst>
+          </p:cNvPr>
+          <p:cNvSpPr txBox="1">
+            <a:spLocks/>
+          </p:cNvSpPr>
+          <p:nvPr/>
+        </p:nvSpPr>
+        <p:spPr>
+          <a:xfrm>
+            <a:off x="8557470" y="396903"/>
+            <a:ext cx="3245840" cy="5710281"/>
+          </a:xfrm>
+          <a:prstGeom prst="rect">
+            <a:avLst/>
+          </a:prstGeom>
+        </p:spPr>
+        <p:txBody>
+          <a:bodyPr vert="horz" lIns="91440" tIns="45720" rIns="91440" bIns="45720" rtlCol="0">
+            <a:normAutofit fontScale="92500"/>
+          </a:bodyPr>
+          <a:lstStyle>
+            <a:lvl1pPr marL="228600" indent="-228600" algn="l" defTabSz="914400" rtl="0" eaLnBrk="1" latinLnBrk="0" hangingPunct="1">
+              <a:lnSpc>
+                <a:spcPct val="90000"/>
+              </a:lnSpc>
+              <a:spcBef>
+                <a:spcPts val="1000"/>
+              </a:spcBef>
+              <a:buFont typeface="Arial" panose="020B0604020202020204" pitchFamily="34" charset="0"/>
+              <a:buChar char="•"/>
+              <a:defRPr sz="2800" kern="1200">
+                <a:solidFill>
+                  <a:schemeClr val="tx1"/>
+                </a:solidFill>
+                <a:latin typeface="+mn-lt"/>
+                <a:ea typeface="+mn-ea"/>
+                <a:cs typeface="+mn-cs"/>
+              </a:defRPr>
+            </a:lvl1pPr>
+            <a:lvl2pPr marL="685800" indent="-228600" algn="l" defTabSz="914400" rtl="0" eaLnBrk="1" latinLnBrk="0" hangingPunct="1">
+              <a:lnSpc>
+                <a:spcPct val="90000"/>
+              </a:lnSpc>
+              <a:spcBef>
+                <a:spcPts val="500"/>
+              </a:spcBef>
+              <a:buFont typeface="Arial" panose="020B0604020202020204" pitchFamily="34" charset="0"/>
+              <a:buChar char="•"/>
+              <a:defRPr sz="2400" kern="1200">
+                <a:solidFill>
+                  <a:schemeClr val="tx1"/>
+                </a:solidFill>
+                <a:latin typeface="+mn-lt"/>
+                <a:ea typeface="+mn-ea"/>
+                <a:cs typeface="+mn-cs"/>
+              </a:defRPr>
+            </a:lvl2pPr>
+            <a:lvl3pPr marL="1143000" indent="-228600" algn="l" defTabSz="914400" rtl="0" eaLnBrk="1" latinLnBrk="0" hangingPunct="1">
+              <a:lnSpc>
+                <a:spcPct val="90000"/>
+              </a:lnSpc>
+              <a:spcBef>
+                <a:spcPts val="500"/>
+              </a:spcBef>
+              <a:buFont typeface="Arial" panose="020B0604020202020204" pitchFamily="34" charset="0"/>
+              <a:buChar char="•"/>
+              <a:defRPr sz="2000" kern="1200">
+                <a:solidFill>
+                  <a:schemeClr val="tx1"/>
+                </a:solidFill>
+                <a:latin typeface="+mn-lt"/>
+                <a:ea typeface="+mn-ea"/>
+                <a:cs typeface="+mn-cs"/>
+              </a:defRPr>
+            </a:lvl3pPr>
+            <a:lvl4pPr marL="1600200" indent="-228600" algn="l" defTabSz="914400" rtl="0" eaLnBrk="1" latinLnBrk="0" hangingPunct="1">
+              <a:lnSpc>
+                <a:spcPct val="90000"/>
+              </a:lnSpc>
+              <a:spcBef>
+                <a:spcPts val="500"/>
+              </a:spcBef>
+              <a:buFont typeface="Arial" panose="020B0604020202020204" pitchFamily="34" charset="0"/>
+              <a:buChar char="•"/>
+              <a:defRPr sz="1800" kern="1200">
+                <a:solidFill>
+                  <a:schemeClr val="tx1"/>
+                </a:solidFill>
+                <a:latin typeface="+mn-lt"/>
+                <a:ea typeface="+mn-ea"/>
+                <a:cs typeface="+mn-cs"/>
+              </a:defRPr>
+            </a:lvl4pPr>
+            <a:lvl5pPr marL="2057400" indent="-228600" algn="l" defTabSz="914400" rtl="0" eaLnBrk="1" latinLnBrk="0" hangingPunct="1">
+              <a:lnSpc>
+                <a:spcPct val="90000"/>
+              </a:lnSpc>
+              <a:spcBef>
+                <a:spcPts val="500"/>
+              </a:spcBef>
+              <a:buFont typeface="Arial" panose="020B0604020202020204" pitchFamily="34" charset="0"/>
+              <a:buChar char="•"/>
+              <a:defRPr sz="1800" kern="1200">
+                <a:solidFill>
+                  <a:schemeClr val="tx1"/>
+                </a:solidFill>
+                <a:latin typeface="+mn-lt"/>
+                <a:ea typeface="+mn-ea"/>
+                <a:cs typeface="+mn-cs"/>
+              </a:defRPr>
+            </a:lvl5pPr>
+            <a:lvl6pPr marL="2514600" indent="-228600" algn="l" defTabSz="914400" rtl="0" eaLnBrk="1" latinLnBrk="0" hangingPunct="1">
+              <a:lnSpc>
+                <a:spcPct val="90000"/>
+              </a:lnSpc>
+              <a:spcBef>
+                <a:spcPts val="500"/>
+              </a:spcBef>
+              <a:buFont typeface="Arial" panose="020B0604020202020204" pitchFamily="34" charset="0"/>
+              <a:buChar char="•"/>
+              <a:defRPr sz="1800" kern="1200">
+                <a:solidFill>
+                  <a:schemeClr val="tx1"/>
+                </a:solidFill>
+                <a:latin typeface="+mn-lt"/>
+                <a:ea typeface="+mn-ea"/>
+                <a:cs typeface="+mn-cs"/>
+              </a:defRPr>
+            </a:lvl6pPr>
+            <a:lvl7pPr marL="2971800" indent="-228600" algn="l" defTabSz="914400" rtl="0" eaLnBrk="1" latinLnBrk="0" hangingPunct="1">
+              <a:lnSpc>
+                <a:spcPct val="90000"/>
+              </a:lnSpc>
+              <a:spcBef>
+                <a:spcPts val="500"/>
+              </a:spcBef>
+              <a:buFont typeface="Arial" panose="020B0604020202020204" pitchFamily="34" charset="0"/>
+              <a:buChar char="•"/>
+              <a:defRPr sz="1800" kern="1200">
+                <a:solidFill>
+                  <a:schemeClr val="tx1"/>
+                </a:solidFill>
+                <a:latin typeface="+mn-lt"/>
+                <a:ea typeface="+mn-ea"/>
+                <a:cs typeface="+mn-cs"/>
+              </a:defRPr>
+            </a:lvl7pPr>
+            <a:lvl8pPr marL="3429000" indent="-228600" algn="l" defTabSz="914400" rtl="0" eaLnBrk="1" latinLnBrk="0" hangingPunct="1">
+              <a:lnSpc>
+                <a:spcPct val="90000"/>
+              </a:lnSpc>
+              <a:spcBef>
+                <a:spcPts val="500"/>
+              </a:spcBef>
+              <a:buFont typeface="Arial" panose="020B0604020202020204" pitchFamily="34" charset="0"/>
+              <a:buChar char="•"/>
+              <a:defRPr sz="1800" kern="1200">
+                <a:solidFill>
+                  <a:schemeClr val="tx1"/>
+                </a:solidFill>
+                <a:latin typeface="+mn-lt"/>
+                <a:ea typeface="+mn-ea"/>
+                <a:cs typeface="+mn-cs"/>
+              </a:defRPr>
+            </a:lvl8pPr>
+            <a:lvl9pPr marL="3886200" indent="-228600" algn="l" defTabSz="914400" rtl="0" eaLnBrk="1" latinLnBrk="0" hangingPunct="1">
+              <a:lnSpc>
+                <a:spcPct val="90000"/>
+              </a:lnSpc>
+              <a:spcBef>
+                <a:spcPts val="500"/>
+              </a:spcBef>
+              <a:buFont typeface="Arial" panose="020B0604020202020204" pitchFamily="34" charset="0"/>
+              <a:buChar char="•"/>
+              <a:defRPr sz="1800" kern="1200">
+                <a:solidFill>
+                  <a:schemeClr val="tx1"/>
+                </a:solidFill>
+                <a:latin typeface="+mn-lt"/>
+                <a:ea typeface="+mn-ea"/>
+                <a:cs typeface="+mn-cs"/>
+              </a:defRPr>
+            </a:lvl9pPr>
+          </a:lstStyle>
+          <a:p>
+            <a:pPr marL="0" indent="0">
+              <a:buFont typeface="Arial" panose="020B0604020202020204" pitchFamily="34" charset="0"/>
+              <a:buNone/>
+            </a:pPr>
+            <a:r>
+              <a:rPr lang="en-US" dirty="0"/>
+              <a:t>Algorithm to create CSS:</a:t>
+            </a:r>
+          </a:p>
+          <a:p>
+            <a:pPr marL="971550" lvl="1" indent="-514350">
+              <a:buFont typeface="+mj-lt"/>
+              <a:buAutoNum type="arabicPeriod"/>
+            </a:pPr>
+            <a:r>
+              <a:rPr lang="en-US" dirty="0"/>
+              <a:t>Determine what selectors are impacted</a:t>
+            </a:r>
+          </a:p>
+          <a:p>
+            <a:pPr marL="971550" lvl="1" indent="-514350">
+              <a:buFont typeface="+mj-lt"/>
+              <a:buAutoNum type="arabicPeriod"/>
+            </a:pPr>
+            <a:r>
+              <a:rPr lang="en-US" dirty="0"/>
+              <a:t>Determine what properties for the selectors in Step 1 need stylized</a:t>
+            </a:r>
+          </a:p>
+          <a:p>
+            <a:pPr marL="971550" lvl="1" indent="-514350">
+              <a:buFont typeface="+mj-lt"/>
+              <a:buAutoNum type="arabicPeriod"/>
+            </a:pPr>
+            <a:r>
+              <a:rPr lang="en-US" dirty="0"/>
+              <a:t>Determine what values the properties found in Step 2 need to be assigned</a:t>
+            </a:r>
+          </a:p>
+          <a:p>
+            <a:pPr marL="971550" lvl="1" indent="-514350">
+              <a:buFont typeface="+mj-lt"/>
+              <a:buAutoNum type="arabicPeriod"/>
+            </a:pPr>
+            <a:r>
+              <a:rPr lang="en-US" dirty="0"/>
+              <a:t>Construct the CSS using the abstract CSS structure</a:t>
+            </a:r>
+          </a:p>
+          <a:p>
+            <a:pPr marL="971550" lvl="1" indent="-514350">
+              <a:buFont typeface="+mj-lt"/>
+              <a:buAutoNum type="arabicPeriod"/>
+            </a:pPr>
+            <a:endParaRPr lang="en-US" dirty="0"/>
+          </a:p>
+        </p:txBody>
+      </p:sp>
+    </p:spTree>
+    <p:extLst>
+      <p:ext uri="{BB962C8B-B14F-4D97-AF65-F5344CB8AC3E}">
+        <p14:creationId xmlns:p14="http://schemas.microsoft.com/office/powerpoint/2010/main" val="1992847997"/>
       </p:ext>
     </p:extLst>
   </p:cSld>
@@ -9678,6 +17270,15 @@
 </file>
 
 <file path=customXml/item1.xml><?xml version="1.0" encoding="utf-8"?>
+<?mso-contentType ?>
+<FormTemplates xmlns="http://schemas.microsoft.com/sharepoint/v3/contenttype/forms">
+  <Display>DocumentLibraryForm</Display>
+  <Edit>DocumentLibraryForm</Edit>
+  <New>DocumentLibraryForm</New>
+</FormTemplates>
+</file>
+
+<file path=customXml/item2.xml><?xml version="1.0" encoding="utf-8"?>
 <ct:contentTypeSchema xmlns:ct="http://schemas.microsoft.com/office/2006/metadata/contentType" xmlns:ma="http://schemas.microsoft.com/office/2006/metadata/properties/metaAttributes" ct:_="" ma:_="" ma:contentTypeName="Document" ma:contentTypeID="0x010100560B5B77A830FC46B2AE00BAF7D52A54" ma:contentTypeVersion="7" ma:contentTypeDescription="Create a new document." ma:contentTypeScope="" ma:versionID="b4505af7389e3055bf286c471b435ab2">
   <xsd:schema xmlns:xsd="http://www.w3.org/2001/XMLSchema" xmlns:xs="http://www.w3.org/2001/XMLSchema" xmlns:p="http://schemas.microsoft.com/office/2006/metadata/properties" xmlns:ns3="8c07c512-1ff3-44bd-87df-82ef976e112f" targetNamespace="http://schemas.microsoft.com/office/2006/metadata/properties" ma:root="true" ma:fieldsID="6f058549addda5694cbd4e31095b42cb" ns3:_="">
     <xsd:import namespace="8c07c512-1ff3-44bd-87df-82ef976e112f"/>
@@ -9839,15 +17440,6 @@
 </ct:contentTypeSchema>
 </file>
 
-<file path=customXml/item2.xml><?xml version="1.0" encoding="utf-8"?>
-<?mso-contentType ?>
-<FormTemplates xmlns="http://schemas.microsoft.com/sharepoint/v3/contenttype/forms">
-  <Display>DocumentLibraryForm</Display>
-  <Edit>DocumentLibraryForm</Edit>
-  <New>DocumentLibraryForm</New>
-</FormTemplates>
-</file>
-
 <file path=customXml/item3.xml><?xml version="1.0" encoding="utf-8"?>
 <p:properties xmlns:p="http://schemas.microsoft.com/office/2006/metadata/properties" xmlns:xsi="http://www.w3.org/2001/XMLSchema-instance" xmlns:pc="http://schemas.microsoft.com/office/infopath/2007/PartnerControls">
   <documentManagement/>
@@ -9855,6 +17447,14 @@
 </file>
 
 <file path=customXml/itemProps1.xml><?xml version="1.0" encoding="utf-8"?>
+<ds:datastoreItem xmlns:ds="http://schemas.openxmlformats.org/officeDocument/2006/customXml" ds:itemID="{5C34DC37-16A5-415B-BA82-73F1AF4BAEE0}">
+  <ds:schemaRefs>
+    <ds:schemaRef ds:uri="http://schemas.microsoft.com/sharepoint/v3/contenttype/forms"/>
+  </ds:schemaRefs>
+</ds:datastoreItem>
+</file>
+
+<file path=customXml/itemProps2.xml><?xml version="1.0" encoding="utf-8"?>
 <ds:datastoreItem xmlns:ds="http://schemas.openxmlformats.org/officeDocument/2006/customXml" ds:itemID="{5DCD1966-A8C1-43D0-AB8B-C9955F90A021}">
   <ds:schemaRefs>
     <ds:schemaRef ds:uri="http://schemas.microsoft.com/office/2006/metadata/contentType"/>
@@ -9872,26 +17472,18 @@
 </ds:datastoreItem>
 </file>
 
-<file path=customXml/itemProps2.xml><?xml version="1.0" encoding="utf-8"?>
-<ds:datastoreItem xmlns:ds="http://schemas.openxmlformats.org/officeDocument/2006/customXml" ds:itemID="{5C34DC37-16A5-415B-BA82-73F1AF4BAEE0}">
-  <ds:schemaRefs>
-    <ds:schemaRef ds:uri="http://schemas.microsoft.com/sharepoint/v3/contenttype/forms"/>
-  </ds:schemaRefs>
-</ds:datastoreItem>
-</file>
-
 <file path=customXml/itemProps3.xml><?xml version="1.0" encoding="utf-8"?>
 <ds:datastoreItem xmlns:ds="http://schemas.openxmlformats.org/officeDocument/2006/customXml" ds:itemID="{1E4DC3C4-30AB-4C05-AE8F-83899FA29686}">
   <ds:schemaRefs>
-    <ds:schemaRef ds:uri="8c07c512-1ff3-44bd-87df-82ef976e112f"/>
     <ds:schemaRef ds:uri="http://purl.org/dc/terms/"/>
     <ds:schemaRef ds:uri="http://schemas.openxmlformats.org/package/2006/metadata/core-properties"/>
     <ds:schemaRef ds:uri="http://schemas.microsoft.com/office/2006/documentManagement/types"/>
+    <ds:schemaRef ds:uri="http://purl.org/dc/dcmitype/"/>
     <ds:schemaRef ds:uri="http://schemas.microsoft.com/office/infopath/2007/PartnerControls"/>
     <ds:schemaRef ds:uri="http://purl.org/dc/elements/1.1/"/>
     <ds:schemaRef ds:uri="http://schemas.microsoft.com/office/2006/metadata/properties"/>
+    <ds:schemaRef ds:uri="8c07c512-1ff3-44bd-87df-82ef976e112f"/>
     <ds:schemaRef ds:uri="http://www.w3.org/XML/1998/namespace"/>
-    <ds:schemaRef ds:uri="http://purl.org/dc/dcmitype/"/>
   </ds:schemaRefs>
 </ds:datastoreItem>
 </file>